--- a/Sistema de Vendas MySQL.pptx
+++ b/Sistema de Vendas MySQL.pptx
@@ -6,7 +6,7 @@
     <p:sldMasterId id="2147483661" r:id="rId2"/>
   </p:sldMasterIdLst>
   <p:notesMasterIdLst>
-    <p:notesMasterId r:id="rId47"/>
+    <p:notesMasterId r:id="rId45"/>
   </p:notesMasterIdLst>
   <p:sldIdLst>
     <p:sldId id="256" r:id="rId3"/>
@@ -50,9 +50,7 @@
     <p:sldId id="294" r:id="rId41"/>
     <p:sldId id="295" r:id="rId42"/>
     <p:sldId id="296" r:id="rId43"/>
-    <p:sldId id="297" r:id="rId44"/>
-    <p:sldId id="298" r:id="rId45"/>
-    <p:sldId id="299" r:id="rId46"/>
+    <p:sldId id="298" r:id="rId44"/>
   </p:sldIdLst>
   <p:sldSz cx="6858000" cy="5143500"/>
   <p:notesSz cx="6858000" cy="9144000"/>
@@ -1577,7 +1575,7 @@
           <a:bodyPr lIns="0" tIns="0" rIns="0" bIns="0" anchor="ctr"/>
           <a:lstStyle/>
           <a:p>
-            <a:endParaRPr lang="pt-BR" sz="3300" b="0" strike="noStrike" spc="-1">
+            <a:endParaRPr lang="pt-BR" sz="3300" b="0" strike="noStrike" spc="-1" dirty="0">
               <a:solidFill>
                 <a:srgbClr val="000000"/>
               </a:solidFill>
@@ -2151,7 +2149,7 @@
           <a:bodyPr lIns="0" tIns="0" rIns="0" bIns="0" anchor="ctr"/>
           <a:lstStyle/>
           <a:p>
-            <a:endParaRPr lang="pt-BR" sz="3300" b="0" strike="noStrike" spc="-1">
+            <a:endParaRPr lang="pt-BR" sz="3300" b="0" strike="noStrike" spc="-1" dirty="0">
               <a:solidFill>
                 <a:srgbClr val="000000"/>
               </a:solidFill>
@@ -3409,7 +3407,7 @@
           <a:lstStyle/>
           <a:p>
             <a:pPr algn="ctr"/>
-            <a:endParaRPr lang="pt-BR" sz="3200" b="0" strike="noStrike" spc="-1">
+            <a:endParaRPr lang="pt-BR" sz="3200" b="0" strike="noStrike" spc="-1" dirty="0">
               <a:latin typeface="Arial"/>
             </a:endParaRPr>
           </a:p>
@@ -4177,7 +4175,7 @@
               <a:buChar char=""/>
             </a:pPr>
             <a:r>
-              <a:rPr lang="pt-BR" sz="2400" b="0" strike="noStrike" spc="-1">
+              <a:rPr lang="pt-BR" sz="2400" b="0" strike="noStrike" spc="-1" dirty="0">
                 <a:solidFill>
                   <a:srgbClr val="000000"/>
                 </a:solidFill>
@@ -4199,7 +4197,7 @@
               <a:buChar char=""/>
             </a:pPr>
             <a:r>
-              <a:rPr lang="pt-BR" sz="1800" b="0" strike="noStrike" spc="-1">
+              <a:rPr lang="pt-BR" sz="1800" b="0" strike="noStrike" spc="-1" dirty="0">
                 <a:solidFill>
                   <a:srgbClr val="000000"/>
                 </a:solidFill>
@@ -4221,7 +4219,7 @@
               <a:buChar char=""/>
             </a:pPr>
             <a:r>
-              <a:rPr lang="pt-BR" sz="1500" b="0" strike="noStrike" spc="-1">
+              <a:rPr lang="pt-BR" sz="1500" b="0" strike="noStrike" spc="-1" dirty="0">
                 <a:solidFill>
                   <a:srgbClr val="000000"/>
                 </a:solidFill>
@@ -4243,7 +4241,7 @@
               <a:buChar char=""/>
             </a:pPr>
             <a:r>
-              <a:rPr lang="pt-BR" sz="1500" b="0" strike="noStrike" spc="-1">
+              <a:rPr lang="pt-BR" sz="1500" b="0" strike="noStrike" spc="-1" dirty="0">
                 <a:solidFill>
                   <a:srgbClr val="000000"/>
                 </a:solidFill>
@@ -4265,7 +4263,7 @@
               <a:buChar char=""/>
             </a:pPr>
             <a:r>
-              <a:rPr lang="pt-BR" sz="2000" b="0" strike="noStrike" spc="-1">
+              <a:rPr lang="pt-BR" sz="2000" b="0" strike="noStrike" spc="-1" dirty="0">
                 <a:solidFill>
                   <a:srgbClr val="000000"/>
                 </a:solidFill>
@@ -4287,7 +4285,7 @@
               <a:buChar char=""/>
             </a:pPr>
             <a:r>
-              <a:rPr lang="pt-BR" sz="2000" b="0" strike="noStrike" spc="-1">
+              <a:rPr lang="pt-BR" sz="2000" b="0" strike="noStrike" spc="-1" dirty="0">
                 <a:solidFill>
                   <a:srgbClr val="000000"/>
                 </a:solidFill>
@@ -4309,7 +4307,7 @@
               <a:buChar char=""/>
             </a:pPr>
             <a:r>
-              <a:rPr lang="pt-BR" sz="2000" b="0" strike="noStrike" spc="-1">
+              <a:rPr lang="pt-BR" sz="2000" b="0" strike="noStrike" spc="-1" dirty="0">
                 <a:solidFill>
                   <a:srgbClr val="000000"/>
                 </a:solidFill>
@@ -20031,7 +20029,7 @@
               </a:lnSpc>
             </a:pPr>
             <a:r>
-              <a:rPr lang="pt-BR" sz="3300" b="0" strike="noStrike" spc="-1">
+              <a:rPr lang="pt-BR" sz="3300" b="0" strike="noStrike" spc="-1" dirty="0">
                 <a:solidFill>
                   <a:srgbClr val="000000"/>
                 </a:solidFill>
@@ -20204,7 +20202,7 @@
       </p:grpSpPr>
       <p:sp>
         <p:nvSpPr>
-          <p:cNvPr id="185" name="TextShape 1"/>
+          <p:cNvPr id="183" name="TextShape 1"/>
           <p:cNvSpPr txBox="1"/>
           <p:nvPr/>
         </p:nvSpPr>
@@ -20225,170 +20223,42 @@
           <a:bodyPr anchor="ctr"/>
           <a:lstStyle/>
           <a:p>
-            <a:endParaRPr lang="pt-BR" sz="3300" b="0" strike="noStrike" spc="-1">
-              <a:solidFill>
-                <a:srgbClr val="000000"/>
-              </a:solidFill>
-              <a:latin typeface="Arial"/>
-            </a:endParaRPr>
+            <a:pPr algn="ctr">
+              <a:lnSpc>
+                <a:spcPct val="100000"/>
+              </a:lnSpc>
+            </a:pPr>
+            <a:r>
+              <a:rPr lang="pt-BR" sz="3300" b="0" strike="noStrike" spc="-1" dirty="0">
+                <a:solidFill>
+                  <a:srgbClr val="000000"/>
+                </a:solidFill>
+                <a:latin typeface="Arial"/>
+              </a:rPr>
+              <a:t>Exercícios - </a:t>
+            </a:r>
+            <a:r>
+              <a:rPr lang="pt-BR" sz="3300" b="1" strike="noStrike" spc="-1" dirty="0">
+                <a:solidFill>
+                  <a:srgbClr val="FF0000"/>
+                </a:solidFill>
+                <a:latin typeface="Arial"/>
+              </a:rPr>
+              <a:t>Resolvidos</a:t>
+            </a:r>
           </a:p>
         </p:txBody>
       </p:sp>
       <p:sp>
         <p:nvSpPr>
-          <p:cNvPr id="186" name="TextShape 2"/>
+          <p:cNvPr id="184" name="TextShape 2"/>
           <p:cNvSpPr txBox="1"/>
           <p:nvPr/>
         </p:nvSpPr>
         <p:spPr>
           <a:xfrm>
-            <a:off x="116640" y="991440"/>
-            <a:ext cx="6624360" cy="3740040"/>
-          </a:xfrm>
-          <a:prstGeom prst="rect">
-            <a:avLst/>
-          </a:prstGeom>
-          <a:noFill/>
-          <a:ln>
-            <a:noFill/>
-          </a:ln>
-        </p:spPr>
-        <p:txBody>
-          <a:bodyPr/>
-          <a:lstStyle/>
-          <a:p>
-            <a:pPr>
-              <a:lnSpc>
-                <a:spcPct val="100000"/>
-              </a:lnSpc>
-              <a:spcBef>
-                <a:spcPts val="479"/>
-              </a:spcBef>
-            </a:pPr>
-            <a:endParaRPr lang="pt-BR" sz="2400" b="0" strike="noStrike" spc="-1">
-              <a:solidFill>
-                <a:srgbClr val="000000"/>
-              </a:solidFill>
-              <a:latin typeface="Arial"/>
-            </a:endParaRPr>
-          </a:p>
-          <a:p>
-            <a:pPr marL="257040" indent="-256680">
-              <a:lnSpc>
-                <a:spcPct val="100000"/>
-              </a:lnSpc>
-              <a:spcBef>
-                <a:spcPts val="479"/>
-              </a:spcBef>
-              <a:buClr>
-                <a:srgbClr val="000000"/>
-              </a:buClr>
-              <a:buFont typeface="Arial"/>
-              <a:buChar char="•"/>
-            </a:pPr>
-            <a:r>
-              <a:rPr lang="pt-BR" sz="2400" b="0" strike="noStrike" spc="-1">
-                <a:solidFill>
-                  <a:srgbClr val="000000"/>
-                </a:solidFill>
-                <a:latin typeface="Arial"/>
-              </a:rPr>
-              <a:t>select ((pro_venda / pro_custo)-1)*100 from produto;</a:t>
-            </a:r>
-          </a:p>
-          <a:p>
-            <a:pPr>
-              <a:lnSpc>
-                <a:spcPct val="100000"/>
-              </a:lnSpc>
-              <a:spcBef>
-                <a:spcPts val="479"/>
-              </a:spcBef>
-            </a:pPr>
-            <a:endParaRPr lang="pt-BR" sz="2400" b="0" strike="noStrike" spc="-1">
-              <a:solidFill>
-                <a:srgbClr val="000000"/>
-              </a:solidFill>
-              <a:latin typeface="Arial"/>
-            </a:endParaRPr>
-          </a:p>
-          <a:p>
-            <a:pPr marL="257040" indent="-256680">
-              <a:lnSpc>
-                <a:spcPct val="100000"/>
-              </a:lnSpc>
-              <a:spcBef>
-                <a:spcPts val="479"/>
-              </a:spcBef>
-              <a:buClr>
-                <a:srgbClr val="000000"/>
-              </a:buClr>
-              <a:buFont typeface="Arial"/>
-              <a:buChar char="•"/>
-            </a:pPr>
-            <a:r>
-              <a:rPr lang="pt-BR" sz="2400" b="0" strike="noStrike" spc="-1">
-                <a:solidFill>
-                  <a:srgbClr val="000000"/>
-                </a:solidFill>
-                <a:latin typeface="Arial"/>
-              </a:rPr>
-              <a:t>select pro_descricao, concat(format(((pro_venda / pro_custo)-1)*100,2),' %')as lucro from produto;</a:t>
-            </a:r>
-          </a:p>
-          <a:p>
-            <a:pPr>
-              <a:lnSpc>
-                <a:spcPct val="100000"/>
-              </a:lnSpc>
-              <a:spcBef>
-                <a:spcPts val="479"/>
-              </a:spcBef>
-            </a:pPr>
-            <a:endParaRPr lang="pt-BR" sz="2400" b="0" strike="noStrike" spc="-1">
-              <a:solidFill>
-                <a:srgbClr val="000000"/>
-              </a:solidFill>
-              <a:latin typeface="Arial"/>
-            </a:endParaRPr>
-          </a:p>
-        </p:txBody>
-      </p:sp>
-    </p:spTree>
-  </p:cSld>
-  <p:clrMapOvr>
-    <a:masterClrMapping/>
-  </p:clrMapOvr>
-</p:sld>
-</file>
-
-<file path=ppt/slides/slide43.xml><?xml version="1.0" encoding="utf-8"?>
-<p:sld xmlns:a="http://schemas.openxmlformats.org/drawingml/2006/main" xmlns:r="http://schemas.openxmlformats.org/officeDocument/2006/relationships" xmlns:p="http://schemas.openxmlformats.org/presentationml/2006/main">
-  <p:cSld>
-    <p:spTree>
-      <p:nvGrpSpPr>
-        <p:cNvPr id="1" name=""/>
-        <p:cNvGrpSpPr/>
-        <p:nvPr/>
-      </p:nvGrpSpPr>
-      <p:grpSpPr>
-        <a:xfrm>
-          <a:off x="0" y="0"/>
-          <a:ext cx="0" cy="0"/>
-          <a:chOff x="0" y="0"/>
-          <a:chExt cx="0" cy="0"/>
-        </a:xfrm>
-      </p:grpSpPr>
-      <p:sp>
-        <p:nvSpPr>
-          <p:cNvPr id="187" name="TextShape 1"/>
-          <p:cNvSpPr txBox="1"/>
-          <p:nvPr/>
-        </p:nvSpPr>
-        <p:spPr>
-          <a:xfrm>
-            <a:off x="0" y="339480"/>
-            <a:ext cx="6857640" cy="579600"/>
+            <a:off x="0" y="991440"/>
+            <a:ext cx="6857640" cy="3740040"/>
           </a:xfrm>
           <a:prstGeom prst="rect">
             <a:avLst/>
@@ -20402,226 +20272,32 @@
           <a:bodyPr anchor="ctr"/>
           <a:lstStyle/>
           <a:p>
-            <a:endParaRPr lang="pt-BR" sz="3300" b="0" strike="noStrike" spc="-1">
-              <a:solidFill>
-                <a:srgbClr val="000000"/>
-              </a:solidFill>
-              <a:latin typeface="Arial"/>
-            </a:endParaRPr>
-          </a:p>
-        </p:txBody>
-      </p:sp>
-      <p:sp>
-        <p:nvSpPr>
-          <p:cNvPr id="188" name="TextShape 2"/>
-          <p:cNvSpPr txBox="1"/>
-          <p:nvPr/>
-        </p:nvSpPr>
-        <p:spPr>
-          <a:xfrm>
-            <a:off x="116640" y="991440"/>
-            <a:ext cx="6624360" cy="3740040"/>
-          </a:xfrm>
-          <a:prstGeom prst="rect">
-            <a:avLst/>
-          </a:prstGeom>
-          <a:noFill/>
-          <a:ln>
-            <a:noFill/>
-          </a:ln>
-        </p:spPr>
-        <p:txBody>
-          <a:bodyPr/>
-          <a:lstStyle/>
-          <a:p>
-            <a:pPr marL="257040" indent="-256680">
-              <a:lnSpc>
-                <a:spcPct val="100000"/>
-              </a:lnSpc>
-              <a:spcBef>
-                <a:spcPts val="479"/>
+            <a:pPr marL="360">
+              <a:lnSpc>
+                <a:spcPct val="100000"/>
+              </a:lnSpc>
+              <a:spcBef>
+                <a:spcPts val="439"/>
               </a:spcBef>
               <a:buClr>
                 <a:srgbClr val="000000"/>
               </a:buClr>
-              <a:buFont typeface="Arial"/>
-              <a:buChar char="•"/>
-            </a:pPr>
-            <a:r>
-              <a:rPr lang="pt-BR" sz="2400" b="0" strike="noStrike" spc="-1">
-                <a:solidFill>
-                  <a:srgbClr val="000000"/>
-                </a:solidFill>
-                <a:latin typeface="Arial"/>
-              </a:rPr>
-              <a:t>operadores lógicos e relacionais</a:t>
-            </a:r>
-          </a:p>
-          <a:p>
-            <a:pPr marL="257040" indent="-256680">
-              <a:lnSpc>
-                <a:spcPct val="100000"/>
-              </a:lnSpc>
-              <a:spcBef>
-                <a:spcPts val="479"/>
-              </a:spcBef>
-              <a:buClr>
-                <a:srgbClr val="000000"/>
-              </a:buClr>
-              <a:buFont typeface="Arial"/>
-              <a:buChar char="•"/>
-            </a:pPr>
-            <a:r>
-              <a:rPr lang="pt-BR" sz="2400" b="0" strike="noStrike" spc="-1">
-                <a:solidFill>
-                  <a:srgbClr val="000000"/>
-                </a:solidFill>
-                <a:latin typeface="Arial"/>
-              </a:rPr>
-              <a:t>funções: o convert(), str(float, lenght, decimal), ascii(string), char(integer), len(string), lower(string), upper(string), replicate(string, integer), space (nº_espaço_em_branco, right(string, nº de caracteres à esquerda), left (string, nº de caracteres à direita), ltrim(string), rtrim (string), substring(string texto, posicao_inicial, tamanho), reverse(string), dateadd (parte, numero, data), round(número, precisão, arredondar ou truncar), isnull(valor1, valor a ser retornado), isnumeric(expressao), case, count, avg( [distinct │all] n), max( [distinct │all] n), min( [distinct │all] n), sum( [distinct │all] n)</a:t>
-            </a:r>
+            </a:pPr>
+            <a:endParaRPr lang="pt-BR" sz="2200" b="0" strike="noStrike" spc="-1" dirty="0">
+              <a:solidFill>
+                <a:srgbClr val="000000"/>
+              </a:solidFill>
+              <a:latin typeface="Arial"/>
+            </a:endParaRPr>
           </a:p>
         </p:txBody>
       </p:sp>
     </p:spTree>
-  </p:cSld>
-  <p:clrMapOvr>
-    <a:masterClrMapping/>
-  </p:clrMapOvr>
-</p:sld>
-</file>
-
-<file path=ppt/slides/slide44.xml><?xml version="1.0" encoding="utf-8"?>
-<p:sld xmlns:a="http://schemas.openxmlformats.org/drawingml/2006/main" xmlns:r="http://schemas.openxmlformats.org/officeDocument/2006/relationships" xmlns:p="http://schemas.openxmlformats.org/presentationml/2006/main">
-  <p:cSld>
-    <p:spTree>
-      <p:nvGrpSpPr>
-        <p:cNvPr id="1" name=""/>
-        <p:cNvGrpSpPr/>
-        <p:nvPr/>
-      </p:nvGrpSpPr>
-      <p:grpSpPr>
-        <a:xfrm>
-          <a:off x="0" y="0"/>
-          <a:ext cx="0" cy="0"/>
-          <a:chOff x="0" y="0"/>
-          <a:chExt cx="0" cy="0"/>
-        </a:xfrm>
-      </p:grpSpPr>
-      <p:sp>
-        <p:nvSpPr>
-          <p:cNvPr id="189" name="TextShape 1"/>
-          <p:cNvSpPr txBox="1"/>
-          <p:nvPr/>
-        </p:nvSpPr>
-        <p:spPr>
-          <a:xfrm>
-            <a:off x="0" y="339480"/>
-            <a:ext cx="6857640" cy="579600"/>
-          </a:xfrm>
-          <a:prstGeom prst="rect">
-            <a:avLst/>
-          </a:prstGeom>
-          <a:noFill/>
-          <a:ln>
-            <a:noFill/>
-          </a:ln>
-        </p:spPr>
-        <p:txBody>
-          <a:bodyPr anchor="ctr"/>
-          <a:lstStyle/>
-          <a:p>
-            <a:endParaRPr lang="pt-BR" sz="3300" b="0" strike="noStrike" spc="-1">
-              <a:solidFill>
-                <a:srgbClr val="000000"/>
-              </a:solidFill>
-              <a:latin typeface="Arial"/>
-            </a:endParaRPr>
-          </a:p>
-        </p:txBody>
-      </p:sp>
-      <p:sp>
-        <p:nvSpPr>
-          <p:cNvPr id="190" name="TextShape 2"/>
-          <p:cNvSpPr txBox="1"/>
-          <p:nvPr/>
-        </p:nvSpPr>
-        <p:spPr>
-          <a:xfrm>
-            <a:off x="116640" y="991440"/>
-            <a:ext cx="6624360" cy="3740040"/>
-          </a:xfrm>
-          <a:prstGeom prst="rect">
-            <a:avLst/>
-          </a:prstGeom>
-          <a:noFill/>
-          <a:ln>
-            <a:noFill/>
-          </a:ln>
-        </p:spPr>
-        <p:txBody>
-          <a:bodyPr/>
-          <a:lstStyle/>
-          <a:p>
-            <a:pPr>
-              <a:lnSpc>
-                <a:spcPct val="100000"/>
-              </a:lnSpc>
-              <a:spcBef>
-                <a:spcPts val="479"/>
-              </a:spcBef>
-            </a:pPr>
-            <a:r>
-              <a:rPr lang="pt-BR" sz="2400" b="0" strike="noStrike" spc="-1">
-                <a:solidFill>
-                  <a:srgbClr val="000000"/>
-                </a:solidFill>
-                <a:latin typeface="Arial"/>
-              </a:rPr>
-              <a:t>funções</a:t>
-            </a:r>
-          </a:p>
-          <a:p>
-            <a:pPr>
-              <a:lnSpc>
-                <a:spcPct val="100000"/>
-              </a:lnSpc>
-              <a:spcBef>
-                <a:spcPts val="479"/>
-              </a:spcBef>
-            </a:pPr>
-            <a:r>
-              <a:rPr lang="pt-BR" sz="2400" b="0" strike="noStrike" spc="-1">
-                <a:solidFill>
-                  <a:srgbClr val="000000"/>
-                </a:solidFill>
-                <a:latin typeface="Arial"/>
-              </a:rPr>
-              <a:t>máximo, mínimo, soma,contagem media</a:t>
-            </a:r>
-          </a:p>
-          <a:p>
-            <a:pPr>
-              <a:lnSpc>
-                <a:spcPct val="100000"/>
-              </a:lnSpc>
-              <a:spcBef>
-                <a:spcPts val="479"/>
-              </a:spcBef>
-            </a:pPr>
-            <a:r>
-              <a:rPr lang="pt-BR" sz="2400" b="0" strike="noStrike" spc="-1">
-                <a:solidFill>
-                  <a:srgbClr val="000000"/>
-                </a:solidFill>
-                <a:latin typeface="Arial"/>
-              </a:rPr>
-              <a:t>inner join outer join, self join</a:t>
-            </a:r>
-          </a:p>
-        </p:txBody>
-      </p:sp>
-    </p:spTree>
+    <p:extLst>
+      <p:ext uri="{BB962C8B-B14F-4D97-AF65-F5344CB8AC3E}">
+        <p14:creationId xmlns:p14="http://schemas.microsoft.com/office/powerpoint/2010/main" val="3722096110"/>
+      </p:ext>
+    </p:extLst>
   </p:cSld>
   <p:clrMapOvr>
     <a:masterClrMapping/>

--- a/Sistema de Vendas MySQL.pptx
+++ b/Sistema de Vendas MySQL.pptx
@@ -6,7 +6,7 @@
     <p:sldMasterId id="2147483661" r:id="rId2"/>
   </p:sldMasterIdLst>
   <p:notesMasterIdLst>
-    <p:notesMasterId r:id="rId45"/>
+    <p:notesMasterId r:id="rId49"/>
   </p:notesMasterIdLst>
   <p:sldIdLst>
     <p:sldId id="256" r:id="rId3"/>
@@ -51,6 +51,10 @@
     <p:sldId id="295" r:id="rId42"/>
     <p:sldId id="296" r:id="rId43"/>
     <p:sldId id="298" r:id="rId44"/>
+    <p:sldId id="299" r:id="rId45"/>
+    <p:sldId id="300" r:id="rId46"/>
+    <p:sldId id="301" r:id="rId47"/>
+    <p:sldId id="303" r:id="rId48"/>
   </p:sldIdLst>
   <p:sldSz cx="6858000" cy="5143500"/>
   <p:notesSz cx="6858000" cy="9144000"/>
@@ -4058,7 +4062,7 @@
                 </a:solidFill>
                 <a:latin typeface="Arial"/>
               </a:rPr>
-              <a:t>29/07/2018</a:t>
+              <a:t>13/08/2018</a:t>
             </a:fld>
             <a:endParaRPr lang="pt-BR" sz="900" b="0" strike="noStrike" spc="-1">
               <a:latin typeface="Times New Roman"/>
@@ -4922,7 +4926,7 @@
                 </a:solidFill>
                 <a:latin typeface="Arial"/>
               </a:rPr>
-              <a:t>29/07/2018</a:t>
+              <a:t>13/08/2018</a:t>
             </a:fld>
             <a:endParaRPr lang="pt-BR" sz="900" b="0" strike="noStrike" spc="-1">
               <a:latin typeface="Times New Roman"/>
@@ -18666,7 +18670,7 @@
               <a:buAutoNum type="arabicPeriod" startAt="7"/>
             </a:pPr>
             <a:r>
-              <a:rPr lang="pt-BR" sz="2200" b="0" strike="noStrike" spc="-1">
+              <a:rPr lang="pt-BR" sz="2200" b="0" strike="noStrike" spc="-1" dirty="0">
                 <a:solidFill>
                   <a:srgbClr val="000000"/>
                 </a:solidFill>
@@ -18690,7 +18694,7 @@
               <a:buAutoNum type="arabicPeriod" startAt="7"/>
             </a:pPr>
             <a:r>
-              <a:rPr lang="pt-BR" sz="2200" b="0" strike="noStrike" spc="-1">
+              <a:rPr lang="pt-BR" sz="2200" b="0" strike="noStrike" spc="-1" dirty="0">
                 <a:solidFill>
                   <a:srgbClr val="000000"/>
                 </a:solidFill>
@@ -18714,7 +18718,7 @@
               <a:buAutoNum type="arabicPeriod" startAt="7"/>
             </a:pPr>
             <a:r>
-              <a:rPr lang="pt-BR" sz="2200" b="0" strike="noStrike" spc="-1">
+              <a:rPr lang="pt-BR" sz="2200" b="0" strike="noStrike" spc="-1" dirty="0">
                 <a:solidFill>
                   <a:srgbClr val="000000"/>
                 </a:solidFill>
@@ -18738,7 +18742,7 @@
               <a:buAutoNum type="arabicPeriod" startAt="7"/>
             </a:pPr>
             <a:r>
-              <a:rPr lang="pt-BR" sz="2200" b="0" strike="noStrike" spc="-1">
+              <a:rPr lang="pt-BR" sz="2200" b="0" strike="noStrike" spc="-1" dirty="0">
                 <a:solidFill>
                   <a:srgbClr val="000000"/>
                 </a:solidFill>
@@ -18762,13 +18766,31 @@
               <a:buAutoNum type="arabicPeriod" startAt="7"/>
             </a:pPr>
             <a:r>
-              <a:rPr lang="pt-BR" sz="2200" b="0" strike="noStrike" spc="-1">
+              <a:rPr lang="pt-BR" sz="2200" b="0" strike="noStrike" spc="-1" dirty="0">
                 <a:solidFill>
                   <a:srgbClr val="000000"/>
                 </a:solidFill>
                 <a:latin typeface="Arial"/>
               </a:rPr>
-              <a:t>Exibir o lucro formatado. (Ex: 30,25%)</a:t>
+              <a:t>Exibir o lucro formatado. (</a:t>
+            </a:r>
+            <a:r>
+              <a:rPr lang="pt-BR" sz="2200" b="0" strike="noStrike" spc="-1" dirty="0" err="1">
+                <a:solidFill>
+                  <a:srgbClr val="000000"/>
+                </a:solidFill>
+                <a:latin typeface="Arial"/>
+              </a:rPr>
+              <a:t>Ex</a:t>
+            </a:r>
+            <a:r>
+              <a:rPr lang="pt-BR" sz="2200" b="0" strike="noStrike" spc="-1" dirty="0">
+                <a:solidFill>
+                  <a:srgbClr val="000000"/>
+                </a:solidFill>
+                <a:latin typeface="Arial"/>
+              </a:rPr>
+              <a:t>: 30,25%)</a:t>
             </a:r>
           </a:p>
           <a:p>
@@ -18786,7 +18808,7 @@
               <a:buAutoNum type="arabicPeriod" startAt="7"/>
             </a:pPr>
             <a:r>
-              <a:rPr lang="pt-BR" sz="2200" b="0" strike="noStrike" spc="-1">
+              <a:rPr lang="pt-BR" sz="2200" b="0" strike="noStrike" spc="-1" dirty="0">
                 <a:solidFill>
                   <a:srgbClr val="000000"/>
                 </a:solidFill>
@@ -19876,7 +19898,7 @@
               <a:buAutoNum type="arabicPeriod" startAt="13"/>
             </a:pPr>
             <a:r>
-              <a:rPr lang="pt-BR" sz="2200" b="0" strike="noStrike" spc="-1">
+              <a:rPr lang="pt-BR" sz="2200" b="0" strike="noStrike" spc="-1" dirty="0">
                 <a:solidFill>
                   <a:srgbClr val="000000"/>
                 </a:solidFill>
@@ -19900,7 +19922,7 @@
               <a:buAutoNum type="arabicPeriod" startAt="13"/>
             </a:pPr>
             <a:r>
-              <a:rPr lang="pt-BR" sz="2200" b="0" strike="noStrike" spc="-1">
+              <a:rPr lang="pt-BR" sz="2200" b="0" strike="noStrike" spc="-1" dirty="0">
                 <a:solidFill>
                   <a:srgbClr val="000000"/>
                 </a:solidFill>
@@ -19924,7 +19946,7 @@
               <a:buAutoNum type="arabicPeriod" startAt="13"/>
             </a:pPr>
             <a:r>
-              <a:rPr lang="pt-BR" sz="2200" b="0" strike="noStrike" spc="-1">
+              <a:rPr lang="pt-BR" sz="2200" b="0" strike="noStrike" spc="-1" dirty="0">
                 <a:solidFill>
                   <a:srgbClr val="000000"/>
                 </a:solidFill>
@@ -19948,7 +19970,7 @@
               <a:buAutoNum type="arabicPeriod" startAt="13"/>
             </a:pPr>
             <a:r>
-              <a:rPr lang="pt-BR" sz="2200" b="0" strike="noStrike" spc="-1">
+              <a:rPr lang="pt-BR" sz="2200" b="0" strike="noStrike" spc="-1" dirty="0">
                 <a:solidFill>
                   <a:srgbClr val="000000"/>
                 </a:solidFill>
@@ -19966,7 +19988,7 @@
                 <a:spcPts val="479"/>
               </a:spcBef>
             </a:pPr>
-            <a:endParaRPr lang="pt-BR" sz="2200" b="0" strike="noStrike" spc="-1">
+            <a:endParaRPr lang="pt-BR" sz="2200" b="0" strike="noStrike" spc="-1" dirty="0">
               <a:solidFill>
                 <a:srgbClr val="000000"/>
               </a:solidFill>
@@ -20272,7 +20294,7 @@
           <a:bodyPr anchor="ctr"/>
           <a:lstStyle/>
           <a:p>
-            <a:pPr marL="360">
+            <a:pPr marL="457200" indent="-456840">
               <a:lnSpc>
                 <a:spcPct val="100000"/>
               </a:lnSpc>
@@ -20282,12 +20304,434 @@
               <a:buClr>
                 <a:srgbClr val="000000"/>
               </a:buClr>
-            </a:pPr>
-            <a:endParaRPr lang="pt-BR" sz="2200" b="0" strike="noStrike" spc="-1" dirty="0">
-              <a:solidFill>
-                <a:srgbClr val="000000"/>
-              </a:solidFill>
-              <a:latin typeface="Arial"/>
+              <a:buFont typeface="Arial"/>
+              <a:buAutoNum type="arabicPeriod"/>
+            </a:pPr>
+            <a:r>
+              <a:rPr lang="pt-BR" sz="2200" spc="-1" dirty="0">
+                <a:solidFill>
+                  <a:srgbClr val="000000"/>
+                </a:solidFill>
+              </a:rPr>
+              <a:t>Exibir o maior preço dos produtos.</a:t>
+            </a:r>
+          </a:p>
+          <a:p>
+            <a:pPr marL="457560" lvl="1">
+              <a:spcBef>
+                <a:spcPts val="439"/>
+              </a:spcBef>
+              <a:buClr>
+                <a:srgbClr val="000000"/>
+              </a:buClr>
+            </a:pPr>
+            <a:r>
+              <a:rPr lang="pt-BR" sz="2200" b="1" spc="-1" dirty="0" err="1">
+                <a:solidFill>
+                  <a:srgbClr val="0000FF"/>
+                </a:solidFill>
+                <a:latin typeface="Courier New" panose="02070309020205020404" pitchFamily="49" charset="0"/>
+                <a:cs typeface="Courier New" panose="02070309020205020404" pitchFamily="49" charset="0"/>
+              </a:rPr>
+              <a:t>select</a:t>
+            </a:r>
+            <a:r>
+              <a:rPr lang="pt-BR" sz="2200" b="1" spc="-1" dirty="0">
+                <a:solidFill>
+                  <a:srgbClr val="0000FF"/>
+                </a:solidFill>
+                <a:latin typeface="Courier New" panose="02070309020205020404" pitchFamily="49" charset="0"/>
+                <a:cs typeface="Courier New" panose="02070309020205020404" pitchFamily="49" charset="0"/>
+              </a:rPr>
+              <a:t> </a:t>
+            </a:r>
+            <a:r>
+              <a:rPr lang="pt-BR" sz="2200" b="1" spc="-1" dirty="0" err="1">
+                <a:solidFill>
+                  <a:srgbClr val="0000FF"/>
+                </a:solidFill>
+                <a:latin typeface="Courier New" panose="02070309020205020404" pitchFamily="49" charset="0"/>
+                <a:cs typeface="Courier New" panose="02070309020205020404" pitchFamily="49" charset="0"/>
+              </a:rPr>
+              <a:t>max</a:t>
+            </a:r>
+            <a:r>
+              <a:rPr lang="pt-BR" sz="2200" b="1" spc="-1" dirty="0">
+                <a:solidFill>
+                  <a:srgbClr val="0000FF"/>
+                </a:solidFill>
+                <a:latin typeface="Courier New" panose="02070309020205020404" pitchFamily="49" charset="0"/>
+                <a:cs typeface="Courier New" panose="02070309020205020404" pitchFamily="49" charset="0"/>
+              </a:rPr>
+              <a:t>(</a:t>
+            </a:r>
+            <a:r>
+              <a:rPr lang="pt-BR" sz="2200" b="1" spc="-1" dirty="0" err="1">
+                <a:solidFill>
+                  <a:srgbClr val="0000FF"/>
+                </a:solidFill>
+                <a:latin typeface="Courier New" panose="02070309020205020404" pitchFamily="49" charset="0"/>
+                <a:cs typeface="Courier New" panose="02070309020205020404" pitchFamily="49" charset="0"/>
+              </a:rPr>
+              <a:t>pro_venda</a:t>
+            </a:r>
+            <a:r>
+              <a:rPr lang="pt-BR" sz="2200" b="1" spc="-1" dirty="0">
+                <a:solidFill>
+                  <a:srgbClr val="0000FF"/>
+                </a:solidFill>
+                <a:latin typeface="Courier New" panose="02070309020205020404" pitchFamily="49" charset="0"/>
+                <a:cs typeface="Courier New" panose="02070309020205020404" pitchFamily="49" charset="0"/>
+              </a:rPr>
+              <a:t>) </a:t>
+            </a:r>
+            <a:r>
+              <a:rPr lang="pt-BR" sz="2200" b="1" spc="-1" dirty="0" err="1">
+                <a:solidFill>
+                  <a:srgbClr val="0000FF"/>
+                </a:solidFill>
+                <a:latin typeface="Courier New" panose="02070309020205020404" pitchFamily="49" charset="0"/>
+                <a:cs typeface="Courier New" panose="02070309020205020404" pitchFamily="49" charset="0"/>
+              </a:rPr>
+              <a:t>from</a:t>
+            </a:r>
+            <a:r>
+              <a:rPr lang="pt-BR" sz="2200" b="1" spc="-1" dirty="0">
+                <a:solidFill>
+                  <a:srgbClr val="0000FF"/>
+                </a:solidFill>
+                <a:latin typeface="Courier New" panose="02070309020205020404" pitchFamily="49" charset="0"/>
+                <a:cs typeface="Courier New" panose="02070309020205020404" pitchFamily="49" charset="0"/>
+              </a:rPr>
+              <a:t> produto;</a:t>
+            </a:r>
+            <a:endParaRPr lang="pt-BR" sz="2200" b="1" spc="-1" dirty="0">
+              <a:solidFill>
+                <a:srgbClr val="0000FF"/>
+              </a:solidFill>
+            </a:endParaRPr>
+          </a:p>
+          <a:p>
+            <a:pPr marL="457200" indent="-456840">
+              <a:lnSpc>
+                <a:spcPct val="100000"/>
+              </a:lnSpc>
+              <a:spcBef>
+                <a:spcPts val="439"/>
+              </a:spcBef>
+              <a:buClr>
+                <a:srgbClr val="000000"/>
+              </a:buClr>
+              <a:buFont typeface="Arial"/>
+              <a:buAutoNum type="arabicPeriod"/>
+            </a:pPr>
+            <a:r>
+              <a:rPr lang="pt-BR" sz="2200" spc="-1" dirty="0">
+                <a:solidFill>
+                  <a:srgbClr val="000000"/>
+                </a:solidFill>
+              </a:rPr>
+              <a:t>Exibir o menor preço dos produtos.</a:t>
+            </a:r>
+          </a:p>
+          <a:p>
+            <a:pPr marL="457560" lvl="1">
+              <a:spcBef>
+                <a:spcPts val="439"/>
+              </a:spcBef>
+              <a:buClr>
+                <a:srgbClr val="000000"/>
+              </a:buClr>
+            </a:pPr>
+            <a:r>
+              <a:rPr lang="pt-BR" sz="2200" b="1" spc="-1" dirty="0" err="1">
+                <a:solidFill>
+                  <a:srgbClr val="0000FF"/>
+                </a:solidFill>
+                <a:latin typeface="Courier New" panose="02070309020205020404" pitchFamily="49" charset="0"/>
+                <a:cs typeface="Courier New" panose="02070309020205020404" pitchFamily="49" charset="0"/>
+              </a:rPr>
+              <a:t>select</a:t>
+            </a:r>
+            <a:r>
+              <a:rPr lang="pt-BR" sz="2200" b="1" spc="-1" dirty="0">
+                <a:solidFill>
+                  <a:srgbClr val="0000FF"/>
+                </a:solidFill>
+                <a:latin typeface="Courier New" panose="02070309020205020404" pitchFamily="49" charset="0"/>
+                <a:cs typeface="Courier New" panose="02070309020205020404" pitchFamily="49" charset="0"/>
+              </a:rPr>
+              <a:t> min(</a:t>
+            </a:r>
+            <a:r>
+              <a:rPr lang="pt-BR" sz="2200" b="1" spc="-1" dirty="0" err="1">
+                <a:solidFill>
+                  <a:srgbClr val="0000FF"/>
+                </a:solidFill>
+                <a:latin typeface="Courier New" panose="02070309020205020404" pitchFamily="49" charset="0"/>
+                <a:cs typeface="Courier New" panose="02070309020205020404" pitchFamily="49" charset="0"/>
+              </a:rPr>
+              <a:t>pro_venda</a:t>
+            </a:r>
+            <a:r>
+              <a:rPr lang="pt-BR" sz="2200" b="1" spc="-1" dirty="0">
+                <a:solidFill>
+                  <a:srgbClr val="0000FF"/>
+                </a:solidFill>
+                <a:latin typeface="Courier New" panose="02070309020205020404" pitchFamily="49" charset="0"/>
+                <a:cs typeface="Courier New" panose="02070309020205020404" pitchFamily="49" charset="0"/>
+              </a:rPr>
+              <a:t>) </a:t>
+            </a:r>
+            <a:r>
+              <a:rPr lang="pt-BR" sz="2200" b="1" spc="-1" dirty="0" err="1">
+                <a:solidFill>
+                  <a:srgbClr val="0000FF"/>
+                </a:solidFill>
+                <a:latin typeface="Courier New" panose="02070309020205020404" pitchFamily="49" charset="0"/>
+                <a:cs typeface="Courier New" panose="02070309020205020404" pitchFamily="49" charset="0"/>
+              </a:rPr>
+              <a:t>from</a:t>
+            </a:r>
+            <a:r>
+              <a:rPr lang="pt-BR" sz="2200" b="1" spc="-1" dirty="0">
+                <a:solidFill>
+                  <a:srgbClr val="0000FF"/>
+                </a:solidFill>
+                <a:latin typeface="Courier New" panose="02070309020205020404" pitchFamily="49" charset="0"/>
+                <a:cs typeface="Courier New" panose="02070309020205020404" pitchFamily="49" charset="0"/>
+              </a:rPr>
+              <a:t> produto;</a:t>
+            </a:r>
+            <a:endParaRPr lang="pt-BR" sz="2200" spc="-1" dirty="0">
+              <a:solidFill>
+                <a:srgbClr val="000000"/>
+              </a:solidFill>
+            </a:endParaRPr>
+          </a:p>
+          <a:p>
+            <a:pPr marL="457200" indent="-456840">
+              <a:lnSpc>
+                <a:spcPct val="100000"/>
+              </a:lnSpc>
+              <a:spcBef>
+                <a:spcPts val="439"/>
+              </a:spcBef>
+              <a:buClr>
+                <a:srgbClr val="000000"/>
+              </a:buClr>
+              <a:buFont typeface="Arial"/>
+              <a:buAutoNum type="arabicPeriod"/>
+            </a:pPr>
+            <a:r>
+              <a:rPr lang="pt-BR" sz="2200" spc="-1" dirty="0">
+                <a:solidFill>
+                  <a:srgbClr val="000000"/>
+                </a:solidFill>
+              </a:rPr>
+              <a:t>Exibir o preço médio dos produtos.</a:t>
+            </a:r>
+          </a:p>
+          <a:p>
+            <a:pPr marL="457560" lvl="1">
+              <a:spcBef>
+                <a:spcPts val="439"/>
+              </a:spcBef>
+              <a:buClr>
+                <a:srgbClr val="000000"/>
+              </a:buClr>
+            </a:pPr>
+            <a:r>
+              <a:rPr lang="pt-BR" sz="2200" b="1" spc="-1" dirty="0" err="1">
+                <a:solidFill>
+                  <a:srgbClr val="0000FF"/>
+                </a:solidFill>
+                <a:latin typeface="Courier New" panose="02070309020205020404" pitchFamily="49" charset="0"/>
+                <a:cs typeface="Courier New" panose="02070309020205020404" pitchFamily="49" charset="0"/>
+              </a:rPr>
+              <a:t>select</a:t>
+            </a:r>
+            <a:r>
+              <a:rPr lang="pt-BR" sz="2200" b="1" spc="-1" dirty="0">
+                <a:solidFill>
+                  <a:srgbClr val="0000FF"/>
+                </a:solidFill>
+                <a:latin typeface="Courier New" panose="02070309020205020404" pitchFamily="49" charset="0"/>
+                <a:cs typeface="Courier New" panose="02070309020205020404" pitchFamily="49" charset="0"/>
+              </a:rPr>
+              <a:t> </a:t>
+            </a:r>
+            <a:r>
+              <a:rPr lang="pt-BR" sz="2200" b="1" spc="-1" dirty="0" err="1">
+                <a:solidFill>
+                  <a:srgbClr val="0000FF"/>
+                </a:solidFill>
+                <a:latin typeface="Courier New" panose="02070309020205020404" pitchFamily="49" charset="0"/>
+                <a:cs typeface="Courier New" panose="02070309020205020404" pitchFamily="49" charset="0"/>
+              </a:rPr>
+              <a:t>avg</a:t>
+            </a:r>
+            <a:r>
+              <a:rPr lang="pt-BR" sz="2200" b="1" spc="-1" dirty="0">
+                <a:solidFill>
+                  <a:srgbClr val="0000FF"/>
+                </a:solidFill>
+                <a:latin typeface="Courier New" panose="02070309020205020404" pitchFamily="49" charset="0"/>
+                <a:cs typeface="Courier New" panose="02070309020205020404" pitchFamily="49" charset="0"/>
+              </a:rPr>
+              <a:t>(</a:t>
+            </a:r>
+            <a:r>
+              <a:rPr lang="pt-BR" sz="2200" b="1" spc="-1" dirty="0" err="1">
+                <a:solidFill>
+                  <a:srgbClr val="0000FF"/>
+                </a:solidFill>
+                <a:latin typeface="Courier New" panose="02070309020205020404" pitchFamily="49" charset="0"/>
+                <a:cs typeface="Courier New" panose="02070309020205020404" pitchFamily="49" charset="0"/>
+              </a:rPr>
+              <a:t>pro_venda</a:t>
+            </a:r>
+            <a:r>
+              <a:rPr lang="pt-BR" sz="2200" b="1" spc="-1" dirty="0">
+                <a:solidFill>
+                  <a:srgbClr val="0000FF"/>
+                </a:solidFill>
+                <a:latin typeface="Courier New" panose="02070309020205020404" pitchFamily="49" charset="0"/>
+                <a:cs typeface="Courier New" panose="02070309020205020404" pitchFamily="49" charset="0"/>
+              </a:rPr>
+              <a:t>) </a:t>
+            </a:r>
+            <a:r>
+              <a:rPr lang="pt-BR" sz="2200" b="1" spc="-1" dirty="0" err="1">
+                <a:solidFill>
+                  <a:srgbClr val="0000FF"/>
+                </a:solidFill>
+                <a:latin typeface="Courier New" panose="02070309020205020404" pitchFamily="49" charset="0"/>
+                <a:cs typeface="Courier New" panose="02070309020205020404" pitchFamily="49" charset="0"/>
+              </a:rPr>
+              <a:t>from</a:t>
+            </a:r>
+            <a:r>
+              <a:rPr lang="pt-BR" sz="2200" b="1" spc="-1" dirty="0">
+                <a:solidFill>
+                  <a:srgbClr val="0000FF"/>
+                </a:solidFill>
+                <a:latin typeface="Courier New" panose="02070309020205020404" pitchFamily="49" charset="0"/>
+                <a:cs typeface="Courier New" panose="02070309020205020404" pitchFamily="49" charset="0"/>
+              </a:rPr>
+              <a:t> produto;</a:t>
+            </a:r>
+            <a:endParaRPr lang="pt-BR" sz="2200" spc="-1" dirty="0">
+              <a:solidFill>
+                <a:srgbClr val="000000"/>
+              </a:solidFill>
+            </a:endParaRPr>
+          </a:p>
+          <a:p>
+            <a:pPr marL="457200" indent="-456840">
+              <a:lnSpc>
+                <a:spcPct val="100000"/>
+              </a:lnSpc>
+              <a:spcBef>
+                <a:spcPts val="439"/>
+              </a:spcBef>
+              <a:buClr>
+                <a:srgbClr val="000000"/>
+              </a:buClr>
+              <a:buFont typeface="Arial"/>
+              <a:buAutoNum type="arabicPeriod"/>
+            </a:pPr>
+            <a:r>
+              <a:rPr lang="pt-BR" sz="2200" spc="-1" dirty="0">
+                <a:solidFill>
+                  <a:srgbClr val="000000"/>
+                </a:solidFill>
+              </a:rPr>
+              <a:t>Exibir a quantidade de produtos com preço acima de R$ 12,00</a:t>
+            </a:r>
+          </a:p>
+          <a:p>
+            <a:pPr marL="457560" lvl="1">
+              <a:spcBef>
+                <a:spcPts val="439"/>
+              </a:spcBef>
+              <a:buClr>
+                <a:srgbClr val="000000"/>
+              </a:buClr>
+            </a:pPr>
+            <a:r>
+              <a:rPr lang="en-US" sz="2200" b="1" spc="-1" dirty="0">
+                <a:solidFill>
+                  <a:srgbClr val="0000FF"/>
+                </a:solidFill>
+                <a:latin typeface="Courier New" panose="02070309020205020404" pitchFamily="49" charset="0"/>
+                <a:cs typeface="Courier New" panose="02070309020205020404" pitchFamily="49" charset="0"/>
+              </a:rPr>
+              <a:t>select count(*) from </a:t>
+            </a:r>
+            <a:r>
+              <a:rPr lang="en-US" sz="2200" b="1" spc="-1" dirty="0" err="1">
+                <a:solidFill>
+                  <a:srgbClr val="0000FF"/>
+                </a:solidFill>
+                <a:latin typeface="Courier New" panose="02070309020205020404" pitchFamily="49" charset="0"/>
+                <a:cs typeface="Courier New" panose="02070309020205020404" pitchFamily="49" charset="0"/>
+              </a:rPr>
+              <a:t>produto</a:t>
+            </a:r>
+            <a:r>
+              <a:rPr lang="en-US" sz="2200" b="1" spc="-1" dirty="0">
+                <a:solidFill>
+                  <a:srgbClr val="0000FF"/>
+                </a:solidFill>
+                <a:latin typeface="Courier New" panose="02070309020205020404" pitchFamily="49" charset="0"/>
+                <a:cs typeface="Courier New" panose="02070309020205020404" pitchFamily="49" charset="0"/>
+              </a:rPr>
+              <a:t> </a:t>
+            </a:r>
+          </a:p>
+          <a:p>
+            <a:pPr marL="457560" lvl="1">
+              <a:buClr>
+                <a:srgbClr val="000000"/>
+              </a:buClr>
+            </a:pPr>
+            <a:r>
+              <a:rPr lang="en-US" sz="2200" b="1" spc="-1" dirty="0">
+                <a:solidFill>
+                  <a:srgbClr val="0000FF"/>
+                </a:solidFill>
+                <a:latin typeface="Courier New" panose="02070309020205020404" pitchFamily="49" charset="0"/>
+                <a:cs typeface="Courier New" panose="02070309020205020404" pitchFamily="49" charset="0"/>
+              </a:rPr>
+              <a:t>where </a:t>
+            </a:r>
+            <a:r>
+              <a:rPr lang="en-US" sz="2200" b="1" spc="-1" dirty="0" err="1">
+                <a:solidFill>
+                  <a:srgbClr val="0000FF"/>
+                </a:solidFill>
+                <a:latin typeface="Courier New" panose="02070309020205020404" pitchFamily="49" charset="0"/>
+                <a:cs typeface="Courier New" panose="02070309020205020404" pitchFamily="49" charset="0"/>
+              </a:rPr>
+              <a:t>pro_venda</a:t>
+            </a:r>
+            <a:r>
+              <a:rPr lang="en-US" sz="2200" b="1" spc="-1" dirty="0">
+                <a:solidFill>
+                  <a:srgbClr val="0000FF"/>
+                </a:solidFill>
+                <a:latin typeface="Courier New" panose="02070309020205020404" pitchFamily="49" charset="0"/>
+                <a:cs typeface="Courier New" panose="02070309020205020404" pitchFamily="49" charset="0"/>
+              </a:rPr>
+              <a:t> &gt; 12;</a:t>
+            </a:r>
+            <a:endParaRPr lang="pt-BR" sz="2200" b="1" spc="-1" dirty="0">
+              <a:solidFill>
+                <a:srgbClr val="0000FF"/>
+              </a:solidFill>
+              <a:latin typeface="Courier New" panose="02070309020205020404" pitchFamily="49" charset="0"/>
+              <a:cs typeface="Courier New" panose="02070309020205020404" pitchFamily="49" charset="0"/>
             </a:endParaRPr>
           </a:p>
         </p:txBody>
@@ -20302,6 +20746,5121 @@
   <p:clrMapOvr>
     <a:masterClrMapping/>
   </p:clrMapOvr>
+  <p:timing>
+    <p:tnLst>
+      <p:par>
+        <p:cTn id="1" dur="indefinite" restart="never" nodeType="tmRoot">
+          <p:childTnLst>
+            <p:seq concurrent="1" nextAc="seek">
+              <p:cTn id="2" dur="indefinite" nodeType="mainSeq">
+                <p:childTnLst>
+                  <p:par>
+                    <p:cTn id="3" fill="hold">
+                      <p:stCondLst>
+                        <p:cond delay="indefinite"/>
+                      </p:stCondLst>
+                      <p:childTnLst>
+                        <p:par>
+                          <p:cTn id="4" fill="hold">
+                            <p:stCondLst>
+                              <p:cond delay="0"/>
+                            </p:stCondLst>
+                            <p:childTnLst>
+                              <p:par>
+                                <p:cTn id="5" presetID="10" presetClass="entr" presetSubtype="0" fill="hold" nodeType="clickEffect">
+                                  <p:stCondLst>
+                                    <p:cond delay="0"/>
+                                  </p:stCondLst>
+                                  <p:childTnLst>
+                                    <p:set>
+                                      <p:cBhvr>
+                                        <p:cTn id="6" dur="1" fill="hold">
+                                          <p:stCondLst>
+                                            <p:cond delay="0"/>
+                                          </p:stCondLst>
+                                        </p:cTn>
+                                        <p:tgtEl>
+                                          <p:spTgt spid="184">
+                                            <p:txEl>
+                                              <p:pRg st="0" end="0"/>
+                                            </p:txEl>
+                                          </p:spTgt>
+                                        </p:tgtEl>
+                                        <p:attrNameLst>
+                                          <p:attrName>style.visibility</p:attrName>
+                                        </p:attrNameLst>
+                                      </p:cBhvr>
+                                      <p:to>
+                                        <p:strVal val="visible"/>
+                                      </p:to>
+                                    </p:set>
+                                    <p:animEffect transition="in" filter="fade">
+                                      <p:cBhvr>
+                                        <p:cTn id="7" dur="500"/>
+                                        <p:tgtEl>
+                                          <p:spTgt spid="184">
+                                            <p:txEl>
+                                              <p:pRg st="0" end="0"/>
+                                            </p:txEl>
+                                          </p:spTgt>
+                                        </p:tgtEl>
+                                      </p:cBhvr>
+                                    </p:animEffect>
+                                  </p:childTnLst>
+                                </p:cTn>
+                              </p:par>
+                            </p:childTnLst>
+                          </p:cTn>
+                        </p:par>
+                      </p:childTnLst>
+                    </p:cTn>
+                  </p:par>
+                  <p:par>
+                    <p:cTn id="8" fill="hold">
+                      <p:stCondLst>
+                        <p:cond delay="indefinite"/>
+                      </p:stCondLst>
+                      <p:childTnLst>
+                        <p:par>
+                          <p:cTn id="9" fill="hold">
+                            <p:stCondLst>
+                              <p:cond delay="0"/>
+                            </p:stCondLst>
+                            <p:childTnLst>
+                              <p:par>
+                                <p:cTn id="10" presetID="10" presetClass="entr" presetSubtype="0" fill="hold" nodeType="clickEffect">
+                                  <p:stCondLst>
+                                    <p:cond delay="0"/>
+                                  </p:stCondLst>
+                                  <p:childTnLst>
+                                    <p:set>
+                                      <p:cBhvr>
+                                        <p:cTn id="11" dur="1" fill="hold">
+                                          <p:stCondLst>
+                                            <p:cond delay="0"/>
+                                          </p:stCondLst>
+                                        </p:cTn>
+                                        <p:tgtEl>
+                                          <p:spTgt spid="184">
+                                            <p:txEl>
+                                              <p:pRg st="1" end="1"/>
+                                            </p:txEl>
+                                          </p:spTgt>
+                                        </p:tgtEl>
+                                        <p:attrNameLst>
+                                          <p:attrName>style.visibility</p:attrName>
+                                        </p:attrNameLst>
+                                      </p:cBhvr>
+                                      <p:to>
+                                        <p:strVal val="visible"/>
+                                      </p:to>
+                                    </p:set>
+                                    <p:animEffect transition="in" filter="fade">
+                                      <p:cBhvr>
+                                        <p:cTn id="12" dur="500"/>
+                                        <p:tgtEl>
+                                          <p:spTgt spid="184">
+                                            <p:txEl>
+                                              <p:pRg st="1" end="1"/>
+                                            </p:txEl>
+                                          </p:spTgt>
+                                        </p:tgtEl>
+                                      </p:cBhvr>
+                                    </p:animEffect>
+                                  </p:childTnLst>
+                                </p:cTn>
+                              </p:par>
+                            </p:childTnLst>
+                          </p:cTn>
+                        </p:par>
+                      </p:childTnLst>
+                    </p:cTn>
+                  </p:par>
+                  <p:par>
+                    <p:cTn id="13" fill="hold">
+                      <p:stCondLst>
+                        <p:cond delay="indefinite"/>
+                      </p:stCondLst>
+                      <p:childTnLst>
+                        <p:par>
+                          <p:cTn id="14" fill="hold">
+                            <p:stCondLst>
+                              <p:cond delay="0"/>
+                            </p:stCondLst>
+                            <p:childTnLst>
+                              <p:par>
+                                <p:cTn id="15" presetID="10" presetClass="entr" presetSubtype="0" fill="hold" nodeType="clickEffect">
+                                  <p:stCondLst>
+                                    <p:cond delay="0"/>
+                                  </p:stCondLst>
+                                  <p:childTnLst>
+                                    <p:set>
+                                      <p:cBhvr>
+                                        <p:cTn id="16" dur="1" fill="hold">
+                                          <p:stCondLst>
+                                            <p:cond delay="0"/>
+                                          </p:stCondLst>
+                                        </p:cTn>
+                                        <p:tgtEl>
+                                          <p:spTgt spid="184">
+                                            <p:txEl>
+                                              <p:pRg st="2" end="2"/>
+                                            </p:txEl>
+                                          </p:spTgt>
+                                        </p:tgtEl>
+                                        <p:attrNameLst>
+                                          <p:attrName>style.visibility</p:attrName>
+                                        </p:attrNameLst>
+                                      </p:cBhvr>
+                                      <p:to>
+                                        <p:strVal val="visible"/>
+                                      </p:to>
+                                    </p:set>
+                                    <p:animEffect transition="in" filter="fade">
+                                      <p:cBhvr>
+                                        <p:cTn id="17" dur="500"/>
+                                        <p:tgtEl>
+                                          <p:spTgt spid="184">
+                                            <p:txEl>
+                                              <p:pRg st="2" end="2"/>
+                                            </p:txEl>
+                                          </p:spTgt>
+                                        </p:tgtEl>
+                                      </p:cBhvr>
+                                    </p:animEffect>
+                                  </p:childTnLst>
+                                </p:cTn>
+                              </p:par>
+                            </p:childTnLst>
+                          </p:cTn>
+                        </p:par>
+                      </p:childTnLst>
+                    </p:cTn>
+                  </p:par>
+                  <p:par>
+                    <p:cTn id="18" fill="hold">
+                      <p:stCondLst>
+                        <p:cond delay="indefinite"/>
+                      </p:stCondLst>
+                      <p:childTnLst>
+                        <p:par>
+                          <p:cTn id="19" fill="hold">
+                            <p:stCondLst>
+                              <p:cond delay="0"/>
+                            </p:stCondLst>
+                            <p:childTnLst>
+                              <p:par>
+                                <p:cTn id="20" presetID="10" presetClass="entr" presetSubtype="0" fill="hold" nodeType="clickEffect">
+                                  <p:stCondLst>
+                                    <p:cond delay="0"/>
+                                  </p:stCondLst>
+                                  <p:childTnLst>
+                                    <p:set>
+                                      <p:cBhvr>
+                                        <p:cTn id="21" dur="1" fill="hold">
+                                          <p:stCondLst>
+                                            <p:cond delay="0"/>
+                                          </p:stCondLst>
+                                        </p:cTn>
+                                        <p:tgtEl>
+                                          <p:spTgt spid="184">
+                                            <p:txEl>
+                                              <p:pRg st="3" end="3"/>
+                                            </p:txEl>
+                                          </p:spTgt>
+                                        </p:tgtEl>
+                                        <p:attrNameLst>
+                                          <p:attrName>style.visibility</p:attrName>
+                                        </p:attrNameLst>
+                                      </p:cBhvr>
+                                      <p:to>
+                                        <p:strVal val="visible"/>
+                                      </p:to>
+                                    </p:set>
+                                    <p:animEffect transition="in" filter="fade">
+                                      <p:cBhvr>
+                                        <p:cTn id="22" dur="500"/>
+                                        <p:tgtEl>
+                                          <p:spTgt spid="184">
+                                            <p:txEl>
+                                              <p:pRg st="3" end="3"/>
+                                            </p:txEl>
+                                          </p:spTgt>
+                                        </p:tgtEl>
+                                      </p:cBhvr>
+                                    </p:animEffect>
+                                  </p:childTnLst>
+                                </p:cTn>
+                              </p:par>
+                            </p:childTnLst>
+                          </p:cTn>
+                        </p:par>
+                      </p:childTnLst>
+                    </p:cTn>
+                  </p:par>
+                  <p:par>
+                    <p:cTn id="23" fill="hold">
+                      <p:stCondLst>
+                        <p:cond delay="indefinite"/>
+                      </p:stCondLst>
+                      <p:childTnLst>
+                        <p:par>
+                          <p:cTn id="24" fill="hold">
+                            <p:stCondLst>
+                              <p:cond delay="0"/>
+                            </p:stCondLst>
+                            <p:childTnLst>
+                              <p:par>
+                                <p:cTn id="25" presetID="10" presetClass="entr" presetSubtype="0" fill="hold" nodeType="clickEffect">
+                                  <p:stCondLst>
+                                    <p:cond delay="0"/>
+                                  </p:stCondLst>
+                                  <p:childTnLst>
+                                    <p:set>
+                                      <p:cBhvr>
+                                        <p:cTn id="26" dur="1" fill="hold">
+                                          <p:stCondLst>
+                                            <p:cond delay="0"/>
+                                          </p:stCondLst>
+                                        </p:cTn>
+                                        <p:tgtEl>
+                                          <p:spTgt spid="184">
+                                            <p:txEl>
+                                              <p:pRg st="4" end="4"/>
+                                            </p:txEl>
+                                          </p:spTgt>
+                                        </p:tgtEl>
+                                        <p:attrNameLst>
+                                          <p:attrName>style.visibility</p:attrName>
+                                        </p:attrNameLst>
+                                      </p:cBhvr>
+                                      <p:to>
+                                        <p:strVal val="visible"/>
+                                      </p:to>
+                                    </p:set>
+                                    <p:animEffect transition="in" filter="fade">
+                                      <p:cBhvr>
+                                        <p:cTn id="27" dur="500"/>
+                                        <p:tgtEl>
+                                          <p:spTgt spid="184">
+                                            <p:txEl>
+                                              <p:pRg st="4" end="4"/>
+                                            </p:txEl>
+                                          </p:spTgt>
+                                        </p:tgtEl>
+                                      </p:cBhvr>
+                                    </p:animEffect>
+                                  </p:childTnLst>
+                                </p:cTn>
+                              </p:par>
+                            </p:childTnLst>
+                          </p:cTn>
+                        </p:par>
+                      </p:childTnLst>
+                    </p:cTn>
+                  </p:par>
+                  <p:par>
+                    <p:cTn id="28" fill="hold">
+                      <p:stCondLst>
+                        <p:cond delay="indefinite"/>
+                      </p:stCondLst>
+                      <p:childTnLst>
+                        <p:par>
+                          <p:cTn id="29" fill="hold">
+                            <p:stCondLst>
+                              <p:cond delay="0"/>
+                            </p:stCondLst>
+                            <p:childTnLst>
+                              <p:par>
+                                <p:cTn id="30" presetID="10" presetClass="entr" presetSubtype="0" fill="hold" nodeType="clickEffect">
+                                  <p:stCondLst>
+                                    <p:cond delay="0"/>
+                                  </p:stCondLst>
+                                  <p:childTnLst>
+                                    <p:set>
+                                      <p:cBhvr>
+                                        <p:cTn id="31" dur="1" fill="hold">
+                                          <p:stCondLst>
+                                            <p:cond delay="0"/>
+                                          </p:stCondLst>
+                                        </p:cTn>
+                                        <p:tgtEl>
+                                          <p:spTgt spid="184">
+                                            <p:txEl>
+                                              <p:pRg st="5" end="5"/>
+                                            </p:txEl>
+                                          </p:spTgt>
+                                        </p:tgtEl>
+                                        <p:attrNameLst>
+                                          <p:attrName>style.visibility</p:attrName>
+                                        </p:attrNameLst>
+                                      </p:cBhvr>
+                                      <p:to>
+                                        <p:strVal val="visible"/>
+                                      </p:to>
+                                    </p:set>
+                                    <p:animEffect transition="in" filter="fade">
+                                      <p:cBhvr>
+                                        <p:cTn id="32" dur="500"/>
+                                        <p:tgtEl>
+                                          <p:spTgt spid="184">
+                                            <p:txEl>
+                                              <p:pRg st="5" end="5"/>
+                                            </p:txEl>
+                                          </p:spTgt>
+                                        </p:tgtEl>
+                                      </p:cBhvr>
+                                    </p:animEffect>
+                                  </p:childTnLst>
+                                </p:cTn>
+                              </p:par>
+                            </p:childTnLst>
+                          </p:cTn>
+                        </p:par>
+                      </p:childTnLst>
+                    </p:cTn>
+                  </p:par>
+                  <p:par>
+                    <p:cTn id="33" fill="hold">
+                      <p:stCondLst>
+                        <p:cond delay="indefinite"/>
+                      </p:stCondLst>
+                      <p:childTnLst>
+                        <p:par>
+                          <p:cTn id="34" fill="hold">
+                            <p:stCondLst>
+                              <p:cond delay="0"/>
+                            </p:stCondLst>
+                            <p:childTnLst>
+                              <p:par>
+                                <p:cTn id="35" presetID="10" presetClass="entr" presetSubtype="0" fill="hold" nodeType="clickEffect">
+                                  <p:stCondLst>
+                                    <p:cond delay="0"/>
+                                  </p:stCondLst>
+                                  <p:childTnLst>
+                                    <p:set>
+                                      <p:cBhvr>
+                                        <p:cTn id="36" dur="1" fill="hold">
+                                          <p:stCondLst>
+                                            <p:cond delay="0"/>
+                                          </p:stCondLst>
+                                        </p:cTn>
+                                        <p:tgtEl>
+                                          <p:spTgt spid="184">
+                                            <p:txEl>
+                                              <p:pRg st="6" end="6"/>
+                                            </p:txEl>
+                                          </p:spTgt>
+                                        </p:tgtEl>
+                                        <p:attrNameLst>
+                                          <p:attrName>style.visibility</p:attrName>
+                                        </p:attrNameLst>
+                                      </p:cBhvr>
+                                      <p:to>
+                                        <p:strVal val="visible"/>
+                                      </p:to>
+                                    </p:set>
+                                    <p:animEffect transition="in" filter="fade">
+                                      <p:cBhvr>
+                                        <p:cTn id="37" dur="500"/>
+                                        <p:tgtEl>
+                                          <p:spTgt spid="184">
+                                            <p:txEl>
+                                              <p:pRg st="6" end="6"/>
+                                            </p:txEl>
+                                          </p:spTgt>
+                                        </p:tgtEl>
+                                      </p:cBhvr>
+                                    </p:animEffect>
+                                  </p:childTnLst>
+                                </p:cTn>
+                              </p:par>
+                            </p:childTnLst>
+                          </p:cTn>
+                        </p:par>
+                      </p:childTnLst>
+                    </p:cTn>
+                  </p:par>
+                  <p:par>
+                    <p:cTn id="38" fill="hold">
+                      <p:stCondLst>
+                        <p:cond delay="indefinite"/>
+                      </p:stCondLst>
+                      <p:childTnLst>
+                        <p:par>
+                          <p:cTn id="39" fill="hold">
+                            <p:stCondLst>
+                              <p:cond delay="0"/>
+                            </p:stCondLst>
+                            <p:childTnLst>
+                              <p:par>
+                                <p:cTn id="40" presetID="10" presetClass="entr" presetSubtype="0" fill="hold" nodeType="clickEffect">
+                                  <p:stCondLst>
+                                    <p:cond delay="0"/>
+                                  </p:stCondLst>
+                                  <p:childTnLst>
+                                    <p:set>
+                                      <p:cBhvr>
+                                        <p:cTn id="41" dur="1" fill="hold">
+                                          <p:stCondLst>
+                                            <p:cond delay="0"/>
+                                          </p:stCondLst>
+                                        </p:cTn>
+                                        <p:tgtEl>
+                                          <p:spTgt spid="184">
+                                            <p:txEl>
+                                              <p:pRg st="7" end="7"/>
+                                            </p:txEl>
+                                          </p:spTgt>
+                                        </p:tgtEl>
+                                        <p:attrNameLst>
+                                          <p:attrName>style.visibility</p:attrName>
+                                        </p:attrNameLst>
+                                      </p:cBhvr>
+                                      <p:to>
+                                        <p:strVal val="visible"/>
+                                      </p:to>
+                                    </p:set>
+                                    <p:animEffect transition="in" filter="fade">
+                                      <p:cBhvr>
+                                        <p:cTn id="42" dur="500"/>
+                                        <p:tgtEl>
+                                          <p:spTgt spid="184">
+                                            <p:txEl>
+                                              <p:pRg st="7" end="7"/>
+                                            </p:txEl>
+                                          </p:spTgt>
+                                        </p:tgtEl>
+                                      </p:cBhvr>
+                                    </p:animEffect>
+                                  </p:childTnLst>
+                                </p:cTn>
+                              </p:par>
+                            </p:childTnLst>
+                          </p:cTn>
+                        </p:par>
+                      </p:childTnLst>
+                    </p:cTn>
+                  </p:par>
+                  <p:par>
+                    <p:cTn id="43" fill="hold">
+                      <p:stCondLst>
+                        <p:cond delay="indefinite"/>
+                      </p:stCondLst>
+                      <p:childTnLst>
+                        <p:par>
+                          <p:cTn id="44" fill="hold">
+                            <p:stCondLst>
+                              <p:cond delay="0"/>
+                            </p:stCondLst>
+                            <p:childTnLst>
+                              <p:par>
+                                <p:cTn id="45" presetID="10" presetClass="entr" presetSubtype="0" fill="hold" nodeType="clickEffect">
+                                  <p:stCondLst>
+                                    <p:cond delay="0"/>
+                                  </p:stCondLst>
+                                  <p:childTnLst>
+                                    <p:set>
+                                      <p:cBhvr>
+                                        <p:cTn id="46" dur="1" fill="hold">
+                                          <p:stCondLst>
+                                            <p:cond delay="0"/>
+                                          </p:stCondLst>
+                                        </p:cTn>
+                                        <p:tgtEl>
+                                          <p:spTgt spid="184">
+                                            <p:txEl>
+                                              <p:pRg st="8" end="8"/>
+                                            </p:txEl>
+                                          </p:spTgt>
+                                        </p:tgtEl>
+                                        <p:attrNameLst>
+                                          <p:attrName>style.visibility</p:attrName>
+                                        </p:attrNameLst>
+                                      </p:cBhvr>
+                                      <p:to>
+                                        <p:strVal val="visible"/>
+                                      </p:to>
+                                    </p:set>
+                                    <p:animEffect transition="in" filter="fade">
+                                      <p:cBhvr>
+                                        <p:cTn id="47" dur="500"/>
+                                        <p:tgtEl>
+                                          <p:spTgt spid="184">
+                                            <p:txEl>
+                                              <p:pRg st="8" end="8"/>
+                                            </p:txEl>
+                                          </p:spTgt>
+                                        </p:tgtEl>
+                                      </p:cBhvr>
+                                    </p:animEffect>
+                                  </p:childTnLst>
+                                </p:cTn>
+                              </p:par>
+                            </p:childTnLst>
+                          </p:cTn>
+                        </p:par>
+                      </p:childTnLst>
+                    </p:cTn>
+                  </p:par>
+                </p:childTnLst>
+              </p:cTn>
+              <p:prevCondLst>
+                <p:cond evt="onPrev" delay="0">
+                  <p:tgtEl>
+                    <p:sldTgt/>
+                  </p:tgtEl>
+                </p:cond>
+              </p:prevCondLst>
+              <p:nextCondLst>
+                <p:cond evt="onNext" delay="0">
+                  <p:tgtEl>
+                    <p:sldTgt/>
+                  </p:tgtEl>
+                </p:cond>
+              </p:nextCondLst>
+            </p:seq>
+          </p:childTnLst>
+        </p:cTn>
+      </p:par>
+    </p:tnLst>
+  </p:timing>
+</p:sld>
+</file>
+
+<file path=ppt/slides/slide43.xml><?xml version="1.0" encoding="utf-8"?>
+<p:sld xmlns:a="http://schemas.openxmlformats.org/drawingml/2006/main" xmlns:r="http://schemas.openxmlformats.org/officeDocument/2006/relationships" xmlns:p="http://schemas.openxmlformats.org/presentationml/2006/main">
+  <p:cSld>
+    <p:spTree>
+      <p:nvGrpSpPr>
+        <p:cNvPr id="1" name=""/>
+        <p:cNvGrpSpPr/>
+        <p:nvPr/>
+      </p:nvGrpSpPr>
+      <p:grpSpPr>
+        <a:xfrm>
+          <a:off x="0" y="0"/>
+          <a:ext cx="0" cy="0"/>
+          <a:chOff x="0" y="0"/>
+          <a:chExt cx="0" cy="0"/>
+        </a:xfrm>
+      </p:grpSpPr>
+      <p:sp>
+        <p:nvSpPr>
+          <p:cNvPr id="183" name="TextShape 1"/>
+          <p:cNvSpPr txBox="1"/>
+          <p:nvPr/>
+        </p:nvSpPr>
+        <p:spPr>
+          <a:xfrm>
+            <a:off x="0" y="339480"/>
+            <a:ext cx="6857640" cy="579600"/>
+          </a:xfrm>
+          <a:prstGeom prst="rect">
+            <a:avLst/>
+          </a:prstGeom>
+          <a:noFill/>
+          <a:ln>
+            <a:noFill/>
+          </a:ln>
+        </p:spPr>
+        <p:txBody>
+          <a:bodyPr anchor="ctr"/>
+          <a:lstStyle/>
+          <a:p>
+            <a:pPr algn="ctr">
+              <a:lnSpc>
+                <a:spcPct val="100000"/>
+              </a:lnSpc>
+            </a:pPr>
+            <a:r>
+              <a:rPr lang="pt-BR" sz="3300" b="0" strike="noStrike" spc="-1" dirty="0">
+                <a:solidFill>
+                  <a:srgbClr val="000000"/>
+                </a:solidFill>
+                <a:latin typeface="Arial"/>
+              </a:rPr>
+              <a:t>Exercícios - </a:t>
+            </a:r>
+            <a:r>
+              <a:rPr lang="pt-BR" sz="3300" b="1" strike="noStrike" spc="-1" dirty="0">
+                <a:solidFill>
+                  <a:srgbClr val="FF0000"/>
+                </a:solidFill>
+                <a:latin typeface="Arial"/>
+              </a:rPr>
+              <a:t>Resolvidos</a:t>
+            </a:r>
+          </a:p>
+        </p:txBody>
+      </p:sp>
+      <p:sp>
+        <p:nvSpPr>
+          <p:cNvPr id="184" name="TextShape 2"/>
+          <p:cNvSpPr txBox="1"/>
+          <p:nvPr/>
+        </p:nvSpPr>
+        <p:spPr>
+          <a:xfrm>
+            <a:off x="0" y="991440"/>
+            <a:ext cx="6857640" cy="4152060"/>
+          </a:xfrm>
+          <a:prstGeom prst="rect">
+            <a:avLst/>
+          </a:prstGeom>
+          <a:noFill/>
+          <a:ln>
+            <a:noFill/>
+          </a:ln>
+        </p:spPr>
+        <p:txBody>
+          <a:bodyPr anchor="ctr"/>
+          <a:lstStyle/>
+          <a:p>
+            <a:pPr marL="457560" indent="-457200">
+              <a:lnSpc>
+                <a:spcPct val="100000"/>
+              </a:lnSpc>
+              <a:spcBef>
+                <a:spcPts val="439"/>
+              </a:spcBef>
+              <a:buClr>
+                <a:srgbClr val="000000"/>
+              </a:buClr>
+              <a:buFont typeface="+mj-lt"/>
+              <a:buAutoNum type="arabicPeriod" startAt="5"/>
+            </a:pPr>
+            <a:r>
+              <a:rPr lang="pt-BR" sz="2200" spc="-1" dirty="0">
+                <a:solidFill>
+                  <a:srgbClr val="000000"/>
+                </a:solidFill>
+              </a:rPr>
+              <a:t>Exibir a quantidade de produtos com o custo menor que R$ 5,00</a:t>
+            </a:r>
+          </a:p>
+          <a:p>
+            <a:pPr marL="457560" lvl="1">
+              <a:buClr>
+                <a:srgbClr val="000000"/>
+              </a:buClr>
+            </a:pPr>
+            <a:r>
+              <a:rPr lang="en-US" sz="2000" b="1" spc="-1" dirty="0">
+                <a:solidFill>
+                  <a:srgbClr val="0000FF"/>
+                </a:solidFill>
+                <a:latin typeface="Courier New" panose="02070309020205020404" pitchFamily="49" charset="0"/>
+                <a:cs typeface="Courier New" panose="02070309020205020404" pitchFamily="49" charset="0"/>
+              </a:rPr>
+              <a:t>select count(*) from </a:t>
+            </a:r>
+            <a:r>
+              <a:rPr lang="en-US" sz="2000" b="1" spc="-1" dirty="0" err="1">
+                <a:solidFill>
+                  <a:srgbClr val="0000FF"/>
+                </a:solidFill>
+                <a:latin typeface="Courier New" panose="02070309020205020404" pitchFamily="49" charset="0"/>
+                <a:cs typeface="Courier New" panose="02070309020205020404" pitchFamily="49" charset="0"/>
+              </a:rPr>
+              <a:t>produto</a:t>
+            </a:r>
+            <a:r>
+              <a:rPr lang="en-US" sz="2000" b="1" spc="-1" dirty="0">
+                <a:solidFill>
+                  <a:srgbClr val="0000FF"/>
+                </a:solidFill>
+                <a:latin typeface="Courier New" panose="02070309020205020404" pitchFamily="49" charset="0"/>
+                <a:cs typeface="Courier New" panose="02070309020205020404" pitchFamily="49" charset="0"/>
+              </a:rPr>
+              <a:t> </a:t>
+            </a:r>
+          </a:p>
+          <a:p>
+            <a:pPr marL="457560" lvl="1">
+              <a:buClr>
+                <a:srgbClr val="000000"/>
+              </a:buClr>
+            </a:pPr>
+            <a:r>
+              <a:rPr lang="en-US" sz="2000" b="1" spc="-1" dirty="0">
+                <a:solidFill>
+                  <a:srgbClr val="0000FF"/>
+                </a:solidFill>
+                <a:latin typeface="Courier New" panose="02070309020205020404" pitchFamily="49" charset="0"/>
+                <a:cs typeface="Courier New" panose="02070309020205020404" pitchFamily="49" charset="0"/>
+              </a:rPr>
+              <a:t>where </a:t>
+            </a:r>
+            <a:r>
+              <a:rPr lang="en-US" sz="2000" b="1" spc="-1" dirty="0" err="1">
+                <a:solidFill>
+                  <a:srgbClr val="0000FF"/>
+                </a:solidFill>
+                <a:latin typeface="Courier New" panose="02070309020205020404" pitchFamily="49" charset="0"/>
+                <a:cs typeface="Courier New" panose="02070309020205020404" pitchFamily="49" charset="0"/>
+              </a:rPr>
+              <a:t>pro_custo</a:t>
+            </a:r>
+            <a:r>
+              <a:rPr lang="en-US" sz="2000" b="1" spc="-1" dirty="0">
+                <a:solidFill>
+                  <a:srgbClr val="0000FF"/>
+                </a:solidFill>
+                <a:latin typeface="Courier New" panose="02070309020205020404" pitchFamily="49" charset="0"/>
+                <a:cs typeface="Courier New" panose="02070309020205020404" pitchFamily="49" charset="0"/>
+              </a:rPr>
+              <a:t> &lt; 5;</a:t>
+            </a:r>
+            <a:endParaRPr lang="pt-BR" sz="2000" b="1" spc="-1" dirty="0">
+              <a:solidFill>
+                <a:srgbClr val="0000FF"/>
+              </a:solidFill>
+              <a:latin typeface="Courier New" panose="02070309020205020404" pitchFamily="49" charset="0"/>
+              <a:cs typeface="Courier New" panose="02070309020205020404" pitchFamily="49" charset="0"/>
+            </a:endParaRPr>
+          </a:p>
+          <a:p>
+            <a:pPr marL="457200" indent="-456840">
+              <a:lnSpc>
+                <a:spcPct val="100000"/>
+              </a:lnSpc>
+              <a:spcBef>
+                <a:spcPts val="439"/>
+              </a:spcBef>
+              <a:buClr>
+                <a:srgbClr val="000000"/>
+              </a:buClr>
+              <a:buFont typeface="Arial"/>
+              <a:buAutoNum type="arabicPeriod" startAt="5"/>
+            </a:pPr>
+            <a:r>
+              <a:rPr lang="pt-BR" sz="2200" spc="-1" dirty="0">
+                <a:solidFill>
+                  <a:srgbClr val="000000"/>
+                </a:solidFill>
+              </a:rPr>
+              <a:t>Exibir o maior e o menor preço de cada categoria.</a:t>
+            </a:r>
+          </a:p>
+          <a:p>
+            <a:pPr marL="0" lvl="1">
+              <a:buClr>
+                <a:srgbClr val="000000"/>
+              </a:buClr>
+            </a:pPr>
+            <a:r>
+              <a:rPr lang="pt-BR" sz="1200" b="1" spc="-1" dirty="0" err="1">
+                <a:solidFill>
+                  <a:srgbClr val="0000FF"/>
+                </a:solidFill>
+                <a:latin typeface="Courier New" panose="02070309020205020404" pitchFamily="49" charset="0"/>
+                <a:cs typeface="Courier New" panose="02070309020205020404" pitchFamily="49" charset="0"/>
+              </a:rPr>
+              <a:t>select</a:t>
+            </a:r>
+            <a:r>
+              <a:rPr lang="pt-BR" sz="1200" b="1" spc="-1" dirty="0">
+                <a:solidFill>
+                  <a:srgbClr val="0000FF"/>
+                </a:solidFill>
+                <a:latin typeface="Courier New" panose="02070309020205020404" pitchFamily="49" charset="0"/>
+                <a:cs typeface="Courier New" panose="02070309020205020404" pitchFamily="49" charset="0"/>
+              </a:rPr>
+              <a:t> </a:t>
+            </a:r>
+            <a:r>
+              <a:rPr lang="pt-BR" sz="1200" b="1" spc="-1" dirty="0" err="1">
+                <a:solidFill>
+                  <a:srgbClr val="0000FF"/>
+                </a:solidFill>
+                <a:latin typeface="Courier New" panose="02070309020205020404" pitchFamily="49" charset="0"/>
+                <a:cs typeface="Courier New" panose="02070309020205020404" pitchFamily="49" charset="0"/>
+              </a:rPr>
+              <a:t>max</a:t>
+            </a:r>
+            <a:r>
+              <a:rPr lang="pt-BR" sz="1200" b="1" spc="-1" dirty="0">
+                <a:solidFill>
+                  <a:srgbClr val="0000FF"/>
+                </a:solidFill>
+                <a:latin typeface="Courier New" panose="02070309020205020404" pitchFamily="49" charset="0"/>
+                <a:cs typeface="Courier New" panose="02070309020205020404" pitchFamily="49" charset="0"/>
+              </a:rPr>
+              <a:t>(</a:t>
+            </a:r>
+            <a:r>
+              <a:rPr lang="pt-BR" sz="1200" b="1" spc="-1" dirty="0" err="1">
+                <a:solidFill>
+                  <a:srgbClr val="0000FF"/>
+                </a:solidFill>
+                <a:latin typeface="Courier New" panose="02070309020205020404" pitchFamily="49" charset="0"/>
+                <a:cs typeface="Courier New" panose="02070309020205020404" pitchFamily="49" charset="0"/>
+              </a:rPr>
+              <a:t>pro_venda</a:t>
+            </a:r>
+            <a:r>
+              <a:rPr lang="pt-BR" sz="1200" b="1" spc="-1" dirty="0">
+                <a:solidFill>
+                  <a:srgbClr val="0000FF"/>
+                </a:solidFill>
+                <a:latin typeface="Courier New" panose="02070309020205020404" pitchFamily="49" charset="0"/>
+                <a:cs typeface="Courier New" panose="02070309020205020404" pitchFamily="49" charset="0"/>
+              </a:rPr>
+              <a:t>), min(</a:t>
+            </a:r>
+            <a:r>
+              <a:rPr lang="pt-BR" sz="1200" b="1" spc="-1" dirty="0" err="1">
+                <a:solidFill>
+                  <a:srgbClr val="0000FF"/>
+                </a:solidFill>
+                <a:latin typeface="Courier New" panose="02070309020205020404" pitchFamily="49" charset="0"/>
+                <a:cs typeface="Courier New" panose="02070309020205020404" pitchFamily="49" charset="0"/>
+              </a:rPr>
+              <a:t>pro_venda</a:t>
+            </a:r>
+            <a:r>
+              <a:rPr lang="pt-BR" sz="1200" b="1" spc="-1" dirty="0">
+                <a:solidFill>
+                  <a:srgbClr val="0000FF"/>
+                </a:solidFill>
+                <a:latin typeface="Courier New" panose="02070309020205020404" pitchFamily="49" charset="0"/>
+                <a:cs typeface="Courier New" panose="02070309020205020404" pitchFamily="49" charset="0"/>
+              </a:rPr>
+              <a:t>) </a:t>
+            </a:r>
+            <a:r>
+              <a:rPr lang="pt-BR" sz="1200" b="1" spc="-1" dirty="0" err="1">
+                <a:solidFill>
+                  <a:srgbClr val="0000FF"/>
+                </a:solidFill>
+                <a:latin typeface="Courier New" panose="02070309020205020404" pitchFamily="49" charset="0"/>
+                <a:cs typeface="Courier New" panose="02070309020205020404" pitchFamily="49" charset="0"/>
+              </a:rPr>
+              <a:t>from</a:t>
+            </a:r>
+            <a:r>
+              <a:rPr lang="pt-BR" sz="1200" b="1" spc="-1" dirty="0">
+                <a:solidFill>
+                  <a:srgbClr val="0000FF"/>
+                </a:solidFill>
+                <a:latin typeface="Courier New" panose="02070309020205020404" pitchFamily="49" charset="0"/>
+                <a:cs typeface="Courier New" panose="02070309020205020404" pitchFamily="49" charset="0"/>
+              </a:rPr>
+              <a:t> produto </a:t>
+            </a:r>
+            <a:r>
+              <a:rPr lang="pt-BR" sz="1200" b="1" spc="-1" dirty="0" err="1">
+                <a:solidFill>
+                  <a:srgbClr val="0000FF"/>
+                </a:solidFill>
+                <a:latin typeface="Courier New" panose="02070309020205020404" pitchFamily="49" charset="0"/>
+                <a:cs typeface="Courier New" panose="02070309020205020404" pitchFamily="49" charset="0"/>
+              </a:rPr>
+              <a:t>where</a:t>
+            </a:r>
+            <a:r>
+              <a:rPr lang="pt-BR" sz="1200" b="1" spc="-1" dirty="0">
+                <a:solidFill>
+                  <a:srgbClr val="0000FF"/>
+                </a:solidFill>
+                <a:latin typeface="Courier New" panose="02070309020205020404" pitchFamily="49" charset="0"/>
+                <a:cs typeface="Courier New" panose="02070309020205020404" pitchFamily="49" charset="0"/>
+              </a:rPr>
+              <a:t> </a:t>
+            </a:r>
+            <a:r>
+              <a:rPr lang="pt-BR" sz="1200" b="1" spc="-1" dirty="0" err="1">
+                <a:solidFill>
+                  <a:srgbClr val="0000FF"/>
+                </a:solidFill>
+                <a:latin typeface="Courier New" panose="02070309020205020404" pitchFamily="49" charset="0"/>
+                <a:cs typeface="Courier New" panose="02070309020205020404" pitchFamily="49" charset="0"/>
+              </a:rPr>
+              <a:t>cat_codigo</a:t>
+            </a:r>
+            <a:r>
+              <a:rPr lang="pt-BR" sz="1200" b="1" spc="-1" dirty="0">
+                <a:solidFill>
+                  <a:srgbClr val="0000FF"/>
+                </a:solidFill>
+                <a:latin typeface="Courier New" panose="02070309020205020404" pitchFamily="49" charset="0"/>
+                <a:cs typeface="Courier New" panose="02070309020205020404" pitchFamily="49" charset="0"/>
+              </a:rPr>
+              <a:t> = 1;</a:t>
+            </a:r>
+          </a:p>
+          <a:p>
+            <a:pPr marL="0" lvl="1">
+              <a:buClr>
+                <a:srgbClr val="000000"/>
+              </a:buClr>
+            </a:pPr>
+            <a:r>
+              <a:rPr lang="pt-BR" sz="1200" b="1" spc="-1" dirty="0" err="1">
+                <a:solidFill>
+                  <a:srgbClr val="0000FF"/>
+                </a:solidFill>
+                <a:latin typeface="Courier New" panose="02070309020205020404" pitchFamily="49" charset="0"/>
+                <a:cs typeface="Courier New" panose="02070309020205020404" pitchFamily="49" charset="0"/>
+              </a:rPr>
+              <a:t>select</a:t>
+            </a:r>
+            <a:r>
+              <a:rPr lang="pt-BR" sz="1200" b="1" spc="-1" dirty="0">
+                <a:solidFill>
+                  <a:srgbClr val="0000FF"/>
+                </a:solidFill>
+                <a:latin typeface="Courier New" panose="02070309020205020404" pitchFamily="49" charset="0"/>
+                <a:cs typeface="Courier New" panose="02070309020205020404" pitchFamily="49" charset="0"/>
+              </a:rPr>
+              <a:t> </a:t>
+            </a:r>
+            <a:r>
+              <a:rPr lang="pt-BR" sz="1200" b="1" spc="-1" dirty="0" err="1">
+                <a:solidFill>
+                  <a:srgbClr val="0000FF"/>
+                </a:solidFill>
+                <a:latin typeface="Courier New" panose="02070309020205020404" pitchFamily="49" charset="0"/>
+                <a:cs typeface="Courier New" panose="02070309020205020404" pitchFamily="49" charset="0"/>
+              </a:rPr>
+              <a:t>max</a:t>
+            </a:r>
+            <a:r>
+              <a:rPr lang="pt-BR" sz="1200" b="1" spc="-1" dirty="0">
+                <a:solidFill>
+                  <a:srgbClr val="0000FF"/>
+                </a:solidFill>
+                <a:latin typeface="Courier New" panose="02070309020205020404" pitchFamily="49" charset="0"/>
+                <a:cs typeface="Courier New" panose="02070309020205020404" pitchFamily="49" charset="0"/>
+              </a:rPr>
+              <a:t>(</a:t>
+            </a:r>
+            <a:r>
+              <a:rPr lang="pt-BR" sz="1200" b="1" spc="-1" dirty="0" err="1">
+                <a:solidFill>
+                  <a:srgbClr val="0000FF"/>
+                </a:solidFill>
+                <a:latin typeface="Courier New" panose="02070309020205020404" pitchFamily="49" charset="0"/>
+                <a:cs typeface="Courier New" panose="02070309020205020404" pitchFamily="49" charset="0"/>
+              </a:rPr>
+              <a:t>pro_venda</a:t>
+            </a:r>
+            <a:r>
+              <a:rPr lang="pt-BR" sz="1200" b="1" spc="-1" dirty="0">
+                <a:solidFill>
+                  <a:srgbClr val="0000FF"/>
+                </a:solidFill>
+                <a:latin typeface="Courier New" panose="02070309020205020404" pitchFamily="49" charset="0"/>
+                <a:cs typeface="Courier New" panose="02070309020205020404" pitchFamily="49" charset="0"/>
+              </a:rPr>
+              <a:t>), min(</a:t>
+            </a:r>
+            <a:r>
+              <a:rPr lang="pt-BR" sz="1200" b="1" spc="-1" dirty="0" err="1">
+                <a:solidFill>
+                  <a:srgbClr val="0000FF"/>
+                </a:solidFill>
+                <a:latin typeface="Courier New" panose="02070309020205020404" pitchFamily="49" charset="0"/>
+                <a:cs typeface="Courier New" panose="02070309020205020404" pitchFamily="49" charset="0"/>
+              </a:rPr>
+              <a:t>pro_venda</a:t>
+            </a:r>
+            <a:r>
+              <a:rPr lang="pt-BR" sz="1200" b="1" spc="-1" dirty="0">
+                <a:solidFill>
+                  <a:srgbClr val="0000FF"/>
+                </a:solidFill>
+                <a:latin typeface="Courier New" panose="02070309020205020404" pitchFamily="49" charset="0"/>
+                <a:cs typeface="Courier New" panose="02070309020205020404" pitchFamily="49" charset="0"/>
+              </a:rPr>
+              <a:t>) </a:t>
+            </a:r>
+            <a:r>
+              <a:rPr lang="pt-BR" sz="1200" b="1" spc="-1" dirty="0" err="1">
+                <a:solidFill>
+                  <a:srgbClr val="0000FF"/>
+                </a:solidFill>
+                <a:latin typeface="Courier New" panose="02070309020205020404" pitchFamily="49" charset="0"/>
+                <a:cs typeface="Courier New" panose="02070309020205020404" pitchFamily="49" charset="0"/>
+              </a:rPr>
+              <a:t>from</a:t>
+            </a:r>
+            <a:r>
+              <a:rPr lang="pt-BR" sz="1200" b="1" spc="-1" dirty="0">
+                <a:solidFill>
+                  <a:srgbClr val="0000FF"/>
+                </a:solidFill>
+                <a:latin typeface="Courier New" panose="02070309020205020404" pitchFamily="49" charset="0"/>
+                <a:cs typeface="Courier New" panose="02070309020205020404" pitchFamily="49" charset="0"/>
+              </a:rPr>
+              <a:t> produto </a:t>
+            </a:r>
+            <a:r>
+              <a:rPr lang="pt-BR" sz="1200" b="1" spc="-1" dirty="0" err="1">
+                <a:solidFill>
+                  <a:srgbClr val="0000FF"/>
+                </a:solidFill>
+                <a:latin typeface="Courier New" panose="02070309020205020404" pitchFamily="49" charset="0"/>
+                <a:cs typeface="Courier New" panose="02070309020205020404" pitchFamily="49" charset="0"/>
+              </a:rPr>
+              <a:t>where</a:t>
+            </a:r>
+            <a:r>
+              <a:rPr lang="pt-BR" sz="1200" b="1" spc="-1" dirty="0">
+                <a:solidFill>
+                  <a:srgbClr val="0000FF"/>
+                </a:solidFill>
+                <a:latin typeface="Courier New" panose="02070309020205020404" pitchFamily="49" charset="0"/>
+                <a:cs typeface="Courier New" panose="02070309020205020404" pitchFamily="49" charset="0"/>
+              </a:rPr>
+              <a:t> </a:t>
+            </a:r>
+            <a:r>
+              <a:rPr lang="pt-BR" sz="1200" b="1" spc="-1" dirty="0" err="1">
+                <a:solidFill>
+                  <a:srgbClr val="0000FF"/>
+                </a:solidFill>
+                <a:latin typeface="Courier New" panose="02070309020205020404" pitchFamily="49" charset="0"/>
+                <a:cs typeface="Courier New" panose="02070309020205020404" pitchFamily="49" charset="0"/>
+              </a:rPr>
+              <a:t>cat_codigo</a:t>
+            </a:r>
+            <a:r>
+              <a:rPr lang="pt-BR" sz="1200" b="1" spc="-1" dirty="0">
+                <a:solidFill>
+                  <a:srgbClr val="0000FF"/>
+                </a:solidFill>
+                <a:latin typeface="Courier New" panose="02070309020205020404" pitchFamily="49" charset="0"/>
+                <a:cs typeface="Courier New" panose="02070309020205020404" pitchFamily="49" charset="0"/>
+              </a:rPr>
+              <a:t> = 2;</a:t>
+            </a:r>
+          </a:p>
+          <a:p>
+            <a:pPr marL="0" lvl="1">
+              <a:buClr>
+                <a:srgbClr val="000000"/>
+              </a:buClr>
+            </a:pPr>
+            <a:r>
+              <a:rPr lang="pt-BR" sz="1200" b="1" spc="-1" dirty="0" err="1">
+                <a:solidFill>
+                  <a:srgbClr val="0000FF"/>
+                </a:solidFill>
+                <a:latin typeface="Courier New" panose="02070309020205020404" pitchFamily="49" charset="0"/>
+                <a:cs typeface="Courier New" panose="02070309020205020404" pitchFamily="49" charset="0"/>
+              </a:rPr>
+              <a:t>select</a:t>
+            </a:r>
+            <a:r>
+              <a:rPr lang="pt-BR" sz="1200" b="1" spc="-1" dirty="0">
+                <a:solidFill>
+                  <a:srgbClr val="0000FF"/>
+                </a:solidFill>
+                <a:latin typeface="Courier New" panose="02070309020205020404" pitchFamily="49" charset="0"/>
+                <a:cs typeface="Courier New" panose="02070309020205020404" pitchFamily="49" charset="0"/>
+              </a:rPr>
+              <a:t> </a:t>
+            </a:r>
+            <a:r>
+              <a:rPr lang="pt-BR" sz="1200" b="1" spc="-1" dirty="0" err="1">
+                <a:solidFill>
+                  <a:srgbClr val="0000FF"/>
+                </a:solidFill>
+                <a:latin typeface="Courier New" panose="02070309020205020404" pitchFamily="49" charset="0"/>
+                <a:cs typeface="Courier New" panose="02070309020205020404" pitchFamily="49" charset="0"/>
+              </a:rPr>
+              <a:t>max</a:t>
+            </a:r>
+            <a:r>
+              <a:rPr lang="pt-BR" sz="1200" b="1" spc="-1" dirty="0">
+                <a:solidFill>
+                  <a:srgbClr val="0000FF"/>
+                </a:solidFill>
+                <a:latin typeface="Courier New" panose="02070309020205020404" pitchFamily="49" charset="0"/>
+                <a:cs typeface="Courier New" panose="02070309020205020404" pitchFamily="49" charset="0"/>
+              </a:rPr>
+              <a:t>(</a:t>
+            </a:r>
+            <a:r>
+              <a:rPr lang="pt-BR" sz="1200" b="1" spc="-1" dirty="0" err="1">
+                <a:solidFill>
+                  <a:srgbClr val="0000FF"/>
+                </a:solidFill>
+                <a:latin typeface="Courier New" panose="02070309020205020404" pitchFamily="49" charset="0"/>
+                <a:cs typeface="Courier New" panose="02070309020205020404" pitchFamily="49" charset="0"/>
+              </a:rPr>
+              <a:t>pro_venda</a:t>
+            </a:r>
+            <a:r>
+              <a:rPr lang="pt-BR" sz="1200" b="1" spc="-1" dirty="0">
+                <a:solidFill>
+                  <a:srgbClr val="0000FF"/>
+                </a:solidFill>
+                <a:latin typeface="Courier New" panose="02070309020205020404" pitchFamily="49" charset="0"/>
+                <a:cs typeface="Courier New" panose="02070309020205020404" pitchFamily="49" charset="0"/>
+              </a:rPr>
+              <a:t>), min(</a:t>
+            </a:r>
+            <a:r>
+              <a:rPr lang="pt-BR" sz="1200" b="1" spc="-1" dirty="0" err="1">
+                <a:solidFill>
+                  <a:srgbClr val="0000FF"/>
+                </a:solidFill>
+                <a:latin typeface="Courier New" panose="02070309020205020404" pitchFamily="49" charset="0"/>
+                <a:cs typeface="Courier New" panose="02070309020205020404" pitchFamily="49" charset="0"/>
+              </a:rPr>
+              <a:t>pro_venda</a:t>
+            </a:r>
+            <a:r>
+              <a:rPr lang="pt-BR" sz="1200" b="1" spc="-1" dirty="0">
+                <a:solidFill>
+                  <a:srgbClr val="0000FF"/>
+                </a:solidFill>
+                <a:latin typeface="Courier New" panose="02070309020205020404" pitchFamily="49" charset="0"/>
+                <a:cs typeface="Courier New" panose="02070309020205020404" pitchFamily="49" charset="0"/>
+              </a:rPr>
+              <a:t>) </a:t>
+            </a:r>
+            <a:r>
+              <a:rPr lang="pt-BR" sz="1200" b="1" spc="-1" dirty="0" err="1">
+                <a:solidFill>
+                  <a:srgbClr val="0000FF"/>
+                </a:solidFill>
+                <a:latin typeface="Courier New" panose="02070309020205020404" pitchFamily="49" charset="0"/>
+                <a:cs typeface="Courier New" panose="02070309020205020404" pitchFamily="49" charset="0"/>
+              </a:rPr>
+              <a:t>from</a:t>
+            </a:r>
+            <a:r>
+              <a:rPr lang="pt-BR" sz="1200" b="1" spc="-1" dirty="0">
+                <a:solidFill>
+                  <a:srgbClr val="0000FF"/>
+                </a:solidFill>
+                <a:latin typeface="Courier New" panose="02070309020205020404" pitchFamily="49" charset="0"/>
+                <a:cs typeface="Courier New" panose="02070309020205020404" pitchFamily="49" charset="0"/>
+              </a:rPr>
+              <a:t> produto </a:t>
+            </a:r>
+            <a:r>
+              <a:rPr lang="pt-BR" sz="1200" b="1" spc="-1" dirty="0" err="1">
+                <a:solidFill>
+                  <a:srgbClr val="0000FF"/>
+                </a:solidFill>
+                <a:latin typeface="Courier New" panose="02070309020205020404" pitchFamily="49" charset="0"/>
+                <a:cs typeface="Courier New" panose="02070309020205020404" pitchFamily="49" charset="0"/>
+              </a:rPr>
+              <a:t>where</a:t>
+            </a:r>
+            <a:r>
+              <a:rPr lang="pt-BR" sz="1200" b="1" spc="-1" dirty="0">
+                <a:solidFill>
+                  <a:srgbClr val="0000FF"/>
+                </a:solidFill>
+                <a:latin typeface="Courier New" panose="02070309020205020404" pitchFamily="49" charset="0"/>
+                <a:cs typeface="Courier New" panose="02070309020205020404" pitchFamily="49" charset="0"/>
+              </a:rPr>
+              <a:t> </a:t>
+            </a:r>
+            <a:r>
+              <a:rPr lang="pt-BR" sz="1200" b="1" spc="-1" dirty="0" err="1">
+                <a:solidFill>
+                  <a:srgbClr val="0000FF"/>
+                </a:solidFill>
+                <a:latin typeface="Courier New" panose="02070309020205020404" pitchFamily="49" charset="0"/>
+                <a:cs typeface="Courier New" panose="02070309020205020404" pitchFamily="49" charset="0"/>
+              </a:rPr>
+              <a:t>cat_codigo</a:t>
+            </a:r>
+            <a:r>
+              <a:rPr lang="pt-BR" sz="1200" b="1" spc="-1" dirty="0">
+                <a:solidFill>
+                  <a:srgbClr val="0000FF"/>
+                </a:solidFill>
+                <a:latin typeface="Courier New" panose="02070309020205020404" pitchFamily="49" charset="0"/>
+                <a:cs typeface="Courier New" panose="02070309020205020404" pitchFamily="49" charset="0"/>
+              </a:rPr>
+              <a:t> = 3;</a:t>
+            </a:r>
+          </a:p>
+          <a:p>
+            <a:pPr marL="0" lvl="1">
+              <a:buClr>
+                <a:srgbClr val="000000"/>
+              </a:buClr>
+            </a:pPr>
+            <a:r>
+              <a:rPr lang="pt-BR" sz="1200" b="1" spc="-1" dirty="0" err="1">
+                <a:solidFill>
+                  <a:srgbClr val="0000FF"/>
+                </a:solidFill>
+                <a:latin typeface="Courier New" panose="02070309020205020404" pitchFamily="49" charset="0"/>
+                <a:cs typeface="Courier New" panose="02070309020205020404" pitchFamily="49" charset="0"/>
+              </a:rPr>
+              <a:t>select</a:t>
+            </a:r>
+            <a:r>
+              <a:rPr lang="pt-BR" sz="1200" b="1" spc="-1" dirty="0">
+                <a:solidFill>
+                  <a:srgbClr val="0000FF"/>
+                </a:solidFill>
+                <a:latin typeface="Courier New" panose="02070309020205020404" pitchFamily="49" charset="0"/>
+                <a:cs typeface="Courier New" panose="02070309020205020404" pitchFamily="49" charset="0"/>
+              </a:rPr>
+              <a:t> </a:t>
+            </a:r>
+            <a:r>
+              <a:rPr lang="pt-BR" sz="1200" b="1" spc="-1" dirty="0" err="1">
+                <a:solidFill>
+                  <a:srgbClr val="0000FF"/>
+                </a:solidFill>
+                <a:latin typeface="Courier New" panose="02070309020205020404" pitchFamily="49" charset="0"/>
+                <a:cs typeface="Courier New" panose="02070309020205020404" pitchFamily="49" charset="0"/>
+              </a:rPr>
+              <a:t>max</a:t>
+            </a:r>
+            <a:r>
+              <a:rPr lang="pt-BR" sz="1200" b="1" spc="-1" dirty="0">
+                <a:solidFill>
+                  <a:srgbClr val="0000FF"/>
+                </a:solidFill>
+                <a:latin typeface="Courier New" panose="02070309020205020404" pitchFamily="49" charset="0"/>
+                <a:cs typeface="Courier New" panose="02070309020205020404" pitchFamily="49" charset="0"/>
+              </a:rPr>
+              <a:t>(</a:t>
+            </a:r>
+            <a:r>
+              <a:rPr lang="pt-BR" sz="1200" b="1" spc="-1" dirty="0" err="1">
+                <a:solidFill>
+                  <a:srgbClr val="0000FF"/>
+                </a:solidFill>
+                <a:latin typeface="Courier New" panose="02070309020205020404" pitchFamily="49" charset="0"/>
+                <a:cs typeface="Courier New" panose="02070309020205020404" pitchFamily="49" charset="0"/>
+              </a:rPr>
+              <a:t>pro_venda</a:t>
+            </a:r>
+            <a:r>
+              <a:rPr lang="pt-BR" sz="1200" b="1" spc="-1" dirty="0">
+                <a:solidFill>
+                  <a:srgbClr val="0000FF"/>
+                </a:solidFill>
+                <a:latin typeface="Courier New" panose="02070309020205020404" pitchFamily="49" charset="0"/>
+                <a:cs typeface="Courier New" panose="02070309020205020404" pitchFamily="49" charset="0"/>
+              </a:rPr>
+              <a:t>), min(</a:t>
+            </a:r>
+            <a:r>
+              <a:rPr lang="pt-BR" sz="1200" b="1" spc="-1" dirty="0" err="1">
+                <a:solidFill>
+                  <a:srgbClr val="0000FF"/>
+                </a:solidFill>
+                <a:latin typeface="Courier New" panose="02070309020205020404" pitchFamily="49" charset="0"/>
+                <a:cs typeface="Courier New" panose="02070309020205020404" pitchFamily="49" charset="0"/>
+              </a:rPr>
+              <a:t>pro_venda</a:t>
+            </a:r>
+            <a:r>
+              <a:rPr lang="pt-BR" sz="1200" b="1" spc="-1" dirty="0">
+                <a:solidFill>
+                  <a:srgbClr val="0000FF"/>
+                </a:solidFill>
+                <a:latin typeface="Courier New" panose="02070309020205020404" pitchFamily="49" charset="0"/>
+                <a:cs typeface="Courier New" panose="02070309020205020404" pitchFamily="49" charset="0"/>
+              </a:rPr>
+              <a:t>) </a:t>
+            </a:r>
+            <a:r>
+              <a:rPr lang="pt-BR" sz="1200" b="1" spc="-1" dirty="0" err="1">
+                <a:solidFill>
+                  <a:srgbClr val="0000FF"/>
+                </a:solidFill>
+                <a:latin typeface="Courier New" panose="02070309020205020404" pitchFamily="49" charset="0"/>
+                <a:cs typeface="Courier New" panose="02070309020205020404" pitchFamily="49" charset="0"/>
+              </a:rPr>
+              <a:t>from</a:t>
+            </a:r>
+            <a:r>
+              <a:rPr lang="pt-BR" sz="1200" b="1" spc="-1" dirty="0">
+                <a:solidFill>
+                  <a:srgbClr val="0000FF"/>
+                </a:solidFill>
+                <a:latin typeface="Courier New" panose="02070309020205020404" pitchFamily="49" charset="0"/>
+                <a:cs typeface="Courier New" panose="02070309020205020404" pitchFamily="49" charset="0"/>
+              </a:rPr>
+              <a:t> produto </a:t>
+            </a:r>
+            <a:r>
+              <a:rPr lang="pt-BR" sz="1200" b="1" spc="-1" dirty="0" err="1">
+                <a:solidFill>
+                  <a:srgbClr val="0000FF"/>
+                </a:solidFill>
+                <a:latin typeface="Courier New" panose="02070309020205020404" pitchFamily="49" charset="0"/>
+                <a:cs typeface="Courier New" panose="02070309020205020404" pitchFamily="49" charset="0"/>
+              </a:rPr>
+              <a:t>where</a:t>
+            </a:r>
+            <a:r>
+              <a:rPr lang="pt-BR" sz="1200" b="1" spc="-1" dirty="0">
+                <a:solidFill>
+                  <a:srgbClr val="0000FF"/>
+                </a:solidFill>
+                <a:latin typeface="Courier New" panose="02070309020205020404" pitchFamily="49" charset="0"/>
+                <a:cs typeface="Courier New" panose="02070309020205020404" pitchFamily="49" charset="0"/>
+              </a:rPr>
+              <a:t> </a:t>
+            </a:r>
+            <a:r>
+              <a:rPr lang="pt-BR" sz="1200" b="1" spc="-1" dirty="0" err="1">
+                <a:solidFill>
+                  <a:srgbClr val="0000FF"/>
+                </a:solidFill>
+                <a:latin typeface="Courier New" panose="02070309020205020404" pitchFamily="49" charset="0"/>
+                <a:cs typeface="Courier New" panose="02070309020205020404" pitchFamily="49" charset="0"/>
+              </a:rPr>
+              <a:t>cat_codigo</a:t>
+            </a:r>
+            <a:r>
+              <a:rPr lang="pt-BR" sz="1200" b="1" spc="-1" dirty="0">
+                <a:solidFill>
+                  <a:srgbClr val="0000FF"/>
+                </a:solidFill>
+                <a:latin typeface="Courier New" panose="02070309020205020404" pitchFamily="49" charset="0"/>
+                <a:cs typeface="Courier New" panose="02070309020205020404" pitchFamily="49" charset="0"/>
+              </a:rPr>
+              <a:t> = 4;</a:t>
+            </a:r>
+          </a:p>
+          <a:p>
+            <a:pPr marL="0" lvl="1">
+              <a:buClr>
+                <a:srgbClr val="000000"/>
+              </a:buClr>
+            </a:pPr>
+            <a:r>
+              <a:rPr lang="pt-BR" sz="1200" b="1" spc="-1" dirty="0" err="1">
+                <a:solidFill>
+                  <a:srgbClr val="0000FF"/>
+                </a:solidFill>
+                <a:latin typeface="Courier New" panose="02070309020205020404" pitchFamily="49" charset="0"/>
+                <a:cs typeface="Courier New" panose="02070309020205020404" pitchFamily="49" charset="0"/>
+              </a:rPr>
+              <a:t>select</a:t>
+            </a:r>
+            <a:r>
+              <a:rPr lang="pt-BR" sz="1200" b="1" spc="-1" dirty="0">
+                <a:solidFill>
+                  <a:srgbClr val="0000FF"/>
+                </a:solidFill>
+                <a:latin typeface="Courier New" panose="02070309020205020404" pitchFamily="49" charset="0"/>
+                <a:cs typeface="Courier New" panose="02070309020205020404" pitchFamily="49" charset="0"/>
+              </a:rPr>
+              <a:t> </a:t>
+            </a:r>
+            <a:r>
+              <a:rPr lang="pt-BR" sz="1200" b="1" spc="-1" dirty="0" err="1">
+                <a:solidFill>
+                  <a:srgbClr val="0000FF"/>
+                </a:solidFill>
+                <a:latin typeface="Courier New" panose="02070309020205020404" pitchFamily="49" charset="0"/>
+                <a:cs typeface="Courier New" panose="02070309020205020404" pitchFamily="49" charset="0"/>
+              </a:rPr>
+              <a:t>max</a:t>
+            </a:r>
+            <a:r>
+              <a:rPr lang="pt-BR" sz="1200" b="1" spc="-1" dirty="0">
+                <a:solidFill>
+                  <a:srgbClr val="0000FF"/>
+                </a:solidFill>
+                <a:latin typeface="Courier New" panose="02070309020205020404" pitchFamily="49" charset="0"/>
+                <a:cs typeface="Courier New" panose="02070309020205020404" pitchFamily="49" charset="0"/>
+              </a:rPr>
+              <a:t>(</a:t>
+            </a:r>
+            <a:r>
+              <a:rPr lang="pt-BR" sz="1200" b="1" spc="-1" dirty="0" err="1">
+                <a:solidFill>
+                  <a:srgbClr val="0000FF"/>
+                </a:solidFill>
+                <a:latin typeface="Courier New" panose="02070309020205020404" pitchFamily="49" charset="0"/>
+                <a:cs typeface="Courier New" panose="02070309020205020404" pitchFamily="49" charset="0"/>
+              </a:rPr>
+              <a:t>pro_venda</a:t>
+            </a:r>
+            <a:r>
+              <a:rPr lang="pt-BR" sz="1200" b="1" spc="-1" dirty="0">
+                <a:solidFill>
+                  <a:srgbClr val="0000FF"/>
+                </a:solidFill>
+                <a:latin typeface="Courier New" panose="02070309020205020404" pitchFamily="49" charset="0"/>
+                <a:cs typeface="Courier New" panose="02070309020205020404" pitchFamily="49" charset="0"/>
+              </a:rPr>
+              <a:t>), min(</a:t>
+            </a:r>
+            <a:r>
+              <a:rPr lang="pt-BR" sz="1200" b="1" spc="-1" dirty="0" err="1">
+                <a:solidFill>
+                  <a:srgbClr val="0000FF"/>
+                </a:solidFill>
+                <a:latin typeface="Courier New" panose="02070309020205020404" pitchFamily="49" charset="0"/>
+                <a:cs typeface="Courier New" panose="02070309020205020404" pitchFamily="49" charset="0"/>
+              </a:rPr>
+              <a:t>pro_venda</a:t>
+            </a:r>
+            <a:r>
+              <a:rPr lang="pt-BR" sz="1200" b="1" spc="-1" dirty="0">
+                <a:solidFill>
+                  <a:srgbClr val="0000FF"/>
+                </a:solidFill>
+                <a:latin typeface="Courier New" panose="02070309020205020404" pitchFamily="49" charset="0"/>
+                <a:cs typeface="Courier New" panose="02070309020205020404" pitchFamily="49" charset="0"/>
+              </a:rPr>
+              <a:t>) </a:t>
+            </a:r>
+            <a:r>
+              <a:rPr lang="pt-BR" sz="1200" b="1" spc="-1" dirty="0" err="1">
+                <a:solidFill>
+                  <a:srgbClr val="0000FF"/>
+                </a:solidFill>
+                <a:latin typeface="Courier New" panose="02070309020205020404" pitchFamily="49" charset="0"/>
+                <a:cs typeface="Courier New" panose="02070309020205020404" pitchFamily="49" charset="0"/>
+              </a:rPr>
+              <a:t>from</a:t>
+            </a:r>
+            <a:r>
+              <a:rPr lang="pt-BR" sz="1200" b="1" spc="-1" dirty="0">
+                <a:solidFill>
+                  <a:srgbClr val="0000FF"/>
+                </a:solidFill>
+                <a:latin typeface="Courier New" panose="02070309020205020404" pitchFamily="49" charset="0"/>
+                <a:cs typeface="Courier New" panose="02070309020205020404" pitchFamily="49" charset="0"/>
+              </a:rPr>
+              <a:t> produto </a:t>
+            </a:r>
+            <a:r>
+              <a:rPr lang="pt-BR" sz="1200" b="1" spc="-1" dirty="0" err="1">
+                <a:solidFill>
+                  <a:srgbClr val="0000FF"/>
+                </a:solidFill>
+                <a:latin typeface="Courier New" panose="02070309020205020404" pitchFamily="49" charset="0"/>
+                <a:cs typeface="Courier New" panose="02070309020205020404" pitchFamily="49" charset="0"/>
+              </a:rPr>
+              <a:t>where</a:t>
+            </a:r>
+            <a:r>
+              <a:rPr lang="pt-BR" sz="1200" b="1" spc="-1" dirty="0">
+                <a:solidFill>
+                  <a:srgbClr val="0000FF"/>
+                </a:solidFill>
+                <a:latin typeface="Courier New" panose="02070309020205020404" pitchFamily="49" charset="0"/>
+                <a:cs typeface="Courier New" panose="02070309020205020404" pitchFamily="49" charset="0"/>
+              </a:rPr>
+              <a:t> </a:t>
+            </a:r>
+            <a:r>
+              <a:rPr lang="pt-BR" sz="1200" b="1" spc="-1" dirty="0" err="1">
+                <a:solidFill>
+                  <a:srgbClr val="0000FF"/>
+                </a:solidFill>
+                <a:latin typeface="Courier New" panose="02070309020205020404" pitchFamily="49" charset="0"/>
+                <a:cs typeface="Courier New" panose="02070309020205020404" pitchFamily="49" charset="0"/>
+              </a:rPr>
+              <a:t>cat_codigo</a:t>
+            </a:r>
+            <a:r>
+              <a:rPr lang="pt-BR" sz="1200" b="1" spc="-1" dirty="0">
+                <a:solidFill>
+                  <a:srgbClr val="0000FF"/>
+                </a:solidFill>
+                <a:latin typeface="Courier New" panose="02070309020205020404" pitchFamily="49" charset="0"/>
+                <a:cs typeface="Courier New" panose="02070309020205020404" pitchFamily="49" charset="0"/>
+              </a:rPr>
+              <a:t> = 5;</a:t>
+            </a:r>
+          </a:p>
+          <a:p>
+            <a:pPr marL="0" lvl="1">
+              <a:buClr>
+                <a:srgbClr val="000000"/>
+              </a:buClr>
+            </a:pPr>
+            <a:r>
+              <a:rPr lang="pt-BR" sz="1200" b="1" spc="-1" dirty="0" err="1">
+                <a:solidFill>
+                  <a:srgbClr val="0000FF"/>
+                </a:solidFill>
+                <a:latin typeface="Courier New" panose="02070309020205020404" pitchFamily="49" charset="0"/>
+                <a:cs typeface="Courier New" panose="02070309020205020404" pitchFamily="49" charset="0"/>
+              </a:rPr>
+              <a:t>select</a:t>
+            </a:r>
+            <a:r>
+              <a:rPr lang="pt-BR" sz="1200" b="1" spc="-1" dirty="0">
+                <a:solidFill>
+                  <a:srgbClr val="0000FF"/>
+                </a:solidFill>
+                <a:latin typeface="Courier New" panose="02070309020205020404" pitchFamily="49" charset="0"/>
+                <a:cs typeface="Courier New" panose="02070309020205020404" pitchFamily="49" charset="0"/>
+              </a:rPr>
+              <a:t> </a:t>
+            </a:r>
+            <a:r>
+              <a:rPr lang="pt-BR" sz="1200" b="1" spc="-1" dirty="0" err="1">
+                <a:solidFill>
+                  <a:srgbClr val="0000FF"/>
+                </a:solidFill>
+                <a:latin typeface="Courier New" panose="02070309020205020404" pitchFamily="49" charset="0"/>
+                <a:cs typeface="Courier New" panose="02070309020205020404" pitchFamily="49" charset="0"/>
+              </a:rPr>
+              <a:t>max</a:t>
+            </a:r>
+            <a:r>
+              <a:rPr lang="pt-BR" sz="1200" b="1" spc="-1" dirty="0">
+                <a:solidFill>
+                  <a:srgbClr val="0000FF"/>
+                </a:solidFill>
+                <a:latin typeface="Courier New" panose="02070309020205020404" pitchFamily="49" charset="0"/>
+                <a:cs typeface="Courier New" panose="02070309020205020404" pitchFamily="49" charset="0"/>
+              </a:rPr>
+              <a:t>(</a:t>
+            </a:r>
+            <a:r>
+              <a:rPr lang="pt-BR" sz="1200" b="1" spc="-1" dirty="0" err="1">
+                <a:solidFill>
+                  <a:srgbClr val="0000FF"/>
+                </a:solidFill>
+                <a:latin typeface="Courier New" panose="02070309020205020404" pitchFamily="49" charset="0"/>
+                <a:cs typeface="Courier New" panose="02070309020205020404" pitchFamily="49" charset="0"/>
+              </a:rPr>
+              <a:t>pro_venda</a:t>
+            </a:r>
+            <a:r>
+              <a:rPr lang="pt-BR" sz="1200" b="1" spc="-1" dirty="0">
+                <a:solidFill>
+                  <a:srgbClr val="0000FF"/>
+                </a:solidFill>
+                <a:latin typeface="Courier New" panose="02070309020205020404" pitchFamily="49" charset="0"/>
+                <a:cs typeface="Courier New" panose="02070309020205020404" pitchFamily="49" charset="0"/>
+              </a:rPr>
+              <a:t>), min(</a:t>
+            </a:r>
+            <a:r>
+              <a:rPr lang="pt-BR" sz="1200" b="1" spc="-1" dirty="0" err="1">
+                <a:solidFill>
+                  <a:srgbClr val="0000FF"/>
+                </a:solidFill>
+                <a:latin typeface="Courier New" panose="02070309020205020404" pitchFamily="49" charset="0"/>
+                <a:cs typeface="Courier New" panose="02070309020205020404" pitchFamily="49" charset="0"/>
+              </a:rPr>
+              <a:t>pro_venda</a:t>
+            </a:r>
+            <a:r>
+              <a:rPr lang="pt-BR" sz="1200" b="1" spc="-1" dirty="0">
+                <a:solidFill>
+                  <a:srgbClr val="0000FF"/>
+                </a:solidFill>
+                <a:latin typeface="Courier New" panose="02070309020205020404" pitchFamily="49" charset="0"/>
+                <a:cs typeface="Courier New" panose="02070309020205020404" pitchFamily="49" charset="0"/>
+              </a:rPr>
+              <a:t>) </a:t>
+            </a:r>
+            <a:r>
+              <a:rPr lang="pt-BR" sz="1200" b="1" spc="-1" dirty="0" err="1">
+                <a:solidFill>
+                  <a:srgbClr val="0000FF"/>
+                </a:solidFill>
+                <a:latin typeface="Courier New" panose="02070309020205020404" pitchFamily="49" charset="0"/>
+                <a:cs typeface="Courier New" panose="02070309020205020404" pitchFamily="49" charset="0"/>
+              </a:rPr>
+              <a:t>from</a:t>
+            </a:r>
+            <a:r>
+              <a:rPr lang="pt-BR" sz="1200" b="1" spc="-1" dirty="0">
+                <a:solidFill>
+                  <a:srgbClr val="0000FF"/>
+                </a:solidFill>
+                <a:latin typeface="Courier New" panose="02070309020205020404" pitchFamily="49" charset="0"/>
+                <a:cs typeface="Courier New" panose="02070309020205020404" pitchFamily="49" charset="0"/>
+              </a:rPr>
+              <a:t> produto </a:t>
+            </a:r>
+            <a:r>
+              <a:rPr lang="pt-BR" sz="1200" b="1" spc="-1" dirty="0" err="1">
+                <a:solidFill>
+                  <a:srgbClr val="0000FF"/>
+                </a:solidFill>
+                <a:latin typeface="Courier New" panose="02070309020205020404" pitchFamily="49" charset="0"/>
+                <a:cs typeface="Courier New" panose="02070309020205020404" pitchFamily="49" charset="0"/>
+              </a:rPr>
+              <a:t>where</a:t>
+            </a:r>
+            <a:r>
+              <a:rPr lang="pt-BR" sz="1200" b="1" spc="-1" dirty="0">
+                <a:solidFill>
+                  <a:srgbClr val="0000FF"/>
+                </a:solidFill>
+                <a:latin typeface="Courier New" panose="02070309020205020404" pitchFamily="49" charset="0"/>
+                <a:cs typeface="Courier New" panose="02070309020205020404" pitchFamily="49" charset="0"/>
+              </a:rPr>
+              <a:t> </a:t>
+            </a:r>
+            <a:r>
+              <a:rPr lang="pt-BR" sz="1200" b="1" spc="-1" dirty="0" err="1">
+                <a:solidFill>
+                  <a:srgbClr val="0000FF"/>
+                </a:solidFill>
+                <a:latin typeface="Courier New" panose="02070309020205020404" pitchFamily="49" charset="0"/>
+                <a:cs typeface="Courier New" panose="02070309020205020404" pitchFamily="49" charset="0"/>
+              </a:rPr>
+              <a:t>cat_codigo</a:t>
+            </a:r>
+            <a:r>
+              <a:rPr lang="pt-BR" sz="1200" b="1" spc="-1" dirty="0">
+                <a:solidFill>
+                  <a:srgbClr val="0000FF"/>
+                </a:solidFill>
+                <a:latin typeface="Courier New" panose="02070309020205020404" pitchFamily="49" charset="0"/>
+                <a:cs typeface="Courier New" panose="02070309020205020404" pitchFamily="49" charset="0"/>
+              </a:rPr>
+              <a:t> = 6;</a:t>
+            </a:r>
+          </a:p>
+          <a:p>
+            <a:pPr marL="0" lvl="1">
+              <a:buClr>
+                <a:srgbClr val="000000"/>
+              </a:buClr>
+            </a:pPr>
+            <a:r>
+              <a:rPr lang="pt-BR" sz="1200" b="1" spc="-1" dirty="0" err="1">
+                <a:solidFill>
+                  <a:srgbClr val="0000FF"/>
+                </a:solidFill>
+                <a:latin typeface="Courier New" panose="02070309020205020404" pitchFamily="49" charset="0"/>
+                <a:cs typeface="Courier New" panose="02070309020205020404" pitchFamily="49" charset="0"/>
+              </a:rPr>
+              <a:t>select</a:t>
+            </a:r>
+            <a:r>
+              <a:rPr lang="pt-BR" sz="1200" b="1" spc="-1" dirty="0">
+                <a:solidFill>
+                  <a:srgbClr val="0000FF"/>
+                </a:solidFill>
+                <a:latin typeface="Courier New" panose="02070309020205020404" pitchFamily="49" charset="0"/>
+                <a:cs typeface="Courier New" panose="02070309020205020404" pitchFamily="49" charset="0"/>
+              </a:rPr>
+              <a:t> </a:t>
+            </a:r>
+            <a:r>
+              <a:rPr lang="pt-BR" sz="1200" b="1" spc="-1" dirty="0" err="1">
+                <a:solidFill>
+                  <a:srgbClr val="0000FF"/>
+                </a:solidFill>
+                <a:latin typeface="Courier New" panose="02070309020205020404" pitchFamily="49" charset="0"/>
+                <a:cs typeface="Courier New" panose="02070309020205020404" pitchFamily="49" charset="0"/>
+              </a:rPr>
+              <a:t>max</a:t>
+            </a:r>
+            <a:r>
+              <a:rPr lang="pt-BR" sz="1200" b="1" spc="-1" dirty="0">
+                <a:solidFill>
+                  <a:srgbClr val="0000FF"/>
+                </a:solidFill>
+                <a:latin typeface="Courier New" panose="02070309020205020404" pitchFamily="49" charset="0"/>
+                <a:cs typeface="Courier New" panose="02070309020205020404" pitchFamily="49" charset="0"/>
+              </a:rPr>
+              <a:t>(</a:t>
+            </a:r>
+            <a:r>
+              <a:rPr lang="pt-BR" sz="1200" b="1" spc="-1" dirty="0" err="1">
+                <a:solidFill>
+                  <a:srgbClr val="0000FF"/>
+                </a:solidFill>
+                <a:latin typeface="Courier New" panose="02070309020205020404" pitchFamily="49" charset="0"/>
+                <a:cs typeface="Courier New" panose="02070309020205020404" pitchFamily="49" charset="0"/>
+              </a:rPr>
+              <a:t>pro_venda</a:t>
+            </a:r>
+            <a:r>
+              <a:rPr lang="pt-BR" sz="1200" b="1" spc="-1" dirty="0">
+                <a:solidFill>
+                  <a:srgbClr val="0000FF"/>
+                </a:solidFill>
+                <a:latin typeface="Courier New" panose="02070309020205020404" pitchFamily="49" charset="0"/>
+                <a:cs typeface="Courier New" panose="02070309020205020404" pitchFamily="49" charset="0"/>
+              </a:rPr>
+              <a:t>), min(</a:t>
+            </a:r>
+            <a:r>
+              <a:rPr lang="pt-BR" sz="1200" b="1" spc="-1" dirty="0" err="1">
+                <a:solidFill>
+                  <a:srgbClr val="0000FF"/>
+                </a:solidFill>
+                <a:latin typeface="Courier New" panose="02070309020205020404" pitchFamily="49" charset="0"/>
+                <a:cs typeface="Courier New" panose="02070309020205020404" pitchFamily="49" charset="0"/>
+              </a:rPr>
+              <a:t>pro_venda</a:t>
+            </a:r>
+            <a:r>
+              <a:rPr lang="pt-BR" sz="1200" b="1" spc="-1" dirty="0">
+                <a:solidFill>
+                  <a:srgbClr val="0000FF"/>
+                </a:solidFill>
+                <a:latin typeface="Courier New" panose="02070309020205020404" pitchFamily="49" charset="0"/>
+                <a:cs typeface="Courier New" panose="02070309020205020404" pitchFamily="49" charset="0"/>
+              </a:rPr>
+              <a:t>) </a:t>
+            </a:r>
+            <a:r>
+              <a:rPr lang="pt-BR" sz="1200" b="1" spc="-1" dirty="0" err="1">
+                <a:solidFill>
+                  <a:srgbClr val="0000FF"/>
+                </a:solidFill>
+                <a:latin typeface="Courier New" panose="02070309020205020404" pitchFamily="49" charset="0"/>
+                <a:cs typeface="Courier New" panose="02070309020205020404" pitchFamily="49" charset="0"/>
+              </a:rPr>
+              <a:t>from</a:t>
+            </a:r>
+            <a:r>
+              <a:rPr lang="pt-BR" sz="1200" b="1" spc="-1" dirty="0">
+                <a:solidFill>
+                  <a:srgbClr val="0000FF"/>
+                </a:solidFill>
+                <a:latin typeface="Courier New" panose="02070309020205020404" pitchFamily="49" charset="0"/>
+                <a:cs typeface="Courier New" panose="02070309020205020404" pitchFamily="49" charset="0"/>
+              </a:rPr>
+              <a:t> produto </a:t>
+            </a:r>
+            <a:r>
+              <a:rPr lang="pt-BR" sz="1200" b="1" spc="-1" dirty="0" err="1">
+                <a:solidFill>
+                  <a:srgbClr val="0000FF"/>
+                </a:solidFill>
+                <a:latin typeface="Courier New" panose="02070309020205020404" pitchFamily="49" charset="0"/>
+                <a:cs typeface="Courier New" panose="02070309020205020404" pitchFamily="49" charset="0"/>
+              </a:rPr>
+              <a:t>where</a:t>
+            </a:r>
+            <a:r>
+              <a:rPr lang="pt-BR" sz="1200" b="1" spc="-1" dirty="0">
+                <a:solidFill>
+                  <a:srgbClr val="0000FF"/>
+                </a:solidFill>
+                <a:latin typeface="Courier New" panose="02070309020205020404" pitchFamily="49" charset="0"/>
+                <a:cs typeface="Courier New" panose="02070309020205020404" pitchFamily="49" charset="0"/>
+              </a:rPr>
+              <a:t> </a:t>
+            </a:r>
+            <a:r>
+              <a:rPr lang="pt-BR" sz="1200" b="1" spc="-1" dirty="0" err="1">
+                <a:solidFill>
+                  <a:srgbClr val="0000FF"/>
+                </a:solidFill>
+                <a:latin typeface="Courier New" panose="02070309020205020404" pitchFamily="49" charset="0"/>
+                <a:cs typeface="Courier New" panose="02070309020205020404" pitchFamily="49" charset="0"/>
+              </a:rPr>
+              <a:t>cat_codigo</a:t>
+            </a:r>
+            <a:r>
+              <a:rPr lang="pt-BR" sz="1200" b="1" spc="-1" dirty="0">
+                <a:solidFill>
+                  <a:srgbClr val="0000FF"/>
+                </a:solidFill>
+                <a:latin typeface="Courier New" panose="02070309020205020404" pitchFamily="49" charset="0"/>
+                <a:cs typeface="Courier New" panose="02070309020205020404" pitchFamily="49" charset="0"/>
+              </a:rPr>
+              <a:t> = 7;</a:t>
+            </a:r>
+          </a:p>
+          <a:p>
+            <a:pPr marL="360">
+              <a:lnSpc>
+                <a:spcPct val="100000"/>
+              </a:lnSpc>
+              <a:spcBef>
+                <a:spcPts val="439"/>
+              </a:spcBef>
+              <a:buClr>
+                <a:srgbClr val="000000"/>
+              </a:buClr>
+            </a:pPr>
+            <a:r>
+              <a:rPr lang="pt-BR" sz="2200" b="0" strike="noStrike" spc="-1" dirty="0">
+                <a:solidFill>
+                  <a:srgbClr val="000000"/>
+                </a:solidFill>
+                <a:latin typeface="Arial"/>
+              </a:rPr>
+              <a:t>Ou</a:t>
+            </a:r>
+          </a:p>
+          <a:p>
+            <a:pPr marL="360">
+              <a:lnSpc>
+                <a:spcPct val="100000"/>
+              </a:lnSpc>
+              <a:spcBef>
+                <a:spcPts val="439"/>
+              </a:spcBef>
+              <a:buClr>
+                <a:srgbClr val="000000"/>
+              </a:buClr>
+            </a:pPr>
+            <a:r>
+              <a:rPr lang="en-US" b="1" spc="-1" dirty="0">
+                <a:solidFill>
+                  <a:srgbClr val="0000FF"/>
+                </a:solidFill>
+                <a:latin typeface="Courier New" panose="02070309020205020404" pitchFamily="49" charset="0"/>
+                <a:cs typeface="Courier New" panose="02070309020205020404" pitchFamily="49" charset="0"/>
+              </a:rPr>
+              <a:t>select </a:t>
+            </a:r>
+            <a:r>
+              <a:rPr lang="en-US" b="1" spc="-1" dirty="0" err="1">
+                <a:solidFill>
+                  <a:srgbClr val="0000FF"/>
+                </a:solidFill>
+                <a:latin typeface="Courier New" panose="02070309020205020404" pitchFamily="49" charset="0"/>
+                <a:cs typeface="Courier New" panose="02070309020205020404" pitchFamily="49" charset="0"/>
+              </a:rPr>
+              <a:t>cat_codigo</a:t>
+            </a:r>
+            <a:r>
+              <a:rPr lang="en-US" b="1" spc="-1" dirty="0">
+                <a:solidFill>
+                  <a:srgbClr val="0000FF"/>
+                </a:solidFill>
+                <a:latin typeface="Courier New" panose="02070309020205020404" pitchFamily="49" charset="0"/>
+                <a:cs typeface="Courier New" panose="02070309020205020404" pitchFamily="49" charset="0"/>
+              </a:rPr>
+              <a:t>, max(</a:t>
+            </a:r>
+            <a:r>
+              <a:rPr lang="en-US" b="1" spc="-1" dirty="0" err="1">
+                <a:solidFill>
+                  <a:srgbClr val="0000FF"/>
+                </a:solidFill>
+                <a:latin typeface="Courier New" panose="02070309020205020404" pitchFamily="49" charset="0"/>
+                <a:cs typeface="Courier New" panose="02070309020205020404" pitchFamily="49" charset="0"/>
+              </a:rPr>
+              <a:t>pro_venda</a:t>
+            </a:r>
+            <a:r>
+              <a:rPr lang="en-US" b="1" spc="-1" dirty="0">
+                <a:solidFill>
+                  <a:srgbClr val="0000FF"/>
+                </a:solidFill>
+                <a:latin typeface="Courier New" panose="02070309020205020404" pitchFamily="49" charset="0"/>
+                <a:cs typeface="Courier New" panose="02070309020205020404" pitchFamily="49" charset="0"/>
+              </a:rPr>
+              <a:t>),min(</a:t>
+            </a:r>
+            <a:r>
+              <a:rPr lang="en-US" b="1" spc="-1" dirty="0" err="1">
+                <a:solidFill>
+                  <a:srgbClr val="0000FF"/>
+                </a:solidFill>
+                <a:latin typeface="Courier New" panose="02070309020205020404" pitchFamily="49" charset="0"/>
+                <a:cs typeface="Courier New" panose="02070309020205020404" pitchFamily="49" charset="0"/>
+              </a:rPr>
+              <a:t>pro_venda</a:t>
+            </a:r>
+            <a:r>
+              <a:rPr lang="en-US" b="1" spc="-1" dirty="0">
+                <a:solidFill>
+                  <a:srgbClr val="0000FF"/>
+                </a:solidFill>
+                <a:latin typeface="Courier New" panose="02070309020205020404" pitchFamily="49" charset="0"/>
+                <a:cs typeface="Courier New" panose="02070309020205020404" pitchFamily="49" charset="0"/>
+              </a:rPr>
+              <a:t>) from </a:t>
+            </a:r>
+            <a:r>
+              <a:rPr lang="en-US" b="1" spc="-1" dirty="0" err="1">
+                <a:solidFill>
+                  <a:srgbClr val="0000FF"/>
+                </a:solidFill>
+                <a:latin typeface="Courier New" panose="02070309020205020404" pitchFamily="49" charset="0"/>
+                <a:cs typeface="Courier New" panose="02070309020205020404" pitchFamily="49" charset="0"/>
+              </a:rPr>
+              <a:t>produto</a:t>
+            </a:r>
+            <a:r>
+              <a:rPr lang="en-US" b="1" spc="-1" dirty="0">
+                <a:solidFill>
+                  <a:srgbClr val="0000FF"/>
+                </a:solidFill>
+                <a:latin typeface="Courier New" panose="02070309020205020404" pitchFamily="49" charset="0"/>
+                <a:cs typeface="Courier New" panose="02070309020205020404" pitchFamily="49" charset="0"/>
+              </a:rPr>
+              <a:t> group by </a:t>
+            </a:r>
+            <a:r>
+              <a:rPr lang="en-US" b="1" spc="-1" dirty="0" err="1">
+                <a:solidFill>
+                  <a:srgbClr val="0000FF"/>
+                </a:solidFill>
+                <a:latin typeface="Courier New" panose="02070309020205020404" pitchFamily="49" charset="0"/>
+                <a:cs typeface="Courier New" panose="02070309020205020404" pitchFamily="49" charset="0"/>
+              </a:rPr>
+              <a:t>cat_codigo</a:t>
+            </a:r>
+            <a:r>
+              <a:rPr lang="en-US" b="1" spc="-1" dirty="0">
+                <a:solidFill>
+                  <a:srgbClr val="0000FF"/>
+                </a:solidFill>
+                <a:latin typeface="Courier New" panose="02070309020205020404" pitchFamily="49" charset="0"/>
+                <a:cs typeface="Courier New" panose="02070309020205020404" pitchFamily="49" charset="0"/>
+              </a:rPr>
+              <a:t>;</a:t>
+            </a:r>
+            <a:endParaRPr lang="pt-BR" b="1" spc="-1" dirty="0">
+              <a:solidFill>
+                <a:srgbClr val="0000FF"/>
+              </a:solidFill>
+              <a:latin typeface="Courier New" panose="02070309020205020404" pitchFamily="49" charset="0"/>
+              <a:cs typeface="Courier New" panose="02070309020205020404" pitchFamily="49" charset="0"/>
+            </a:endParaRPr>
+          </a:p>
+        </p:txBody>
+      </p:sp>
+    </p:spTree>
+    <p:extLst>
+      <p:ext uri="{BB962C8B-B14F-4D97-AF65-F5344CB8AC3E}">
+        <p14:creationId xmlns:p14="http://schemas.microsoft.com/office/powerpoint/2010/main" val="799124898"/>
+      </p:ext>
+    </p:extLst>
+  </p:cSld>
+  <p:clrMapOvr>
+    <a:masterClrMapping/>
+  </p:clrMapOvr>
+  <p:timing>
+    <p:tnLst>
+      <p:par>
+        <p:cTn id="1" dur="indefinite" restart="never" nodeType="tmRoot">
+          <p:childTnLst>
+            <p:seq concurrent="1" nextAc="seek">
+              <p:cTn id="2" dur="indefinite" nodeType="mainSeq">
+                <p:childTnLst>
+                  <p:par>
+                    <p:cTn id="3" fill="hold">
+                      <p:stCondLst>
+                        <p:cond delay="indefinite"/>
+                      </p:stCondLst>
+                      <p:childTnLst>
+                        <p:par>
+                          <p:cTn id="4" fill="hold">
+                            <p:stCondLst>
+                              <p:cond delay="0"/>
+                            </p:stCondLst>
+                            <p:childTnLst>
+                              <p:par>
+                                <p:cTn id="5" presetID="10" presetClass="entr" presetSubtype="0" fill="hold" nodeType="clickEffect">
+                                  <p:stCondLst>
+                                    <p:cond delay="0"/>
+                                  </p:stCondLst>
+                                  <p:childTnLst>
+                                    <p:set>
+                                      <p:cBhvr>
+                                        <p:cTn id="6" dur="1" fill="hold">
+                                          <p:stCondLst>
+                                            <p:cond delay="0"/>
+                                          </p:stCondLst>
+                                        </p:cTn>
+                                        <p:tgtEl>
+                                          <p:spTgt spid="184">
+                                            <p:txEl>
+                                              <p:pRg st="0" end="0"/>
+                                            </p:txEl>
+                                          </p:spTgt>
+                                        </p:tgtEl>
+                                        <p:attrNameLst>
+                                          <p:attrName>style.visibility</p:attrName>
+                                        </p:attrNameLst>
+                                      </p:cBhvr>
+                                      <p:to>
+                                        <p:strVal val="visible"/>
+                                      </p:to>
+                                    </p:set>
+                                    <p:animEffect transition="in" filter="fade">
+                                      <p:cBhvr>
+                                        <p:cTn id="7" dur="500"/>
+                                        <p:tgtEl>
+                                          <p:spTgt spid="184">
+                                            <p:txEl>
+                                              <p:pRg st="0" end="0"/>
+                                            </p:txEl>
+                                          </p:spTgt>
+                                        </p:tgtEl>
+                                      </p:cBhvr>
+                                    </p:animEffect>
+                                  </p:childTnLst>
+                                </p:cTn>
+                              </p:par>
+                            </p:childTnLst>
+                          </p:cTn>
+                        </p:par>
+                      </p:childTnLst>
+                    </p:cTn>
+                  </p:par>
+                  <p:par>
+                    <p:cTn id="8" fill="hold">
+                      <p:stCondLst>
+                        <p:cond delay="indefinite"/>
+                      </p:stCondLst>
+                      <p:childTnLst>
+                        <p:par>
+                          <p:cTn id="9" fill="hold">
+                            <p:stCondLst>
+                              <p:cond delay="0"/>
+                            </p:stCondLst>
+                            <p:childTnLst>
+                              <p:par>
+                                <p:cTn id="10" presetID="10" presetClass="entr" presetSubtype="0" fill="hold" nodeType="clickEffect">
+                                  <p:stCondLst>
+                                    <p:cond delay="0"/>
+                                  </p:stCondLst>
+                                  <p:childTnLst>
+                                    <p:set>
+                                      <p:cBhvr>
+                                        <p:cTn id="11" dur="1" fill="hold">
+                                          <p:stCondLst>
+                                            <p:cond delay="0"/>
+                                          </p:stCondLst>
+                                        </p:cTn>
+                                        <p:tgtEl>
+                                          <p:spTgt spid="184">
+                                            <p:txEl>
+                                              <p:pRg st="1" end="1"/>
+                                            </p:txEl>
+                                          </p:spTgt>
+                                        </p:tgtEl>
+                                        <p:attrNameLst>
+                                          <p:attrName>style.visibility</p:attrName>
+                                        </p:attrNameLst>
+                                      </p:cBhvr>
+                                      <p:to>
+                                        <p:strVal val="visible"/>
+                                      </p:to>
+                                    </p:set>
+                                    <p:animEffect transition="in" filter="fade">
+                                      <p:cBhvr>
+                                        <p:cTn id="12" dur="500"/>
+                                        <p:tgtEl>
+                                          <p:spTgt spid="184">
+                                            <p:txEl>
+                                              <p:pRg st="1" end="1"/>
+                                            </p:txEl>
+                                          </p:spTgt>
+                                        </p:tgtEl>
+                                      </p:cBhvr>
+                                    </p:animEffect>
+                                  </p:childTnLst>
+                                </p:cTn>
+                              </p:par>
+                            </p:childTnLst>
+                          </p:cTn>
+                        </p:par>
+                      </p:childTnLst>
+                    </p:cTn>
+                  </p:par>
+                  <p:par>
+                    <p:cTn id="13" fill="hold">
+                      <p:stCondLst>
+                        <p:cond delay="indefinite"/>
+                      </p:stCondLst>
+                      <p:childTnLst>
+                        <p:par>
+                          <p:cTn id="14" fill="hold">
+                            <p:stCondLst>
+                              <p:cond delay="0"/>
+                            </p:stCondLst>
+                            <p:childTnLst>
+                              <p:par>
+                                <p:cTn id="15" presetID="10" presetClass="entr" presetSubtype="0" fill="hold" nodeType="clickEffect">
+                                  <p:stCondLst>
+                                    <p:cond delay="0"/>
+                                  </p:stCondLst>
+                                  <p:childTnLst>
+                                    <p:set>
+                                      <p:cBhvr>
+                                        <p:cTn id="16" dur="1" fill="hold">
+                                          <p:stCondLst>
+                                            <p:cond delay="0"/>
+                                          </p:stCondLst>
+                                        </p:cTn>
+                                        <p:tgtEl>
+                                          <p:spTgt spid="184">
+                                            <p:txEl>
+                                              <p:pRg st="2" end="2"/>
+                                            </p:txEl>
+                                          </p:spTgt>
+                                        </p:tgtEl>
+                                        <p:attrNameLst>
+                                          <p:attrName>style.visibility</p:attrName>
+                                        </p:attrNameLst>
+                                      </p:cBhvr>
+                                      <p:to>
+                                        <p:strVal val="visible"/>
+                                      </p:to>
+                                    </p:set>
+                                    <p:animEffect transition="in" filter="fade">
+                                      <p:cBhvr>
+                                        <p:cTn id="17" dur="500"/>
+                                        <p:tgtEl>
+                                          <p:spTgt spid="184">
+                                            <p:txEl>
+                                              <p:pRg st="2" end="2"/>
+                                            </p:txEl>
+                                          </p:spTgt>
+                                        </p:tgtEl>
+                                      </p:cBhvr>
+                                    </p:animEffect>
+                                  </p:childTnLst>
+                                </p:cTn>
+                              </p:par>
+                            </p:childTnLst>
+                          </p:cTn>
+                        </p:par>
+                      </p:childTnLst>
+                    </p:cTn>
+                  </p:par>
+                  <p:par>
+                    <p:cTn id="18" fill="hold">
+                      <p:stCondLst>
+                        <p:cond delay="indefinite"/>
+                      </p:stCondLst>
+                      <p:childTnLst>
+                        <p:par>
+                          <p:cTn id="19" fill="hold">
+                            <p:stCondLst>
+                              <p:cond delay="0"/>
+                            </p:stCondLst>
+                            <p:childTnLst>
+                              <p:par>
+                                <p:cTn id="20" presetID="10" presetClass="entr" presetSubtype="0" fill="hold" nodeType="clickEffect">
+                                  <p:stCondLst>
+                                    <p:cond delay="0"/>
+                                  </p:stCondLst>
+                                  <p:childTnLst>
+                                    <p:set>
+                                      <p:cBhvr>
+                                        <p:cTn id="21" dur="1" fill="hold">
+                                          <p:stCondLst>
+                                            <p:cond delay="0"/>
+                                          </p:stCondLst>
+                                        </p:cTn>
+                                        <p:tgtEl>
+                                          <p:spTgt spid="184">
+                                            <p:txEl>
+                                              <p:pRg st="3" end="3"/>
+                                            </p:txEl>
+                                          </p:spTgt>
+                                        </p:tgtEl>
+                                        <p:attrNameLst>
+                                          <p:attrName>style.visibility</p:attrName>
+                                        </p:attrNameLst>
+                                      </p:cBhvr>
+                                      <p:to>
+                                        <p:strVal val="visible"/>
+                                      </p:to>
+                                    </p:set>
+                                    <p:animEffect transition="in" filter="fade">
+                                      <p:cBhvr>
+                                        <p:cTn id="22" dur="500"/>
+                                        <p:tgtEl>
+                                          <p:spTgt spid="184">
+                                            <p:txEl>
+                                              <p:pRg st="3" end="3"/>
+                                            </p:txEl>
+                                          </p:spTgt>
+                                        </p:tgtEl>
+                                      </p:cBhvr>
+                                    </p:animEffect>
+                                  </p:childTnLst>
+                                </p:cTn>
+                              </p:par>
+                            </p:childTnLst>
+                          </p:cTn>
+                        </p:par>
+                      </p:childTnLst>
+                    </p:cTn>
+                  </p:par>
+                  <p:par>
+                    <p:cTn id="23" fill="hold">
+                      <p:stCondLst>
+                        <p:cond delay="indefinite"/>
+                      </p:stCondLst>
+                      <p:childTnLst>
+                        <p:par>
+                          <p:cTn id="24" fill="hold">
+                            <p:stCondLst>
+                              <p:cond delay="0"/>
+                            </p:stCondLst>
+                            <p:childTnLst>
+                              <p:par>
+                                <p:cTn id="25" presetID="10" presetClass="entr" presetSubtype="0" fill="hold" nodeType="clickEffect">
+                                  <p:stCondLst>
+                                    <p:cond delay="0"/>
+                                  </p:stCondLst>
+                                  <p:childTnLst>
+                                    <p:set>
+                                      <p:cBhvr>
+                                        <p:cTn id="26" dur="1" fill="hold">
+                                          <p:stCondLst>
+                                            <p:cond delay="0"/>
+                                          </p:stCondLst>
+                                        </p:cTn>
+                                        <p:tgtEl>
+                                          <p:spTgt spid="184">
+                                            <p:txEl>
+                                              <p:pRg st="4" end="4"/>
+                                            </p:txEl>
+                                          </p:spTgt>
+                                        </p:tgtEl>
+                                        <p:attrNameLst>
+                                          <p:attrName>style.visibility</p:attrName>
+                                        </p:attrNameLst>
+                                      </p:cBhvr>
+                                      <p:to>
+                                        <p:strVal val="visible"/>
+                                      </p:to>
+                                    </p:set>
+                                    <p:animEffect transition="in" filter="fade">
+                                      <p:cBhvr>
+                                        <p:cTn id="27" dur="500"/>
+                                        <p:tgtEl>
+                                          <p:spTgt spid="184">
+                                            <p:txEl>
+                                              <p:pRg st="4" end="4"/>
+                                            </p:txEl>
+                                          </p:spTgt>
+                                        </p:tgtEl>
+                                      </p:cBhvr>
+                                    </p:animEffect>
+                                  </p:childTnLst>
+                                </p:cTn>
+                              </p:par>
+                            </p:childTnLst>
+                          </p:cTn>
+                        </p:par>
+                      </p:childTnLst>
+                    </p:cTn>
+                  </p:par>
+                  <p:par>
+                    <p:cTn id="28" fill="hold">
+                      <p:stCondLst>
+                        <p:cond delay="indefinite"/>
+                      </p:stCondLst>
+                      <p:childTnLst>
+                        <p:par>
+                          <p:cTn id="29" fill="hold">
+                            <p:stCondLst>
+                              <p:cond delay="0"/>
+                            </p:stCondLst>
+                            <p:childTnLst>
+                              <p:par>
+                                <p:cTn id="30" presetID="10" presetClass="entr" presetSubtype="0" fill="hold" nodeType="clickEffect">
+                                  <p:stCondLst>
+                                    <p:cond delay="0"/>
+                                  </p:stCondLst>
+                                  <p:childTnLst>
+                                    <p:set>
+                                      <p:cBhvr>
+                                        <p:cTn id="31" dur="1" fill="hold">
+                                          <p:stCondLst>
+                                            <p:cond delay="0"/>
+                                          </p:stCondLst>
+                                        </p:cTn>
+                                        <p:tgtEl>
+                                          <p:spTgt spid="184">
+                                            <p:txEl>
+                                              <p:pRg st="5" end="5"/>
+                                            </p:txEl>
+                                          </p:spTgt>
+                                        </p:tgtEl>
+                                        <p:attrNameLst>
+                                          <p:attrName>style.visibility</p:attrName>
+                                        </p:attrNameLst>
+                                      </p:cBhvr>
+                                      <p:to>
+                                        <p:strVal val="visible"/>
+                                      </p:to>
+                                    </p:set>
+                                    <p:animEffect transition="in" filter="fade">
+                                      <p:cBhvr>
+                                        <p:cTn id="32" dur="500"/>
+                                        <p:tgtEl>
+                                          <p:spTgt spid="184">
+                                            <p:txEl>
+                                              <p:pRg st="5" end="5"/>
+                                            </p:txEl>
+                                          </p:spTgt>
+                                        </p:tgtEl>
+                                      </p:cBhvr>
+                                    </p:animEffect>
+                                  </p:childTnLst>
+                                </p:cTn>
+                              </p:par>
+                            </p:childTnLst>
+                          </p:cTn>
+                        </p:par>
+                      </p:childTnLst>
+                    </p:cTn>
+                  </p:par>
+                  <p:par>
+                    <p:cTn id="33" fill="hold">
+                      <p:stCondLst>
+                        <p:cond delay="indefinite"/>
+                      </p:stCondLst>
+                      <p:childTnLst>
+                        <p:par>
+                          <p:cTn id="34" fill="hold">
+                            <p:stCondLst>
+                              <p:cond delay="0"/>
+                            </p:stCondLst>
+                            <p:childTnLst>
+                              <p:par>
+                                <p:cTn id="35" presetID="10" presetClass="entr" presetSubtype="0" fill="hold" nodeType="clickEffect">
+                                  <p:stCondLst>
+                                    <p:cond delay="0"/>
+                                  </p:stCondLst>
+                                  <p:childTnLst>
+                                    <p:set>
+                                      <p:cBhvr>
+                                        <p:cTn id="36" dur="1" fill="hold">
+                                          <p:stCondLst>
+                                            <p:cond delay="0"/>
+                                          </p:stCondLst>
+                                        </p:cTn>
+                                        <p:tgtEl>
+                                          <p:spTgt spid="184">
+                                            <p:txEl>
+                                              <p:pRg st="6" end="6"/>
+                                            </p:txEl>
+                                          </p:spTgt>
+                                        </p:tgtEl>
+                                        <p:attrNameLst>
+                                          <p:attrName>style.visibility</p:attrName>
+                                        </p:attrNameLst>
+                                      </p:cBhvr>
+                                      <p:to>
+                                        <p:strVal val="visible"/>
+                                      </p:to>
+                                    </p:set>
+                                    <p:animEffect transition="in" filter="fade">
+                                      <p:cBhvr>
+                                        <p:cTn id="37" dur="500"/>
+                                        <p:tgtEl>
+                                          <p:spTgt spid="184">
+                                            <p:txEl>
+                                              <p:pRg st="6" end="6"/>
+                                            </p:txEl>
+                                          </p:spTgt>
+                                        </p:tgtEl>
+                                      </p:cBhvr>
+                                    </p:animEffect>
+                                  </p:childTnLst>
+                                </p:cTn>
+                              </p:par>
+                            </p:childTnLst>
+                          </p:cTn>
+                        </p:par>
+                      </p:childTnLst>
+                    </p:cTn>
+                  </p:par>
+                  <p:par>
+                    <p:cTn id="38" fill="hold">
+                      <p:stCondLst>
+                        <p:cond delay="indefinite"/>
+                      </p:stCondLst>
+                      <p:childTnLst>
+                        <p:par>
+                          <p:cTn id="39" fill="hold">
+                            <p:stCondLst>
+                              <p:cond delay="0"/>
+                            </p:stCondLst>
+                            <p:childTnLst>
+                              <p:par>
+                                <p:cTn id="40" presetID="10" presetClass="entr" presetSubtype="0" fill="hold" nodeType="clickEffect">
+                                  <p:stCondLst>
+                                    <p:cond delay="0"/>
+                                  </p:stCondLst>
+                                  <p:childTnLst>
+                                    <p:set>
+                                      <p:cBhvr>
+                                        <p:cTn id="41" dur="1" fill="hold">
+                                          <p:stCondLst>
+                                            <p:cond delay="0"/>
+                                          </p:stCondLst>
+                                        </p:cTn>
+                                        <p:tgtEl>
+                                          <p:spTgt spid="184">
+                                            <p:txEl>
+                                              <p:pRg st="7" end="7"/>
+                                            </p:txEl>
+                                          </p:spTgt>
+                                        </p:tgtEl>
+                                        <p:attrNameLst>
+                                          <p:attrName>style.visibility</p:attrName>
+                                        </p:attrNameLst>
+                                      </p:cBhvr>
+                                      <p:to>
+                                        <p:strVal val="visible"/>
+                                      </p:to>
+                                    </p:set>
+                                    <p:animEffect transition="in" filter="fade">
+                                      <p:cBhvr>
+                                        <p:cTn id="42" dur="500"/>
+                                        <p:tgtEl>
+                                          <p:spTgt spid="184">
+                                            <p:txEl>
+                                              <p:pRg st="7" end="7"/>
+                                            </p:txEl>
+                                          </p:spTgt>
+                                        </p:tgtEl>
+                                      </p:cBhvr>
+                                    </p:animEffect>
+                                  </p:childTnLst>
+                                </p:cTn>
+                              </p:par>
+                            </p:childTnLst>
+                          </p:cTn>
+                        </p:par>
+                      </p:childTnLst>
+                    </p:cTn>
+                  </p:par>
+                  <p:par>
+                    <p:cTn id="43" fill="hold">
+                      <p:stCondLst>
+                        <p:cond delay="indefinite"/>
+                      </p:stCondLst>
+                      <p:childTnLst>
+                        <p:par>
+                          <p:cTn id="44" fill="hold">
+                            <p:stCondLst>
+                              <p:cond delay="0"/>
+                            </p:stCondLst>
+                            <p:childTnLst>
+                              <p:par>
+                                <p:cTn id="45" presetID="10" presetClass="entr" presetSubtype="0" fill="hold" nodeType="clickEffect">
+                                  <p:stCondLst>
+                                    <p:cond delay="0"/>
+                                  </p:stCondLst>
+                                  <p:childTnLst>
+                                    <p:set>
+                                      <p:cBhvr>
+                                        <p:cTn id="46" dur="1" fill="hold">
+                                          <p:stCondLst>
+                                            <p:cond delay="0"/>
+                                          </p:stCondLst>
+                                        </p:cTn>
+                                        <p:tgtEl>
+                                          <p:spTgt spid="184">
+                                            <p:txEl>
+                                              <p:pRg st="8" end="8"/>
+                                            </p:txEl>
+                                          </p:spTgt>
+                                        </p:tgtEl>
+                                        <p:attrNameLst>
+                                          <p:attrName>style.visibility</p:attrName>
+                                        </p:attrNameLst>
+                                      </p:cBhvr>
+                                      <p:to>
+                                        <p:strVal val="visible"/>
+                                      </p:to>
+                                    </p:set>
+                                    <p:animEffect transition="in" filter="fade">
+                                      <p:cBhvr>
+                                        <p:cTn id="47" dur="500"/>
+                                        <p:tgtEl>
+                                          <p:spTgt spid="184">
+                                            <p:txEl>
+                                              <p:pRg st="8" end="8"/>
+                                            </p:txEl>
+                                          </p:spTgt>
+                                        </p:tgtEl>
+                                      </p:cBhvr>
+                                    </p:animEffect>
+                                  </p:childTnLst>
+                                </p:cTn>
+                              </p:par>
+                            </p:childTnLst>
+                          </p:cTn>
+                        </p:par>
+                      </p:childTnLst>
+                    </p:cTn>
+                  </p:par>
+                  <p:par>
+                    <p:cTn id="48" fill="hold">
+                      <p:stCondLst>
+                        <p:cond delay="indefinite"/>
+                      </p:stCondLst>
+                      <p:childTnLst>
+                        <p:par>
+                          <p:cTn id="49" fill="hold">
+                            <p:stCondLst>
+                              <p:cond delay="0"/>
+                            </p:stCondLst>
+                            <p:childTnLst>
+                              <p:par>
+                                <p:cTn id="50" presetID="10" presetClass="entr" presetSubtype="0" fill="hold" nodeType="clickEffect">
+                                  <p:stCondLst>
+                                    <p:cond delay="0"/>
+                                  </p:stCondLst>
+                                  <p:childTnLst>
+                                    <p:set>
+                                      <p:cBhvr>
+                                        <p:cTn id="51" dur="1" fill="hold">
+                                          <p:stCondLst>
+                                            <p:cond delay="0"/>
+                                          </p:stCondLst>
+                                        </p:cTn>
+                                        <p:tgtEl>
+                                          <p:spTgt spid="184">
+                                            <p:txEl>
+                                              <p:pRg st="9" end="9"/>
+                                            </p:txEl>
+                                          </p:spTgt>
+                                        </p:tgtEl>
+                                        <p:attrNameLst>
+                                          <p:attrName>style.visibility</p:attrName>
+                                        </p:attrNameLst>
+                                      </p:cBhvr>
+                                      <p:to>
+                                        <p:strVal val="visible"/>
+                                      </p:to>
+                                    </p:set>
+                                    <p:animEffect transition="in" filter="fade">
+                                      <p:cBhvr>
+                                        <p:cTn id="52" dur="500"/>
+                                        <p:tgtEl>
+                                          <p:spTgt spid="184">
+                                            <p:txEl>
+                                              <p:pRg st="9" end="9"/>
+                                            </p:txEl>
+                                          </p:spTgt>
+                                        </p:tgtEl>
+                                      </p:cBhvr>
+                                    </p:animEffect>
+                                  </p:childTnLst>
+                                </p:cTn>
+                              </p:par>
+                            </p:childTnLst>
+                          </p:cTn>
+                        </p:par>
+                      </p:childTnLst>
+                    </p:cTn>
+                  </p:par>
+                  <p:par>
+                    <p:cTn id="53" fill="hold">
+                      <p:stCondLst>
+                        <p:cond delay="indefinite"/>
+                      </p:stCondLst>
+                      <p:childTnLst>
+                        <p:par>
+                          <p:cTn id="54" fill="hold">
+                            <p:stCondLst>
+                              <p:cond delay="0"/>
+                            </p:stCondLst>
+                            <p:childTnLst>
+                              <p:par>
+                                <p:cTn id="55" presetID="10" presetClass="entr" presetSubtype="0" fill="hold" nodeType="clickEffect">
+                                  <p:stCondLst>
+                                    <p:cond delay="0"/>
+                                  </p:stCondLst>
+                                  <p:childTnLst>
+                                    <p:set>
+                                      <p:cBhvr>
+                                        <p:cTn id="56" dur="1" fill="hold">
+                                          <p:stCondLst>
+                                            <p:cond delay="0"/>
+                                          </p:stCondLst>
+                                        </p:cTn>
+                                        <p:tgtEl>
+                                          <p:spTgt spid="184">
+                                            <p:txEl>
+                                              <p:pRg st="10" end="10"/>
+                                            </p:txEl>
+                                          </p:spTgt>
+                                        </p:tgtEl>
+                                        <p:attrNameLst>
+                                          <p:attrName>style.visibility</p:attrName>
+                                        </p:attrNameLst>
+                                      </p:cBhvr>
+                                      <p:to>
+                                        <p:strVal val="visible"/>
+                                      </p:to>
+                                    </p:set>
+                                    <p:animEffect transition="in" filter="fade">
+                                      <p:cBhvr>
+                                        <p:cTn id="57" dur="500"/>
+                                        <p:tgtEl>
+                                          <p:spTgt spid="184">
+                                            <p:txEl>
+                                              <p:pRg st="10" end="10"/>
+                                            </p:txEl>
+                                          </p:spTgt>
+                                        </p:tgtEl>
+                                      </p:cBhvr>
+                                    </p:animEffect>
+                                  </p:childTnLst>
+                                </p:cTn>
+                              </p:par>
+                            </p:childTnLst>
+                          </p:cTn>
+                        </p:par>
+                      </p:childTnLst>
+                    </p:cTn>
+                  </p:par>
+                  <p:par>
+                    <p:cTn id="58" fill="hold">
+                      <p:stCondLst>
+                        <p:cond delay="indefinite"/>
+                      </p:stCondLst>
+                      <p:childTnLst>
+                        <p:par>
+                          <p:cTn id="59" fill="hold">
+                            <p:stCondLst>
+                              <p:cond delay="0"/>
+                            </p:stCondLst>
+                            <p:childTnLst>
+                              <p:par>
+                                <p:cTn id="60" presetID="10" presetClass="entr" presetSubtype="0" fill="hold" nodeType="clickEffect">
+                                  <p:stCondLst>
+                                    <p:cond delay="0"/>
+                                  </p:stCondLst>
+                                  <p:childTnLst>
+                                    <p:set>
+                                      <p:cBhvr>
+                                        <p:cTn id="61" dur="1" fill="hold">
+                                          <p:stCondLst>
+                                            <p:cond delay="0"/>
+                                          </p:stCondLst>
+                                        </p:cTn>
+                                        <p:tgtEl>
+                                          <p:spTgt spid="184">
+                                            <p:txEl>
+                                              <p:pRg st="11" end="11"/>
+                                            </p:txEl>
+                                          </p:spTgt>
+                                        </p:tgtEl>
+                                        <p:attrNameLst>
+                                          <p:attrName>style.visibility</p:attrName>
+                                        </p:attrNameLst>
+                                      </p:cBhvr>
+                                      <p:to>
+                                        <p:strVal val="visible"/>
+                                      </p:to>
+                                    </p:set>
+                                    <p:animEffect transition="in" filter="fade">
+                                      <p:cBhvr>
+                                        <p:cTn id="62" dur="500"/>
+                                        <p:tgtEl>
+                                          <p:spTgt spid="184">
+                                            <p:txEl>
+                                              <p:pRg st="11" end="11"/>
+                                            </p:txEl>
+                                          </p:spTgt>
+                                        </p:tgtEl>
+                                      </p:cBhvr>
+                                    </p:animEffect>
+                                  </p:childTnLst>
+                                </p:cTn>
+                              </p:par>
+                            </p:childTnLst>
+                          </p:cTn>
+                        </p:par>
+                      </p:childTnLst>
+                    </p:cTn>
+                  </p:par>
+                  <p:par>
+                    <p:cTn id="63" fill="hold">
+                      <p:stCondLst>
+                        <p:cond delay="indefinite"/>
+                      </p:stCondLst>
+                      <p:childTnLst>
+                        <p:par>
+                          <p:cTn id="64" fill="hold">
+                            <p:stCondLst>
+                              <p:cond delay="0"/>
+                            </p:stCondLst>
+                            <p:childTnLst>
+                              <p:par>
+                                <p:cTn id="65" presetID="10" presetClass="entr" presetSubtype="0" fill="hold" nodeType="clickEffect">
+                                  <p:stCondLst>
+                                    <p:cond delay="0"/>
+                                  </p:stCondLst>
+                                  <p:childTnLst>
+                                    <p:set>
+                                      <p:cBhvr>
+                                        <p:cTn id="66" dur="1" fill="hold">
+                                          <p:stCondLst>
+                                            <p:cond delay="0"/>
+                                          </p:stCondLst>
+                                        </p:cTn>
+                                        <p:tgtEl>
+                                          <p:spTgt spid="184">
+                                            <p:txEl>
+                                              <p:pRg st="12" end="12"/>
+                                            </p:txEl>
+                                          </p:spTgt>
+                                        </p:tgtEl>
+                                        <p:attrNameLst>
+                                          <p:attrName>style.visibility</p:attrName>
+                                        </p:attrNameLst>
+                                      </p:cBhvr>
+                                      <p:to>
+                                        <p:strVal val="visible"/>
+                                      </p:to>
+                                    </p:set>
+                                    <p:animEffect transition="in" filter="fade">
+                                      <p:cBhvr>
+                                        <p:cTn id="67" dur="500"/>
+                                        <p:tgtEl>
+                                          <p:spTgt spid="184">
+                                            <p:txEl>
+                                              <p:pRg st="12" end="12"/>
+                                            </p:txEl>
+                                          </p:spTgt>
+                                        </p:tgtEl>
+                                      </p:cBhvr>
+                                    </p:animEffect>
+                                  </p:childTnLst>
+                                </p:cTn>
+                              </p:par>
+                            </p:childTnLst>
+                          </p:cTn>
+                        </p:par>
+                      </p:childTnLst>
+                    </p:cTn>
+                  </p:par>
+                </p:childTnLst>
+              </p:cTn>
+              <p:prevCondLst>
+                <p:cond evt="onPrev" delay="0">
+                  <p:tgtEl>
+                    <p:sldTgt/>
+                  </p:tgtEl>
+                </p:cond>
+              </p:prevCondLst>
+              <p:nextCondLst>
+                <p:cond evt="onNext" delay="0">
+                  <p:tgtEl>
+                    <p:sldTgt/>
+                  </p:tgtEl>
+                </p:cond>
+              </p:nextCondLst>
+            </p:seq>
+          </p:childTnLst>
+        </p:cTn>
+      </p:par>
+    </p:tnLst>
+  </p:timing>
+</p:sld>
+</file>
+
+<file path=ppt/slides/slide44.xml><?xml version="1.0" encoding="utf-8"?>
+<p:sld xmlns:a="http://schemas.openxmlformats.org/drawingml/2006/main" xmlns:r="http://schemas.openxmlformats.org/officeDocument/2006/relationships" xmlns:p="http://schemas.openxmlformats.org/presentationml/2006/main">
+  <p:cSld>
+    <p:spTree>
+      <p:nvGrpSpPr>
+        <p:cNvPr id="1" name=""/>
+        <p:cNvGrpSpPr/>
+        <p:nvPr/>
+      </p:nvGrpSpPr>
+      <p:grpSpPr>
+        <a:xfrm>
+          <a:off x="0" y="0"/>
+          <a:ext cx="0" cy="0"/>
+          <a:chOff x="0" y="0"/>
+          <a:chExt cx="0" cy="0"/>
+        </a:xfrm>
+      </p:grpSpPr>
+      <p:sp>
+        <p:nvSpPr>
+          <p:cNvPr id="183" name="TextShape 1"/>
+          <p:cNvSpPr txBox="1"/>
+          <p:nvPr/>
+        </p:nvSpPr>
+        <p:spPr>
+          <a:xfrm>
+            <a:off x="0" y="339480"/>
+            <a:ext cx="6857640" cy="579600"/>
+          </a:xfrm>
+          <a:prstGeom prst="rect">
+            <a:avLst/>
+          </a:prstGeom>
+          <a:noFill/>
+          <a:ln>
+            <a:noFill/>
+          </a:ln>
+        </p:spPr>
+        <p:txBody>
+          <a:bodyPr anchor="ctr"/>
+          <a:lstStyle/>
+          <a:p>
+            <a:pPr algn="ctr">
+              <a:lnSpc>
+                <a:spcPct val="100000"/>
+              </a:lnSpc>
+            </a:pPr>
+            <a:r>
+              <a:rPr lang="pt-BR" sz="3300" b="0" strike="noStrike" spc="-1" dirty="0">
+                <a:solidFill>
+                  <a:srgbClr val="000000"/>
+                </a:solidFill>
+                <a:latin typeface="Arial"/>
+              </a:rPr>
+              <a:t>Exercícios - </a:t>
+            </a:r>
+            <a:r>
+              <a:rPr lang="pt-BR" sz="3300" b="1" strike="noStrike" spc="-1" dirty="0">
+                <a:solidFill>
+                  <a:srgbClr val="FF0000"/>
+                </a:solidFill>
+                <a:latin typeface="Arial"/>
+              </a:rPr>
+              <a:t>Resolvidos</a:t>
+            </a:r>
+          </a:p>
+        </p:txBody>
+      </p:sp>
+      <p:sp>
+        <p:nvSpPr>
+          <p:cNvPr id="184" name="TextShape 2"/>
+          <p:cNvSpPr txBox="1"/>
+          <p:nvPr/>
+        </p:nvSpPr>
+        <p:spPr>
+          <a:xfrm>
+            <a:off x="0" y="991440"/>
+            <a:ext cx="6857640" cy="4152060"/>
+          </a:xfrm>
+          <a:prstGeom prst="rect">
+            <a:avLst/>
+          </a:prstGeom>
+          <a:noFill/>
+          <a:ln>
+            <a:noFill/>
+          </a:ln>
+        </p:spPr>
+        <p:txBody>
+          <a:bodyPr anchor="ctr"/>
+          <a:lstStyle/>
+          <a:p>
+            <a:pPr marL="457200" indent="-456840">
+              <a:lnSpc>
+                <a:spcPct val="100000"/>
+              </a:lnSpc>
+              <a:spcBef>
+                <a:spcPts val="439"/>
+              </a:spcBef>
+              <a:buClr>
+                <a:srgbClr val="000000"/>
+              </a:buClr>
+              <a:buFont typeface="Arial"/>
+              <a:buAutoNum type="arabicPeriod" startAt="7"/>
+            </a:pPr>
+            <a:r>
+              <a:rPr lang="pt-BR" sz="2200" spc="-1" dirty="0">
+                <a:solidFill>
+                  <a:srgbClr val="000000"/>
+                </a:solidFill>
+              </a:rPr>
+              <a:t>Exibir o maior preço das categorias.</a:t>
+            </a:r>
+          </a:p>
+          <a:p>
+            <a:pPr marL="457560" lvl="1">
+              <a:spcBef>
+                <a:spcPts val="439"/>
+              </a:spcBef>
+              <a:buClr>
+                <a:srgbClr val="000000"/>
+              </a:buClr>
+            </a:pPr>
+            <a:r>
+              <a:rPr lang="en-US" sz="2200" b="1" spc="-1" dirty="0">
+                <a:solidFill>
+                  <a:srgbClr val="0000FF"/>
+                </a:solidFill>
+                <a:latin typeface="Courier New" panose="02070309020205020404" pitchFamily="49" charset="0"/>
+                <a:cs typeface="Courier New" panose="02070309020205020404" pitchFamily="49" charset="0"/>
+              </a:rPr>
+              <a:t>select </a:t>
+            </a:r>
+            <a:r>
+              <a:rPr lang="en-US" sz="2200" b="1" spc="-1" dirty="0" err="1">
+                <a:solidFill>
+                  <a:srgbClr val="0000FF"/>
+                </a:solidFill>
+                <a:latin typeface="Courier New" panose="02070309020205020404" pitchFamily="49" charset="0"/>
+                <a:cs typeface="Courier New" panose="02070309020205020404" pitchFamily="49" charset="0"/>
+              </a:rPr>
+              <a:t>cat_codigo,max</a:t>
+            </a:r>
+            <a:r>
+              <a:rPr lang="en-US" sz="2200" b="1" spc="-1" dirty="0">
+                <a:solidFill>
+                  <a:srgbClr val="0000FF"/>
+                </a:solidFill>
+                <a:latin typeface="Courier New" panose="02070309020205020404" pitchFamily="49" charset="0"/>
+                <a:cs typeface="Courier New" panose="02070309020205020404" pitchFamily="49" charset="0"/>
+              </a:rPr>
+              <a:t>(</a:t>
+            </a:r>
+            <a:r>
+              <a:rPr lang="en-US" sz="2200" b="1" spc="-1" dirty="0" err="1">
+                <a:solidFill>
+                  <a:srgbClr val="0000FF"/>
+                </a:solidFill>
+                <a:latin typeface="Courier New" panose="02070309020205020404" pitchFamily="49" charset="0"/>
+                <a:cs typeface="Courier New" panose="02070309020205020404" pitchFamily="49" charset="0"/>
+              </a:rPr>
+              <a:t>pro_venda</a:t>
+            </a:r>
+            <a:r>
+              <a:rPr lang="en-US" sz="2200" b="1" spc="-1" dirty="0">
+                <a:solidFill>
+                  <a:srgbClr val="0000FF"/>
+                </a:solidFill>
+                <a:latin typeface="Courier New" panose="02070309020205020404" pitchFamily="49" charset="0"/>
+                <a:cs typeface="Courier New" panose="02070309020205020404" pitchFamily="49" charset="0"/>
+              </a:rPr>
+              <a:t>) from </a:t>
+            </a:r>
+            <a:r>
+              <a:rPr lang="en-US" sz="2200" b="1" spc="-1" dirty="0" err="1">
+                <a:solidFill>
+                  <a:srgbClr val="0000FF"/>
+                </a:solidFill>
+                <a:latin typeface="Courier New" panose="02070309020205020404" pitchFamily="49" charset="0"/>
+                <a:cs typeface="Courier New" panose="02070309020205020404" pitchFamily="49" charset="0"/>
+              </a:rPr>
+              <a:t>produto</a:t>
+            </a:r>
+            <a:r>
+              <a:rPr lang="en-US" sz="2200" b="1" spc="-1" dirty="0">
+                <a:solidFill>
+                  <a:srgbClr val="0000FF"/>
+                </a:solidFill>
+                <a:latin typeface="Courier New" panose="02070309020205020404" pitchFamily="49" charset="0"/>
+                <a:cs typeface="Courier New" panose="02070309020205020404" pitchFamily="49" charset="0"/>
+              </a:rPr>
+              <a:t> group by </a:t>
+            </a:r>
+            <a:r>
+              <a:rPr lang="en-US" sz="2200" b="1" spc="-1" dirty="0" err="1">
+                <a:solidFill>
+                  <a:srgbClr val="0000FF"/>
+                </a:solidFill>
+                <a:latin typeface="Courier New" panose="02070309020205020404" pitchFamily="49" charset="0"/>
+                <a:cs typeface="Courier New" panose="02070309020205020404" pitchFamily="49" charset="0"/>
+              </a:rPr>
+              <a:t>cat_codigo</a:t>
+            </a:r>
+            <a:r>
+              <a:rPr lang="en-US" sz="2200" b="1" spc="-1" dirty="0">
+                <a:solidFill>
+                  <a:srgbClr val="0000FF"/>
+                </a:solidFill>
+                <a:latin typeface="Courier New" panose="02070309020205020404" pitchFamily="49" charset="0"/>
+                <a:cs typeface="Courier New" panose="02070309020205020404" pitchFamily="49" charset="0"/>
+              </a:rPr>
+              <a:t>;</a:t>
+            </a:r>
+            <a:endParaRPr lang="pt-BR" sz="2200" spc="-1" dirty="0">
+              <a:solidFill>
+                <a:srgbClr val="000000"/>
+              </a:solidFill>
+            </a:endParaRPr>
+          </a:p>
+          <a:p>
+            <a:pPr marL="457200" indent="-456840">
+              <a:lnSpc>
+                <a:spcPct val="100000"/>
+              </a:lnSpc>
+              <a:spcBef>
+                <a:spcPts val="439"/>
+              </a:spcBef>
+              <a:buClr>
+                <a:srgbClr val="000000"/>
+              </a:buClr>
+              <a:buFont typeface="Arial"/>
+              <a:buAutoNum type="arabicPeriod" startAt="7"/>
+            </a:pPr>
+            <a:r>
+              <a:rPr lang="pt-BR" sz="2200" spc="-1" dirty="0">
+                <a:solidFill>
+                  <a:srgbClr val="000000"/>
+                </a:solidFill>
+              </a:rPr>
+              <a:t>Exibir o preço médio agrupado por categoria.</a:t>
+            </a:r>
+          </a:p>
+          <a:p>
+            <a:pPr marL="457560" lvl="1">
+              <a:spcBef>
+                <a:spcPts val="439"/>
+              </a:spcBef>
+              <a:buClr>
+                <a:srgbClr val="000000"/>
+              </a:buClr>
+            </a:pPr>
+            <a:r>
+              <a:rPr lang="en-US" sz="2200" b="1" spc="-1" dirty="0">
+                <a:solidFill>
+                  <a:srgbClr val="0000FF"/>
+                </a:solidFill>
+                <a:latin typeface="Courier New" panose="02070309020205020404" pitchFamily="49" charset="0"/>
+                <a:cs typeface="Courier New" panose="02070309020205020404" pitchFamily="49" charset="0"/>
+              </a:rPr>
+              <a:t>select </a:t>
+            </a:r>
+            <a:r>
+              <a:rPr lang="en-US" sz="2200" b="1" spc="-1" dirty="0" err="1">
+                <a:solidFill>
+                  <a:srgbClr val="0000FF"/>
+                </a:solidFill>
+                <a:latin typeface="Courier New" panose="02070309020205020404" pitchFamily="49" charset="0"/>
+                <a:cs typeface="Courier New" panose="02070309020205020404" pitchFamily="49" charset="0"/>
+              </a:rPr>
+              <a:t>cat_codigo</a:t>
+            </a:r>
+            <a:r>
+              <a:rPr lang="en-US" sz="2200" b="1" spc="-1" dirty="0">
+                <a:solidFill>
+                  <a:srgbClr val="0000FF"/>
+                </a:solidFill>
+                <a:latin typeface="Courier New" panose="02070309020205020404" pitchFamily="49" charset="0"/>
+                <a:cs typeface="Courier New" panose="02070309020205020404" pitchFamily="49" charset="0"/>
+              </a:rPr>
+              <a:t>, avg(</a:t>
+            </a:r>
+            <a:r>
+              <a:rPr lang="en-US" sz="2200" b="1" spc="-1" dirty="0" err="1">
+                <a:solidFill>
+                  <a:srgbClr val="0000FF"/>
+                </a:solidFill>
+                <a:latin typeface="Courier New" panose="02070309020205020404" pitchFamily="49" charset="0"/>
+                <a:cs typeface="Courier New" panose="02070309020205020404" pitchFamily="49" charset="0"/>
+              </a:rPr>
+              <a:t>pro_venda</a:t>
+            </a:r>
+            <a:r>
+              <a:rPr lang="en-US" sz="2200" b="1" spc="-1" dirty="0">
+                <a:solidFill>
+                  <a:srgbClr val="0000FF"/>
+                </a:solidFill>
+                <a:latin typeface="Courier New" panose="02070309020205020404" pitchFamily="49" charset="0"/>
+                <a:cs typeface="Courier New" panose="02070309020205020404" pitchFamily="49" charset="0"/>
+              </a:rPr>
+              <a:t>) from </a:t>
+            </a:r>
+            <a:r>
+              <a:rPr lang="en-US" sz="2200" b="1" spc="-1" dirty="0" err="1">
+                <a:solidFill>
+                  <a:srgbClr val="0000FF"/>
+                </a:solidFill>
+                <a:latin typeface="Courier New" panose="02070309020205020404" pitchFamily="49" charset="0"/>
+                <a:cs typeface="Courier New" panose="02070309020205020404" pitchFamily="49" charset="0"/>
+              </a:rPr>
+              <a:t>produto</a:t>
+            </a:r>
+            <a:r>
+              <a:rPr lang="en-US" sz="2200" b="1" spc="-1" dirty="0">
+                <a:solidFill>
+                  <a:srgbClr val="0000FF"/>
+                </a:solidFill>
+                <a:latin typeface="Courier New" panose="02070309020205020404" pitchFamily="49" charset="0"/>
+                <a:cs typeface="Courier New" panose="02070309020205020404" pitchFamily="49" charset="0"/>
+              </a:rPr>
+              <a:t> group by </a:t>
+            </a:r>
+            <a:r>
+              <a:rPr lang="en-US" sz="2200" b="1" spc="-1" dirty="0" err="1">
+                <a:solidFill>
+                  <a:srgbClr val="0000FF"/>
+                </a:solidFill>
+                <a:latin typeface="Courier New" panose="02070309020205020404" pitchFamily="49" charset="0"/>
+                <a:cs typeface="Courier New" panose="02070309020205020404" pitchFamily="49" charset="0"/>
+              </a:rPr>
+              <a:t>cat_codigo</a:t>
+            </a:r>
+            <a:r>
+              <a:rPr lang="en-US" sz="2200" b="1" spc="-1" dirty="0">
+                <a:solidFill>
+                  <a:srgbClr val="0000FF"/>
+                </a:solidFill>
+                <a:latin typeface="Courier New" panose="02070309020205020404" pitchFamily="49" charset="0"/>
+                <a:cs typeface="Courier New" panose="02070309020205020404" pitchFamily="49" charset="0"/>
+              </a:rPr>
+              <a:t>;</a:t>
+            </a:r>
+            <a:endParaRPr lang="pt-BR" sz="2200" b="1" spc="-1" dirty="0">
+              <a:solidFill>
+                <a:srgbClr val="0000FF"/>
+              </a:solidFill>
+              <a:latin typeface="Courier New" panose="02070309020205020404" pitchFamily="49" charset="0"/>
+              <a:cs typeface="Courier New" panose="02070309020205020404" pitchFamily="49" charset="0"/>
+            </a:endParaRPr>
+          </a:p>
+          <a:p>
+            <a:pPr marL="457200" indent="-456840">
+              <a:lnSpc>
+                <a:spcPct val="100000"/>
+              </a:lnSpc>
+              <a:spcBef>
+                <a:spcPts val="439"/>
+              </a:spcBef>
+              <a:buClr>
+                <a:srgbClr val="000000"/>
+              </a:buClr>
+              <a:buFont typeface="Arial"/>
+              <a:buAutoNum type="arabicPeriod" startAt="7"/>
+            </a:pPr>
+            <a:endParaRPr lang="pt-BR" sz="2200" spc="-1" dirty="0">
+              <a:solidFill>
+                <a:srgbClr val="000000"/>
+              </a:solidFill>
+            </a:endParaRPr>
+          </a:p>
+        </p:txBody>
+      </p:sp>
+    </p:spTree>
+    <p:extLst>
+      <p:ext uri="{BB962C8B-B14F-4D97-AF65-F5344CB8AC3E}">
+        <p14:creationId xmlns:p14="http://schemas.microsoft.com/office/powerpoint/2010/main" val="2319826093"/>
+      </p:ext>
+    </p:extLst>
+  </p:cSld>
+  <p:clrMapOvr>
+    <a:masterClrMapping/>
+  </p:clrMapOvr>
+  <p:timing>
+    <p:tnLst>
+      <p:par>
+        <p:cTn id="1" dur="indefinite" restart="never" nodeType="tmRoot">
+          <p:childTnLst>
+            <p:seq concurrent="1" nextAc="seek">
+              <p:cTn id="2" dur="indefinite" nodeType="mainSeq">
+                <p:childTnLst>
+                  <p:par>
+                    <p:cTn id="3" fill="hold">
+                      <p:stCondLst>
+                        <p:cond delay="indefinite"/>
+                      </p:stCondLst>
+                      <p:childTnLst>
+                        <p:par>
+                          <p:cTn id="4" fill="hold">
+                            <p:stCondLst>
+                              <p:cond delay="0"/>
+                            </p:stCondLst>
+                            <p:childTnLst>
+                              <p:par>
+                                <p:cTn id="5" presetID="10" presetClass="entr" presetSubtype="0" fill="hold" nodeType="clickEffect">
+                                  <p:stCondLst>
+                                    <p:cond delay="0"/>
+                                  </p:stCondLst>
+                                  <p:childTnLst>
+                                    <p:set>
+                                      <p:cBhvr>
+                                        <p:cTn id="6" dur="1" fill="hold">
+                                          <p:stCondLst>
+                                            <p:cond delay="0"/>
+                                          </p:stCondLst>
+                                        </p:cTn>
+                                        <p:tgtEl>
+                                          <p:spTgt spid="184">
+                                            <p:txEl>
+                                              <p:pRg st="0" end="0"/>
+                                            </p:txEl>
+                                          </p:spTgt>
+                                        </p:tgtEl>
+                                        <p:attrNameLst>
+                                          <p:attrName>style.visibility</p:attrName>
+                                        </p:attrNameLst>
+                                      </p:cBhvr>
+                                      <p:to>
+                                        <p:strVal val="visible"/>
+                                      </p:to>
+                                    </p:set>
+                                    <p:animEffect transition="in" filter="fade">
+                                      <p:cBhvr>
+                                        <p:cTn id="7" dur="500"/>
+                                        <p:tgtEl>
+                                          <p:spTgt spid="184">
+                                            <p:txEl>
+                                              <p:pRg st="0" end="0"/>
+                                            </p:txEl>
+                                          </p:spTgt>
+                                        </p:tgtEl>
+                                      </p:cBhvr>
+                                    </p:animEffect>
+                                  </p:childTnLst>
+                                </p:cTn>
+                              </p:par>
+                            </p:childTnLst>
+                          </p:cTn>
+                        </p:par>
+                      </p:childTnLst>
+                    </p:cTn>
+                  </p:par>
+                  <p:par>
+                    <p:cTn id="8" fill="hold">
+                      <p:stCondLst>
+                        <p:cond delay="indefinite"/>
+                      </p:stCondLst>
+                      <p:childTnLst>
+                        <p:par>
+                          <p:cTn id="9" fill="hold">
+                            <p:stCondLst>
+                              <p:cond delay="0"/>
+                            </p:stCondLst>
+                            <p:childTnLst>
+                              <p:par>
+                                <p:cTn id="10" presetID="10" presetClass="entr" presetSubtype="0" fill="hold" nodeType="clickEffect">
+                                  <p:stCondLst>
+                                    <p:cond delay="0"/>
+                                  </p:stCondLst>
+                                  <p:childTnLst>
+                                    <p:set>
+                                      <p:cBhvr>
+                                        <p:cTn id="11" dur="1" fill="hold">
+                                          <p:stCondLst>
+                                            <p:cond delay="0"/>
+                                          </p:stCondLst>
+                                        </p:cTn>
+                                        <p:tgtEl>
+                                          <p:spTgt spid="184">
+                                            <p:txEl>
+                                              <p:pRg st="1" end="1"/>
+                                            </p:txEl>
+                                          </p:spTgt>
+                                        </p:tgtEl>
+                                        <p:attrNameLst>
+                                          <p:attrName>style.visibility</p:attrName>
+                                        </p:attrNameLst>
+                                      </p:cBhvr>
+                                      <p:to>
+                                        <p:strVal val="visible"/>
+                                      </p:to>
+                                    </p:set>
+                                    <p:animEffect transition="in" filter="fade">
+                                      <p:cBhvr>
+                                        <p:cTn id="12" dur="500"/>
+                                        <p:tgtEl>
+                                          <p:spTgt spid="184">
+                                            <p:txEl>
+                                              <p:pRg st="1" end="1"/>
+                                            </p:txEl>
+                                          </p:spTgt>
+                                        </p:tgtEl>
+                                      </p:cBhvr>
+                                    </p:animEffect>
+                                  </p:childTnLst>
+                                </p:cTn>
+                              </p:par>
+                            </p:childTnLst>
+                          </p:cTn>
+                        </p:par>
+                      </p:childTnLst>
+                    </p:cTn>
+                  </p:par>
+                  <p:par>
+                    <p:cTn id="13" fill="hold">
+                      <p:stCondLst>
+                        <p:cond delay="indefinite"/>
+                      </p:stCondLst>
+                      <p:childTnLst>
+                        <p:par>
+                          <p:cTn id="14" fill="hold">
+                            <p:stCondLst>
+                              <p:cond delay="0"/>
+                            </p:stCondLst>
+                            <p:childTnLst>
+                              <p:par>
+                                <p:cTn id="15" presetID="10" presetClass="entr" presetSubtype="0" fill="hold" nodeType="clickEffect">
+                                  <p:stCondLst>
+                                    <p:cond delay="0"/>
+                                  </p:stCondLst>
+                                  <p:childTnLst>
+                                    <p:set>
+                                      <p:cBhvr>
+                                        <p:cTn id="16" dur="1" fill="hold">
+                                          <p:stCondLst>
+                                            <p:cond delay="0"/>
+                                          </p:stCondLst>
+                                        </p:cTn>
+                                        <p:tgtEl>
+                                          <p:spTgt spid="184">
+                                            <p:txEl>
+                                              <p:pRg st="2" end="2"/>
+                                            </p:txEl>
+                                          </p:spTgt>
+                                        </p:tgtEl>
+                                        <p:attrNameLst>
+                                          <p:attrName>style.visibility</p:attrName>
+                                        </p:attrNameLst>
+                                      </p:cBhvr>
+                                      <p:to>
+                                        <p:strVal val="visible"/>
+                                      </p:to>
+                                    </p:set>
+                                    <p:animEffect transition="in" filter="fade">
+                                      <p:cBhvr>
+                                        <p:cTn id="17" dur="500"/>
+                                        <p:tgtEl>
+                                          <p:spTgt spid="184">
+                                            <p:txEl>
+                                              <p:pRg st="2" end="2"/>
+                                            </p:txEl>
+                                          </p:spTgt>
+                                        </p:tgtEl>
+                                      </p:cBhvr>
+                                    </p:animEffect>
+                                  </p:childTnLst>
+                                </p:cTn>
+                              </p:par>
+                            </p:childTnLst>
+                          </p:cTn>
+                        </p:par>
+                      </p:childTnLst>
+                    </p:cTn>
+                  </p:par>
+                  <p:par>
+                    <p:cTn id="18" fill="hold">
+                      <p:stCondLst>
+                        <p:cond delay="indefinite"/>
+                      </p:stCondLst>
+                      <p:childTnLst>
+                        <p:par>
+                          <p:cTn id="19" fill="hold">
+                            <p:stCondLst>
+                              <p:cond delay="0"/>
+                            </p:stCondLst>
+                            <p:childTnLst>
+                              <p:par>
+                                <p:cTn id="20" presetID="10" presetClass="entr" presetSubtype="0" fill="hold" nodeType="clickEffect">
+                                  <p:stCondLst>
+                                    <p:cond delay="0"/>
+                                  </p:stCondLst>
+                                  <p:childTnLst>
+                                    <p:set>
+                                      <p:cBhvr>
+                                        <p:cTn id="21" dur="1" fill="hold">
+                                          <p:stCondLst>
+                                            <p:cond delay="0"/>
+                                          </p:stCondLst>
+                                        </p:cTn>
+                                        <p:tgtEl>
+                                          <p:spTgt spid="184">
+                                            <p:txEl>
+                                              <p:pRg st="3" end="3"/>
+                                            </p:txEl>
+                                          </p:spTgt>
+                                        </p:tgtEl>
+                                        <p:attrNameLst>
+                                          <p:attrName>style.visibility</p:attrName>
+                                        </p:attrNameLst>
+                                      </p:cBhvr>
+                                      <p:to>
+                                        <p:strVal val="visible"/>
+                                      </p:to>
+                                    </p:set>
+                                    <p:animEffect transition="in" filter="fade">
+                                      <p:cBhvr>
+                                        <p:cTn id="22" dur="500"/>
+                                        <p:tgtEl>
+                                          <p:spTgt spid="184">
+                                            <p:txEl>
+                                              <p:pRg st="3" end="3"/>
+                                            </p:txEl>
+                                          </p:spTgt>
+                                        </p:tgtEl>
+                                      </p:cBhvr>
+                                    </p:animEffect>
+                                  </p:childTnLst>
+                                </p:cTn>
+                              </p:par>
+                            </p:childTnLst>
+                          </p:cTn>
+                        </p:par>
+                      </p:childTnLst>
+                    </p:cTn>
+                  </p:par>
+                </p:childTnLst>
+              </p:cTn>
+              <p:prevCondLst>
+                <p:cond evt="onPrev" delay="0">
+                  <p:tgtEl>
+                    <p:sldTgt/>
+                  </p:tgtEl>
+                </p:cond>
+              </p:prevCondLst>
+              <p:nextCondLst>
+                <p:cond evt="onNext" delay="0">
+                  <p:tgtEl>
+                    <p:sldTgt/>
+                  </p:tgtEl>
+                </p:cond>
+              </p:nextCondLst>
+            </p:seq>
+          </p:childTnLst>
+        </p:cTn>
+      </p:par>
+    </p:tnLst>
+  </p:timing>
+</p:sld>
+</file>
+
+<file path=ppt/slides/slide45.xml><?xml version="1.0" encoding="utf-8"?>
+<p:sld xmlns:a="http://schemas.openxmlformats.org/drawingml/2006/main" xmlns:r="http://schemas.openxmlformats.org/officeDocument/2006/relationships" xmlns:p="http://schemas.openxmlformats.org/presentationml/2006/main">
+  <p:cSld>
+    <p:spTree>
+      <p:nvGrpSpPr>
+        <p:cNvPr id="1" name=""/>
+        <p:cNvGrpSpPr/>
+        <p:nvPr/>
+      </p:nvGrpSpPr>
+      <p:grpSpPr>
+        <a:xfrm>
+          <a:off x="0" y="0"/>
+          <a:ext cx="0" cy="0"/>
+          <a:chOff x="0" y="0"/>
+          <a:chExt cx="0" cy="0"/>
+        </a:xfrm>
+      </p:grpSpPr>
+      <p:sp>
+        <p:nvSpPr>
+          <p:cNvPr id="183" name="TextShape 1"/>
+          <p:cNvSpPr txBox="1"/>
+          <p:nvPr/>
+        </p:nvSpPr>
+        <p:spPr>
+          <a:xfrm>
+            <a:off x="0" y="339480"/>
+            <a:ext cx="6857640" cy="579600"/>
+          </a:xfrm>
+          <a:prstGeom prst="rect">
+            <a:avLst/>
+          </a:prstGeom>
+          <a:noFill/>
+          <a:ln>
+            <a:noFill/>
+          </a:ln>
+        </p:spPr>
+        <p:txBody>
+          <a:bodyPr anchor="ctr"/>
+          <a:lstStyle/>
+          <a:p>
+            <a:pPr algn="ctr">
+              <a:lnSpc>
+                <a:spcPct val="100000"/>
+              </a:lnSpc>
+            </a:pPr>
+            <a:r>
+              <a:rPr lang="pt-BR" sz="3300" b="0" strike="noStrike" spc="-1" dirty="0">
+                <a:solidFill>
+                  <a:srgbClr val="000000"/>
+                </a:solidFill>
+                <a:latin typeface="Arial"/>
+              </a:rPr>
+              <a:t>Exercícios - </a:t>
+            </a:r>
+            <a:r>
+              <a:rPr lang="pt-BR" sz="3300" b="1" strike="noStrike" spc="-1" dirty="0">
+                <a:solidFill>
+                  <a:srgbClr val="FF0000"/>
+                </a:solidFill>
+                <a:latin typeface="Arial"/>
+              </a:rPr>
+              <a:t>Resolvidos</a:t>
+            </a:r>
+          </a:p>
+        </p:txBody>
+      </p:sp>
+      <p:sp>
+        <p:nvSpPr>
+          <p:cNvPr id="184" name="TextShape 2"/>
+          <p:cNvSpPr txBox="1"/>
+          <p:nvPr/>
+        </p:nvSpPr>
+        <p:spPr>
+          <a:xfrm>
+            <a:off x="0" y="991440"/>
+            <a:ext cx="6857640" cy="4152060"/>
+          </a:xfrm>
+          <a:prstGeom prst="rect">
+            <a:avLst/>
+          </a:prstGeom>
+          <a:noFill/>
+          <a:ln>
+            <a:noFill/>
+          </a:ln>
+        </p:spPr>
+        <p:txBody>
+          <a:bodyPr anchor="ctr"/>
+          <a:lstStyle/>
+          <a:p>
+            <a:pPr marL="457560" indent="-457200">
+              <a:lnSpc>
+                <a:spcPct val="100000"/>
+              </a:lnSpc>
+              <a:spcBef>
+                <a:spcPts val="439"/>
+              </a:spcBef>
+              <a:buClr>
+                <a:srgbClr val="000000"/>
+              </a:buClr>
+              <a:buFont typeface="+mj-lt"/>
+              <a:buAutoNum type="arabicPeriod" startAt="9"/>
+            </a:pPr>
+            <a:r>
+              <a:rPr lang="pt-BR" sz="2200" spc="-1" dirty="0">
+                <a:solidFill>
+                  <a:srgbClr val="000000"/>
+                </a:solidFill>
+              </a:rPr>
+              <a:t>Exibir a descrição da categoria, a quantidade, o maior preço, o menor preço e o preço médio das categorias.</a:t>
+            </a:r>
+          </a:p>
+          <a:p>
+            <a:pPr marL="265113">
+              <a:lnSpc>
+                <a:spcPct val="100000"/>
+              </a:lnSpc>
+              <a:spcBef>
+                <a:spcPts val="439"/>
+              </a:spcBef>
+              <a:buClr>
+                <a:srgbClr val="000000"/>
+              </a:buClr>
+            </a:pPr>
+            <a:r>
+              <a:rPr lang="pt-BR" sz="1600" b="1" spc="-1" dirty="0" err="1">
+                <a:solidFill>
+                  <a:srgbClr val="0000FF"/>
+                </a:solidFill>
+                <a:latin typeface="Courier New" panose="02070309020205020404" pitchFamily="49" charset="0"/>
+                <a:cs typeface="Courier New" panose="02070309020205020404" pitchFamily="49" charset="0"/>
+              </a:rPr>
+              <a:t>select</a:t>
+            </a:r>
+            <a:r>
+              <a:rPr lang="pt-BR" sz="1600" b="1" spc="-1" dirty="0">
+                <a:solidFill>
+                  <a:srgbClr val="0000FF"/>
+                </a:solidFill>
+                <a:latin typeface="Courier New" panose="02070309020205020404" pitchFamily="49" charset="0"/>
+                <a:cs typeface="Courier New" panose="02070309020205020404" pitchFamily="49" charset="0"/>
+              </a:rPr>
+              <a:t> </a:t>
+            </a:r>
+            <a:r>
+              <a:rPr lang="pt-BR" sz="1600" b="1" spc="-1" dirty="0" err="1">
+                <a:solidFill>
+                  <a:srgbClr val="0000FF"/>
+                </a:solidFill>
+                <a:latin typeface="Courier New" panose="02070309020205020404" pitchFamily="49" charset="0"/>
+                <a:cs typeface="Courier New" panose="02070309020205020404" pitchFamily="49" charset="0"/>
+              </a:rPr>
+              <a:t>cat_descricao</a:t>
+            </a:r>
+            <a:r>
+              <a:rPr lang="pt-BR" sz="1600" b="1" spc="-1" dirty="0">
+                <a:solidFill>
+                  <a:srgbClr val="0000FF"/>
+                </a:solidFill>
+                <a:latin typeface="Courier New" panose="02070309020205020404" pitchFamily="49" charset="0"/>
+                <a:cs typeface="Courier New" panose="02070309020205020404" pitchFamily="49" charset="0"/>
+              </a:rPr>
+              <a:t>, </a:t>
+            </a:r>
+            <a:r>
+              <a:rPr lang="pt-BR" sz="1600" b="1" spc="-1" dirty="0" err="1">
+                <a:solidFill>
+                  <a:srgbClr val="0000FF"/>
+                </a:solidFill>
+                <a:latin typeface="Courier New" panose="02070309020205020404" pitchFamily="49" charset="0"/>
+                <a:cs typeface="Courier New" panose="02070309020205020404" pitchFamily="49" charset="0"/>
+              </a:rPr>
+              <a:t>count</a:t>
+            </a:r>
+            <a:r>
+              <a:rPr lang="pt-BR" sz="1600" b="1" spc="-1" dirty="0">
+                <a:solidFill>
+                  <a:srgbClr val="0000FF"/>
+                </a:solidFill>
+                <a:latin typeface="Courier New" panose="02070309020205020404" pitchFamily="49" charset="0"/>
+                <a:cs typeface="Courier New" panose="02070309020205020404" pitchFamily="49" charset="0"/>
+              </a:rPr>
+              <a:t>(*), </a:t>
+            </a:r>
+            <a:r>
+              <a:rPr lang="pt-BR" sz="1600" b="1" spc="-1" dirty="0" err="1">
+                <a:solidFill>
+                  <a:srgbClr val="0000FF"/>
+                </a:solidFill>
+                <a:latin typeface="Courier New" panose="02070309020205020404" pitchFamily="49" charset="0"/>
+                <a:cs typeface="Courier New" panose="02070309020205020404" pitchFamily="49" charset="0"/>
+              </a:rPr>
+              <a:t>max</a:t>
+            </a:r>
+            <a:r>
+              <a:rPr lang="pt-BR" sz="1600" b="1" spc="-1" dirty="0">
+                <a:solidFill>
+                  <a:srgbClr val="0000FF"/>
+                </a:solidFill>
+                <a:latin typeface="Courier New" panose="02070309020205020404" pitchFamily="49" charset="0"/>
+                <a:cs typeface="Courier New" panose="02070309020205020404" pitchFamily="49" charset="0"/>
+              </a:rPr>
+              <a:t>(</a:t>
+            </a:r>
+            <a:r>
+              <a:rPr lang="pt-BR" sz="1600" b="1" spc="-1" dirty="0" err="1">
+                <a:solidFill>
+                  <a:srgbClr val="0000FF"/>
+                </a:solidFill>
+                <a:latin typeface="Courier New" panose="02070309020205020404" pitchFamily="49" charset="0"/>
+                <a:cs typeface="Courier New" panose="02070309020205020404" pitchFamily="49" charset="0"/>
+              </a:rPr>
+              <a:t>pro_venda</a:t>
+            </a:r>
+            <a:r>
+              <a:rPr lang="pt-BR" sz="1600" b="1" spc="-1" dirty="0">
+                <a:solidFill>
+                  <a:srgbClr val="0000FF"/>
+                </a:solidFill>
+                <a:latin typeface="Courier New" panose="02070309020205020404" pitchFamily="49" charset="0"/>
+                <a:cs typeface="Courier New" panose="02070309020205020404" pitchFamily="49" charset="0"/>
+              </a:rPr>
+              <a:t>), min(</a:t>
+            </a:r>
+            <a:r>
+              <a:rPr lang="pt-BR" sz="1600" b="1" spc="-1" dirty="0" err="1">
+                <a:solidFill>
+                  <a:srgbClr val="0000FF"/>
+                </a:solidFill>
+                <a:latin typeface="Courier New" panose="02070309020205020404" pitchFamily="49" charset="0"/>
+                <a:cs typeface="Courier New" panose="02070309020205020404" pitchFamily="49" charset="0"/>
+              </a:rPr>
+              <a:t>pro_venda</a:t>
+            </a:r>
+            <a:r>
+              <a:rPr lang="pt-BR" sz="1600" b="1" spc="-1" dirty="0">
+                <a:solidFill>
+                  <a:srgbClr val="0000FF"/>
+                </a:solidFill>
+                <a:latin typeface="Courier New" panose="02070309020205020404" pitchFamily="49" charset="0"/>
+                <a:cs typeface="Courier New" panose="02070309020205020404" pitchFamily="49" charset="0"/>
+              </a:rPr>
+              <a:t>), </a:t>
+            </a:r>
+            <a:r>
+              <a:rPr lang="pt-BR" sz="1600" b="1" spc="-1" dirty="0" err="1">
+                <a:solidFill>
+                  <a:srgbClr val="0000FF"/>
+                </a:solidFill>
+                <a:latin typeface="Courier New" panose="02070309020205020404" pitchFamily="49" charset="0"/>
+                <a:cs typeface="Courier New" panose="02070309020205020404" pitchFamily="49" charset="0"/>
+              </a:rPr>
+              <a:t>avg</a:t>
+            </a:r>
+            <a:r>
+              <a:rPr lang="pt-BR" sz="1600" b="1" spc="-1" dirty="0">
+                <a:solidFill>
+                  <a:srgbClr val="0000FF"/>
+                </a:solidFill>
+                <a:latin typeface="Courier New" panose="02070309020205020404" pitchFamily="49" charset="0"/>
+                <a:cs typeface="Courier New" panose="02070309020205020404" pitchFamily="49" charset="0"/>
+              </a:rPr>
+              <a:t>(</a:t>
+            </a:r>
+            <a:r>
+              <a:rPr lang="pt-BR" sz="1600" b="1" spc="-1" dirty="0" err="1">
+                <a:solidFill>
+                  <a:srgbClr val="0000FF"/>
+                </a:solidFill>
+                <a:latin typeface="Courier New" panose="02070309020205020404" pitchFamily="49" charset="0"/>
+                <a:cs typeface="Courier New" panose="02070309020205020404" pitchFamily="49" charset="0"/>
+              </a:rPr>
+              <a:t>pro_venda</a:t>
+            </a:r>
+            <a:r>
+              <a:rPr lang="pt-BR" sz="1600" b="1" spc="-1" dirty="0">
+                <a:solidFill>
+                  <a:srgbClr val="0000FF"/>
+                </a:solidFill>
+                <a:latin typeface="Courier New" panose="02070309020205020404" pitchFamily="49" charset="0"/>
+                <a:cs typeface="Courier New" panose="02070309020205020404" pitchFamily="49" charset="0"/>
+              </a:rPr>
+              <a:t>) </a:t>
+            </a:r>
+            <a:r>
+              <a:rPr lang="pt-BR" sz="1600" b="1" spc="-1" dirty="0" err="1">
+                <a:solidFill>
+                  <a:srgbClr val="0000FF"/>
+                </a:solidFill>
+                <a:latin typeface="Courier New" panose="02070309020205020404" pitchFamily="49" charset="0"/>
+                <a:cs typeface="Courier New" panose="02070309020205020404" pitchFamily="49" charset="0"/>
+              </a:rPr>
+              <a:t>from</a:t>
+            </a:r>
+            <a:r>
+              <a:rPr lang="pt-BR" sz="1600" b="1" spc="-1" dirty="0">
+                <a:solidFill>
+                  <a:srgbClr val="0000FF"/>
+                </a:solidFill>
+                <a:latin typeface="Courier New" panose="02070309020205020404" pitchFamily="49" charset="0"/>
+                <a:cs typeface="Courier New" panose="02070309020205020404" pitchFamily="49" charset="0"/>
+              </a:rPr>
+              <a:t> produto, categoria </a:t>
+            </a:r>
+            <a:r>
+              <a:rPr lang="pt-BR" sz="1600" b="1" spc="-1" dirty="0" err="1">
+                <a:solidFill>
+                  <a:srgbClr val="0000FF"/>
+                </a:solidFill>
+                <a:latin typeface="Courier New" panose="02070309020205020404" pitchFamily="49" charset="0"/>
+                <a:cs typeface="Courier New" panose="02070309020205020404" pitchFamily="49" charset="0"/>
+              </a:rPr>
+              <a:t>where</a:t>
+            </a:r>
+            <a:r>
+              <a:rPr lang="pt-BR" sz="1600" b="1" spc="-1" dirty="0">
+                <a:solidFill>
+                  <a:srgbClr val="0000FF"/>
+                </a:solidFill>
+                <a:latin typeface="Courier New" panose="02070309020205020404" pitchFamily="49" charset="0"/>
+                <a:cs typeface="Courier New" panose="02070309020205020404" pitchFamily="49" charset="0"/>
+              </a:rPr>
+              <a:t> </a:t>
+            </a:r>
+            <a:r>
+              <a:rPr lang="pt-BR" sz="1600" b="1" u="sng" spc="-1" dirty="0" err="1">
+                <a:solidFill>
+                  <a:srgbClr val="0000FF"/>
+                </a:solidFill>
+                <a:latin typeface="Courier New" panose="02070309020205020404" pitchFamily="49" charset="0"/>
+                <a:cs typeface="Courier New" panose="02070309020205020404" pitchFamily="49" charset="0"/>
+              </a:rPr>
+              <a:t>produto</a:t>
+            </a:r>
+            <a:r>
+              <a:rPr lang="pt-BR" sz="1600" b="1" spc="-1" dirty="0" err="1">
+                <a:solidFill>
+                  <a:srgbClr val="0000FF"/>
+                </a:solidFill>
+                <a:latin typeface="Courier New" panose="02070309020205020404" pitchFamily="49" charset="0"/>
+                <a:cs typeface="Courier New" panose="02070309020205020404" pitchFamily="49" charset="0"/>
+              </a:rPr>
+              <a:t>.cat_codigo</a:t>
+            </a:r>
+            <a:r>
+              <a:rPr lang="pt-BR" sz="1600" b="1" spc="-1" dirty="0">
+                <a:solidFill>
+                  <a:srgbClr val="0000FF"/>
+                </a:solidFill>
+                <a:latin typeface="Courier New" panose="02070309020205020404" pitchFamily="49" charset="0"/>
+                <a:cs typeface="Courier New" panose="02070309020205020404" pitchFamily="49" charset="0"/>
+              </a:rPr>
+              <a:t> = </a:t>
+            </a:r>
+            <a:r>
+              <a:rPr lang="pt-BR" sz="1600" b="1" u="sng" spc="-1" dirty="0" err="1">
+                <a:solidFill>
+                  <a:srgbClr val="0000FF"/>
+                </a:solidFill>
+                <a:latin typeface="Courier New" panose="02070309020205020404" pitchFamily="49" charset="0"/>
+                <a:cs typeface="Courier New" panose="02070309020205020404" pitchFamily="49" charset="0"/>
+              </a:rPr>
+              <a:t>categoria</a:t>
+            </a:r>
+            <a:r>
+              <a:rPr lang="pt-BR" sz="1600" b="1" spc="-1" dirty="0" err="1">
+                <a:solidFill>
+                  <a:srgbClr val="0000FF"/>
+                </a:solidFill>
+                <a:latin typeface="Courier New" panose="02070309020205020404" pitchFamily="49" charset="0"/>
+                <a:cs typeface="Courier New" panose="02070309020205020404" pitchFamily="49" charset="0"/>
+              </a:rPr>
+              <a:t>.cat_código</a:t>
+            </a:r>
+            <a:r>
+              <a:rPr lang="pt-BR" sz="1600" b="1" spc="-1" dirty="0">
+                <a:solidFill>
+                  <a:srgbClr val="0000FF"/>
+                </a:solidFill>
+                <a:latin typeface="Courier New" panose="02070309020205020404" pitchFamily="49" charset="0"/>
+                <a:cs typeface="Courier New" panose="02070309020205020404" pitchFamily="49" charset="0"/>
+              </a:rPr>
+              <a:t> </a:t>
+            </a:r>
+            <a:r>
+              <a:rPr lang="pt-BR" sz="1600" b="1" spc="-1" dirty="0" err="1">
+                <a:solidFill>
+                  <a:srgbClr val="0000FF"/>
+                </a:solidFill>
+                <a:latin typeface="Courier New" panose="02070309020205020404" pitchFamily="49" charset="0"/>
+                <a:cs typeface="Courier New" panose="02070309020205020404" pitchFamily="49" charset="0"/>
+              </a:rPr>
+              <a:t>group</a:t>
+            </a:r>
+            <a:r>
+              <a:rPr lang="pt-BR" sz="1600" b="1" spc="-1" dirty="0">
+                <a:solidFill>
+                  <a:srgbClr val="0000FF"/>
+                </a:solidFill>
+                <a:latin typeface="Courier New" panose="02070309020205020404" pitchFamily="49" charset="0"/>
+                <a:cs typeface="Courier New" panose="02070309020205020404" pitchFamily="49" charset="0"/>
+              </a:rPr>
+              <a:t> </a:t>
+            </a:r>
+            <a:r>
+              <a:rPr lang="pt-BR" sz="1600" b="1" spc="-1" dirty="0" err="1">
+                <a:solidFill>
+                  <a:srgbClr val="0000FF"/>
+                </a:solidFill>
+                <a:latin typeface="Courier New" panose="02070309020205020404" pitchFamily="49" charset="0"/>
+                <a:cs typeface="Courier New" panose="02070309020205020404" pitchFamily="49" charset="0"/>
+              </a:rPr>
+              <a:t>by</a:t>
+            </a:r>
+            <a:r>
+              <a:rPr lang="pt-BR" sz="1600" b="1" spc="-1" dirty="0">
+                <a:solidFill>
+                  <a:srgbClr val="0000FF"/>
+                </a:solidFill>
+                <a:latin typeface="Courier New" panose="02070309020205020404" pitchFamily="49" charset="0"/>
+                <a:cs typeface="Courier New" panose="02070309020205020404" pitchFamily="49" charset="0"/>
+              </a:rPr>
+              <a:t> </a:t>
+            </a:r>
+            <a:r>
+              <a:rPr lang="pt-BR" sz="1600" b="1" spc="-1" dirty="0" err="1">
+                <a:solidFill>
+                  <a:srgbClr val="0000FF"/>
+                </a:solidFill>
+                <a:latin typeface="Courier New" panose="02070309020205020404" pitchFamily="49" charset="0"/>
+                <a:cs typeface="Courier New" panose="02070309020205020404" pitchFamily="49" charset="0"/>
+              </a:rPr>
+              <a:t>categoria.cat_codigo</a:t>
+            </a:r>
+            <a:r>
+              <a:rPr lang="pt-BR" sz="1600" b="1" spc="-1" dirty="0">
+                <a:solidFill>
+                  <a:srgbClr val="0000FF"/>
+                </a:solidFill>
+                <a:latin typeface="Courier New" panose="02070309020205020404" pitchFamily="49" charset="0"/>
+                <a:cs typeface="Courier New" panose="02070309020205020404" pitchFamily="49" charset="0"/>
+              </a:rPr>
+              <a:t>;</a:t>
+            </a:r>
+          </a:p>
+          <a:p>
+            <a:pPr marL="457560" indent="-457200">
+              <a:lnSpc>
+                <a:spcPct val="100000"/>
+              </a:lnSpc>
+              <a:spcBef>
+                <a:spcPts val="439"/>
+              </a:spcBef>
+              <a:buClr>
+                <a:srgbClr val="000000"/>
+              </a:buClr>
+              <a:buFont typeface="+mj-lt"/>
+              <a:buAutoNum type="arabicPeriod" startAt="10"/>
+            </a:pPr>
+            <a:r>
+              <a:rPr lang="pt-BR" sz="2000" spc="-1" dirty="0">
+                <a:solidFill>
+                  <a:srgbClr val="000000"/>
+                </a:solidFill>
+              </a:rPr>
+              <a:t>Exibir o lucro de cada produto.</a:t>
+            </a:r>
+          </a:p>
+          <a:p>
+            <a:pPr marL="360">
+              <a:lnSpc>
+                <a:spcPct val="100000"/>
+              </a:lnSpc>
+              <a:spcBef>
+                <a:spcPts val="439"/>
+              </a:spcBef>
+              <a:buClr>
+                <a:srgbClr val="000000"/>
+              </a:buClr>
+            </a:pPr>
+            <a:r>
+              <a:rPr lang="pt-BR" sz="2000" b="1" spc="-1" dirty="0" err="1">
+                <a:solidFill>
+                  <a:srgbClr val="0000FF"/>
+                </a:solidFill>
+                <a:latin typeface="Courier New" panose="02070309020205020404" pitchFamily="49" charset="0"/>
+                <a:cs typeface="Courier New" panose="02070309020205020404" pitchFamily="49" charset="0"/>
+              </a:rPr>
+              <a:t>select</a:t>
+            </a:r>
+            <a:r>
+              <a:rPr lang="pt-BR" sz="2000" b="1" spc="-1" dirty="0">
+                <a:solidFill>
+                  <a:srgbClr val="0000FF"/>
+                </a:solidFill>
+                <a:latin typeface="Courier New" panose="02070309020205020404" pitchFamily="49" charset="0"/>
+                <a:cs typeface="Courier New" panose="02070309020205020404" pitchFamily="49" charset="0"/>
+              </a:rPr>
+              <a:t> </a:t>
+            </a:r>
+            <a:r>
+              <a:rPr lang="pt-BR" sz="2000" b="1" spc="-1" dirty="0" err="1">
+                <a:solidFill>
+                  <a:srgbClr val="0000FF"/>
+                </a:solidFill>
+                <a:latin typeface="Courier New" panose="02070309020205020404" pitchFamily="49" charset="0"/>
+                <a:cs typeface="Courier New" panose="02070309020205020404" pitchFamily="49" charset="0"/>
+              </a:rPr>
+              <a:t>pro_descricao</a:t>
+            </a:r>
+            <a:r>
+              <a:rPr lang="pt-BR" sz="2000" b="1" spc="-1" dirty="0">
+                <a:solidFill>
+                  <a:srgbClr val="0000FF"/>
+                </a:solidFill>
+                <a:latin typeface="Courier New" panose="02070309020205020404" pitchFamily="49" charset="0"/>
+                <a:cs typeface="Courier New" panose="02070309020205020404" pitchFamily="49" charset="0"/>
+              </a:rPr>
+              <a:t>, </a:t>
+            </a:r>
+            <a:r>
+              <a:rPr lang="pt-BR" sz="2000" b="1" spc="-1" dirty="0" err="1">
+                <a:solidFill>
+                  <a:srgbClr val="0000FF"/>
+                </a:solidFill>
+                <a:latin typeface="Courier New" panose="02070309020205020404" pitchFamily="49" charset="0"/>
+                <a:cs typeface="Courier New" panose="02070309020205020404" pitchFamily="49" charset="0"/>
+              </a:rPr>
+              <a:t>pro_venda</a:t>
+            </a:r>
+            <a:r>
+              <a:rPr lang="pt-BR" sz="2000" b="1" spc="-1" dirty="0">
+                <a:solidFill>
+                  <a:srgbClr val="0000FF"/>
+                </a:solidFill>
+                <a:latin typeface="Courier New" panose="02070309020205020404" pitchFamily="49" charset="0"/>
+                <a:cs typeface="Courier New" panose="02070309020205020404" pitchFamily="49" charset="0"/>
+              </a:rPr>
+              <a:t> - </a:t>
+            </a:r>
+            <a:r>
+              <a:rPr lang="pt-BR" sz="2000" b="1" spc="-1" dirty="0" err="1">
+                <a:solidFill>
+                  <a:srgbClr val="0000FF"/>
+                </a:solidFill>
+                <a:latin typeface="Courier New" panose="02070309020205020404" pitchFamily="49" charset="0"/>
+                <a:cs typeface="Courier New" panose="02070309020205020404" pitchFamily="49" charset="0"/>
+              </a:rPr>
+              <a:t>pro_custo</a:t>
+            </a:r>
+            <a:r>
+              <a:rPr lang="pt-BR" sz="2000" b="1" spc="-1" dirty="0">
+                <a:solidFill>
+                  <a:srgbClr val="0000FF"/>
+                </a:solidFill>
+                <a:latin typeface="Courier New" panose="02070309020205020404" pitchFamily="49" charset="0"/>
+                <a:cs typeface="Courier New" panose="02070309020205020404" pitchFamily="49" charset="0"/>
+              </a:rPr>
+              <a:t> </a:t>
+            </a:r>
+            <a:r>
+              <a:rPr lang="pt-BR" sz="2000" b="1" spc="-1" dirty="0" err="1">
+                <a:solidFill>
+                  <a:srgbClr val="0000FF"/>
+                </a:solidFill>
+                <a:latin typeface="Courier New" panose="02070309020205020404" pitchFamily="49" charset="0"/>
+                <a:cs typeface="Courier New" panose="02070309020205020404" pitchFamily="49" charset="0"/>
+              </a:rPr>
+              <a:t>from</a:t>
+            </a:r>
+            <a:r>
+              <a:rPr lang="pt-BR" sz="2000" b="1" spc="-1" dirty="0">
+                <a:solidFill>
+                  <a:srgbClr val="0000FF"/>
+                </a:solidFill>
+                <a:latin typeface="Courier New" panose="02070309020205020404" pitchFamily="49" charset="0"/>
+                <a:cs typeface="Courier New" panose="02070309020205020404" pitchFamily="49" charset="0"/>
+              </a:rPr>
+              <a:t> produto;</a:t>
+            </a:r>
+            <a:endParaRPr lang="pt-BR" sz="2200" spc="-1" dirty="0">
+              <a:solidFill>
+                <a:srgbClr val="000000"/>
+              </a:solidFill>
+            </a:endParaRPr>
+          </a:p>
+        </p:txBody>
+      </p:sp>
+    </p:spTree>
+    <p:extLst>
+      <p:ext uri="{BB962C8B-B14F-4D97-AF65-F5344CB8AC3E}">
+        <p14:creationId xmlns:p14="http://schemas.microsoft.com/office/powerpoint/2010/main" val="4081053871"/>
+      </p:ext>
+    </p:extLst>
+  </p:cSld>
+  <p:clrMapOvr>
+    <a:masterClrMapping/>
+  </p:clrMapOvr>
+  <p:timing>
+    <p:tnLst>
+      <p:par>
+        <p:cTn id="1" dur="indefinite" restart="never" nodeType="tmRoot">
+          <p:childTnLst>
+            <p:seq concurrent="1" nextAc="seek">
+              <p:cTn id="2" dur="indefinite" nodeType="mainSeq">
+                <p:childTnLst>
+                  <p:par>
+                    <p:cTn id="3" fill="hold">
+                      <p:stCondLst>
+                        <p:cond delay="indefinite"/>
+                      </p:stCondLst>
+                      <p:childTnLst>
+                        <p:par>
+                          <p:cTn id="4" fill="hold">
+                            <p:stCondLst>
+                              <p:cond delay="0"/>
+                            </p:stCondLst>
+                            <p:childTnLst>
+                              <p:par>
+                                <p:cTn id="5" presetID="10" presetClass="entr" presetSubtype="0" fill="hold" nodeType="clickEffect">
+                                  <p:stCondLst>
+                                    <p:cond delay="0"/>
+                                  </p:stCondLst>
+                                  <p:childTnLst>
+                                    <p:set>
+                                      <p:cBhvr>
+                                        <p:cTn id="6" dur="1" fill="hold">
+                                          <p:stCondLst>
+                                            <p:cond delay="0"/>
+                                          </p:stCondLst>
+                                        </p:cTn>
+                                        <p:tgtEl>
+                                          <p:spTgt spid="184">
+                                            <p:txEl>
+                                              <p:pRg st="0" end="0"/>
+                                            </p:txEl>
+                                          </p:spTgt>
+                                        </p:tgtEl>
+                                        <p:attrNameLst>
+                                          <p:attrName>style.visibility</p:attrName>
+                                        </p:attrNameLst>
+                                      </p:cBhvr>
+                                      <p:to>
+                                        <p:strVal val="visible"/>
+                                      </p:to>
+                                    </p:set>
+                                    <p:animEffect transition="in" filter="fade">
+                                      <p:cBhvr>
+                                        <p:cTn id="7" dur="500"/>
+                                        <p:tgtEl>
+                                          <p:spTgt spid="184">
+                                            <p:txEl>
+                                              <p:pRg st="0" end="0"/>
+                                            </p:txEl>
+                                          </p:spTgt>
+                                        </p:tgtEl>
+                                      </p:cBhvr>
+                                    </p:animEffect>
+                                  </p:childTnLst>
+                                </p:cTn>
+                              </p:par>
+                            </p:childTnLst>
+                          </p:cTn>
+                        </p:par>
+                      </p:childTnLst>
+                    </p:cTn>
+                  </p:par>
+                  <p:par>
+                    <p:cTn id="8" fill="hold">
+                      <p:stCondLst>
+                        <p:cond delay="indefinite"/>
+                      </p:stCondLst>
+                      <p:childTnLst>
+                        <p:par>
+                          <p:cTn id="9" fill="hold">
+                            <p:stCondLst>
+                              <p:cond delay="0"/>
+                            </p:stCondLst>
+                            <p:childTnLst>
+                              <p:par>
+                                <p:cTn id="10" presetID="10" presetClass="entr" presetSubtype="0" fill="hold" nodeType="clickEffect">
+                                  <p:stCondLst>
+                                    <p:cond delay="0"/>
+                                  </p:stCondLst>
+                                  <p:childTnLst>
+                                    <p:set>
+                                      <p:cBhvr>
+                                        <p:cTn id="11" dur="1" fill="hold">
+                                          <p:stCondLst>
+                                            <p:cond delay="0"/>
+                                          </p:stCondLst>
+                                        </p:cTn>
+                                        <p:tgtEl>
+                                          <p:spTgt spid="184">
+                                            <p:txEl>
+                                              <p:pRg st="1" end="1"/>
+                                            </p:txEl>
+                                          </p:spTgt>
+                                        </p:tgtEl>
+                                        <p:attrNameLst>
+                                          <p:attrName>style.visibility</p:attrName>
+                                        </p:attrNameLst>
+                                      </p:cBhvr>
+                                      <p:to>
+                                        <p:strVal val="visible"/>
+                                      </p:to>
+                                    </p:set>
+                                    <p:animEffect transition="in" filter="fade">
+                                      <p:cBhvr>
+                                        <p:cTn id="12" dur="500"/>
+                                        <p:tgtEl>
+                                          <p:spTgt spid="184">
+                                            <p:txEl>
+                                              <p:pRg st="1" end="1"/>
+                                            </p:txEl>
+                                          </p:spTgt>
+                                        </p:tgtEl>
+                                      </p:cBhvr>
+                                    </p:animEffect>
+                                  </p:childTnLst>
+                                </p:cTn>
+                              </p:par>
+                            </p:childTnLst>
+                          </p:cTn>
+                        </p:par>
+                      </p:childTnLst>
+                    </p:cTn>
+                  </p:par>
+                  <p:par>
+                    <p:cTn id="13" fill="hold">
+                      <p:stCondLst>
+                        <p:cond delay="indefinite"/>
+                      </p:stCondLst>
+                      <p:childTnLst>
+                        <p:par>
+                          <p:cTn id="14" fill="hold">
+                            <p:stCondLst>
+                              <p:cond delay="0"/>
+                            </p:stCondLst>
+                            <p:childTnLst>
+                              <p:par>
+                                <p:cTn id="15" presetID="10" presetClass="entr" presetSubtype="0" fill="hold" nodeType="clickEffect">
+                                  <p:stCondLst>
+                                    <p:cond delay="0"/>
+                                  </p:stCondLst>
+                                  <p:childTnLst>
+                                    <p:set>
+                                      <p:cBhvr>
+                                        <p:cTn id="16" dur="1" fill="hold">
+                                          <p:stCondLst>
+                                            <p:cond delay="0"/>
+                                          </p:stCondLst>
+                                        </p:cTn>
+                                        <p:tgtEl>
+                                          <p:spTgt spid="184">
+                                            <p:txEl>
+                                              <p:pRg st="2" end="2"/>
+                                            </p:txEl>
+                                          </p:spTgt>
+                                        </p:tgtEl>
+                                        <p:attrNameLst>
+                                          <p:attrName>style.visibility</p:attrName>
+                                        </p:attrNameLst>
+                                      </p:cBhvr>
+                                      <p:to>
+                                        <p:strVal val="visible"/>
+                                      </p:to>
+                                    </p:set>
+                                    <p:animEffect transition="in" filter="fade">
+                                      <p:cBhvr>
+                                        <p:cTn id="17" dur="500"/>
+                                        <p:tgtEl>
+                                          <p:spTgt spid="184">
+                                            <p:txEl>
+                                              <p:pRg st="2" end="2"/>
+                                            </p:txEl>
+                                          </p:spTgt>
+                                        </p:tgtEl>
+                                      </p:cBhvr>
+                                    </p:animEffect>
+                                  </p:childTnLst>
+                                </p:cTn>
+                              </p:par>
+                            </p:childTnLst>
+                          </p:cTn>
+                        </p:par>
+                      </p:childTnLst>
+                    </p:cTn>
+                  </p:par>
+                  <p:par>
+                    <p:cTn id="18" fill="hold">
+                      <p:stCondLst>
+                        <p:cond delay="indefinite"/>
+                      </p:stCondLst>
+                      <p:childTnLst>
+                        <p:par>
+                          <p:cTn id="19" fill="hold">
+                            <p:stCondLst>
+                              <p:cond delay="0"/>
+                            </p:stCondLst>
+                            <p:childTnLst>
+                              <p:par>
+                                <p:cTn id="20" presetID="10" presetClass="entr" presetSubtype="0" fill="hold" nodeType="clickEffect">
+                                  <p:stCondLst>
+                                    <p:cond delay="0"/>
+                                  </p:stCondLst>
+                                  <p:childTnLst>
+                                    <p:set>
+                                      <p:cBhvr>
+                                        <p:cTn id="21" dur="1" fill="hold">
+                                          <p:stCondLst>
+                                            <p:cond delay="0"/>
+                                          </p:stCondLst>
+                                        </p:cTn>
+                                        <p:tgtEl>
+                                          <p:spTgt spid="184">
+                                            <p:txEl>
+                                              <p:pRg st="3" end="3"/>
+                                            </p:txEl>
+                                          </p:spTgt>
+                                        </p:tgtEl>
+                                        <p:attrNameLst>
+                                          <p:attrName>style.visibility</p:attrName>
+                                        </p:attrNameLst>
+                                      </p:cBhvr>
+                                      <p:to>
+                                        <p:strVal val="visible"/>
+                                      </p:to>
+                                    </p:set>
+                                    <p:animEffect transition="in" filter="fade">
+                                      <p:cBhvr>
+                                        <p:cTn id="22" dur="500"/>
+                                        <p:tgtEl>
+                                          <p:spTgt spid="184">
+                                            <p:txEl>
+                                              <p:pRg st="3" end="3"/>
+                                            </p:txEl>
+                                          </p:spTgt>
+                                        </p:tgtEl>
+                                      </p:cBhvr>
+                                    </p:animEffect>
+                                  </p:childTnLst>
+                                </p:cTn>
+                              </p:par>
+                            </p:childTnLst>
+                          </p:cTn>
+                        </p:par>
+                      </p:childTnLst>
+                    </p:cTn>
+                  </p:par>
+                </p:childTnLst>
+              </p:cTn>
+              <p:prevCondLst>
+                <p:cond evt="onPrev" delay="0">
+                  <p:tgtEl>
+                    <p:sldTgt/>
+                  </p:tgtEl>
+                </p:cond>
+              </p:prevCondLst>
+              <p:nextCondLst>
+                <p:cond evt="onNext" delay="0">
+                  <p:tgtEl>
+                    <p:sldTgt/>
+                  </p:tgtEl>
+                </p:cond>
+              </p:nextCondLst>
+            </p:seq>
+          </p:childTnLst>
+        </p:cTn>
+      </p:par>
+    </p:tnLst>
+  </p:timing>
+</p:sld>
+</file>
+
+<file path=ppt/slides/slide46.xml><?xml version="1.0" encoding="utf-8"?>
+<p:sld xmlns:a="http://schemas.openxmlformats.org/drawingml/2006/main" xmlns:r="http://schemas.openxmlformats.org/officeDocument/2006/relationships" xmlns:p="http://schemas.openxmlformats.org/presentationml/2006/main">
+  <p:cSld>
+    <p:spTree>
+      <p:nvGrpSpPr>
+        <p:cNvPr id="1" name=""/>
+        <p:cNvGrpSpPr/>
+        <p:nvPr/>
+      </p:nvGrpSpPr>
+      <p:grpSpPr>
+        <a:xfrm>
+          <a:off x="0" y="0"/>
+          <a:ext cx="0" cy="0"/>
+          <a:chOff x="0" y="0"/>
+          <a:chExt cx="0" cy="0"/>
+        </a:xfrm>
+      </p:grpSpPr>
+      <p:sp>
+        <p:nvSpPr>
+          <p:cNvPr id="183" name="TextShape 1"/>
+          <p:cNvSpPr txBox="1"/>
+          <p:nvPr/>
+        </p:nvSpPr>
+        <p:spPr>
+          <a:xfrm>
+            <a:off x="0" y="339480"/>
+            <a:ext cx="6857640" cy="579600"/>
+          </a:xfrm>
+          <a:prstGeom prst="rect">
+            <a:avLst/>
+          </a:prstGeom>
+          <a:noFill/>
+          <a:ln>
+            <a:noFill/>
+          </a:ln>
+        </p:spPr>
+        <p:txBody>
+          <a:bodyPr anchor="ctr"/>
+          <a:lstStyle/>
+          <a:p>
+            <a:pPr algn="ctr">
+              <a:lnSpc>
+                <a:spcPct val="100000"/>
+              </a:lnSpc>
+            </a:pPr>
+            <a:r>
+              <a:rPr lang="pt-BR" sz="3300" b="0" strike="noStrike" spc="-1" dirty="0">
+                <a:solidFill>
+                  <a:srgbClr val="000000"/>
+                </a:solidFill>
+                <a:latin typeface="Arial"/>
+              </a:rPr>
+              <a:t>Exercícios - </a:t>
+            </a:r>
+            <a:r>
+              <a:rPr lang="pt-BR" sz="3300" b="1" strike="noStrike" spc="-1" dirty="0">
+                <a:solidFill>
+                  <a:srgbClr val="FF0000"/>
+                </a:solidFill>
+                <a:latin typeface="Arial"/>
+              </a:rPr>
+              <a:t>Resolvidos</a:t>
+            </a:r>
+          </a:p>
+        </p:txBody>
+      </p:sp>
+      <p:sp>
+        <p:nvSpPr>
+          <p:cNvPr id="184" name="TextShape 2"/>
+          <p:cNvSpPr txBox="1"/>
+          <p:nvPr/>
+        </p:nvSpPr>
+        <p:spPr>
+          <a:xfrm>
+            <a:off x="0" y="991440"/>
+            <a:ext cx="6857640" cy="4152060"/>
+          </a:xfrm>
+          <a:prstGeom prst="rect">
+            <a:avLst/>
+          </a:prstGeom>
+          <a:noFill/>
+          <a:ln>
+            <a:noFill/>
+          </a:ln>
+        </p:spPr>
+        <p:txBody>
+          <a:bodyPr anchor="ctr"/>
+          <a:lstStyle/>
+          <a:p>
+            <a:pPr marL="457560" indent="-457200">
+              <a:lnSpc>
+                <a:spcPct val="100000"/>
+              </a:lnSpc>
+              <a:spcBef>
+                <a:spcPts val="439"/>
+              </a:spcBef>
+              <a:buClr>
+                <a:srgbClr val="000000"/>
+              </a:buClr>
+              <a:buFont typeface="+mj-lt"/>
+              <a:buAutoNum type="arabicPeriod" startAt="11"/>
+            </a:pPr>
+            <a:r>
+              <a:rPr lang="pt-BR" sz="2000" spc="-1" dirty="0">
+                <a:solidFill>
+                  <a:srgbClr val="000000"/>
+                </a:solidFill>
+              </a:rPr>
+              <a:t>Exibir o lucro formatado. (</a:t>
+            </a:r>
+            <a:r>
+              <a:rPr lang="pt-BR" sz="2000" spc="-1" dirty="0" err="1">
+                <a:solidFill>
+                  <a:srgbClr val="000000"/>
+                </a:solidFill>
+              </a:rPr>
+              <a:t>Ex</a:t>
+            </a:r>
+            <a:r>
+              <a:rPr lang="pt-BR" sz="2000" spc="-1" dirty="0">
+                <a:solidFill>
+                  <a:srgbClr val="000000"/>
+                </a:solidFill>
+              </a:rPr>
+              <a:t>: 30,25%)</a:t>
+            </a:r>
+          </a:p>
+          <a:p>
+            <a:pPr marL="360">
+              <a:spcBef>
+                <a:spcPts val="439"/>
+              </a:spcBef>
+              <a:buClr>
+                <a:srgbClr val="000000"/>
+              </a:buClr>
+            </a:pPr>
+            <a:r>
+              <a:rPr lang="pt-BR" sz="2000" b="1" spc="-1" dirty="0" err="1">
+                <a:solidFill>
+                  <a:srgbClr val="0000FF"/>
+                </a:solidFill>
+                <a:latin typeface="Courier New" panose="02070309020205020404" pitchFamily="49" charset="0"/>
+                <a:cs typeface="Courier New" panose="02070309020205020404" pitchFamily="49" charset="0"/>
+              </a:rPr>
+              <a:t>select</a:t>
+            </a:r>
+            <a:r>
+              <a:rPr lang="pt-BR" sz="2000" b="1" spc="-1" dirty="0">
+                <a:solidFill>
+                  <a:srgbClr val="0000FF"/>
+                </a:solidFill>
+                <a:latin typeface="Courier New" panose="02070309020205020404" pitchFamily="49" charset="0"/>
+                <a:cs typeface="Courier New" panose="02070309020205020404" pitchFamily="49" charset="0"/>
+              </a:rPr>
+              <a:t> </a:t>
+            </a:r>
+            <a:r>
+              <a:rPr lang="pt-BR" sz="2000" b="1" spc="-1" dirty="0" err="1">
+                <a:solidFill>
+                  <a:srgbClr val="0000FF"/>
+                </a:solidFill>
+                <a:latin typeface="Courier New" panose="02070309020205020404" pitchFamily="49" charset="0"/>
+                <a:cs typeface="Courier New" panose="02070309020205020404" pitchFamily="49" charset="0"/>
+              </a:rPr>
+              <a:t>pro_descricao</a:t>
+            </a:r>
+            <a:r>
+              <a:rPr lang="pt-BR" sz="2000" b="1" spc="-1" dirty="0">
+                <a:solidFill>
+                  <a:srgbClr val="0000FF"/>
+                </a:solidFill>
+                <a:latin typeface="Courier New" panose="02070309020205020404" pitchFamily="49" charset="0"/>
+                <a:cs typeface="Courier New" panose="02070309020205020404" pitchFamily="49" charset="0"/>
+              </a:rPr>
+              <a:t>, </a:t>
+            </a:r>
+            <a:r>
+              <a:rPr lang="pt-BR" sz="2000" b="1" spc="-1" dirty="0" err="1">
+                <a:solidFill>
+                  <a:srgbClr val="0000FF"/>
+                </a:solidFill>
+                <a:latin typeface="Courier New" panose="02070309020205020404" pitchFamily="49" charset="0"/>
+                <a:cs typeface="Courier New" panose="02070309020205020404" pitchFamily="49" charset="0"/>
+              </a:rPr>
+              <a:t>concat</a:t>
+            </a:r>
+            <a:r>
+              <a:rPr lang="pt-BR" sz="2000" b="1" spc="-1" dirty="0">
+                <a:solidFill>
+                  <a:srgbClr val="0000FF"/>
+                </a:solidFill>
+                <a:latin typeface="Courier New" panose="02070309020205020404" pitchFamily="49" charset="0"/>
+                <a:cs typeface="Courier New" panose="02070309020205020404" pitchFamily="49" charset="0"/>
+              </a:rPr>
+              <a:t>(</a:t>
+            </a:r>
+            <a:r>
+              <a:rPr lang="pt-BR" sz="2000" b="1" spc="-1" dirty="0" err="1">
+                <a:solidFill>
+                  <a:srgbClr val="0000FF"/>
+                </a:solidFill>
+                <a:latin typeface="Courier New" panose="02070309020205020404" pitchFamily="49" charset="0"/>
+                <a:cs typeface="Courier New" panose="02070309020205020404" pitchFamily="49" charset="0"/>
+              </a:rPr>
+              <a:t>format</a:t>
+            </a:r>
+            <a:r>
+              <a:rPr lang="pt-BR" sz="2000" b="1" spc="-1" dirty="0">
+                <a:solidFill>
+                  <a:srgbClr val="0000FF"/>
+                </a:solidFill>
+                <a:latin typeface="Courier New" panose="02070309020205020404" pitchFamily="49" charset="0"/>
+                <a:cs typeface="Courier New" panose="02070309020205020404" pitchFamily="49" charset="0"/>
+              </a:rPr>
+              <a:t>( (</a:t>
+            </a:r>
+            <a:r>
+              <a:rPr lang="pt-BR" sz="2000" b="1" spc="-1" dirty="0" err="1">
+                <a:solidFill>
+                  <a:srgbClr val="0000FF"/>
+                </a:solidFill>
+                <a:latin typeface="Courier New" panose="02070309020205020404" pitchFamily="49" charset="0"/>
+                <a:cs typeface="Courier New" panose="02070309020205020404" pitchFamily="49" charset="0"/>
+              </a:rPr>
+              <a:t>pro_venda</a:t>
+            </a:r>
+            <a:r>
+              <a:rPr lang="pt-BR" sz="2000" b="1" spc="-1" dirty="0">
+                <a:solidFill>
+                  <a:srgbClr val="0000FF"/>
+                </a:solidFill>
+                <a:latin typeface="Courier New" panose="02070309020205020404" pitchFamily="49" charset="0"/>
+                <a:cs typeface="Courier New" panose="02070309020205020404" pitchFamily="49" charset="0"/>
+              </a:rPr>
+              <a:t> / pro_custo-1) * 100 ,2),' %') </a:t>
+            </a:r>
+            <a:r>
+              <a:rPr lang="pt-BR" sz="2000" b="1" spc="-1" dirty="0" err="1">
+                <a:solidFill>
+                  <a:srgbClr val="0000FF"/>
+                </a:solidFill>
+                <a:latin typeface="Courier New" panose="02070309020205020404" pitchFamily="49" charset="0"/>
+                <a:cs typeface="Courier New" panose="02070309020205020404" pitchFamily="49" charset="0"/>
+              </a:rPr>
+              <a:t>from</a:t>
+            </a:r>
+            <a:r>
+              <a:rPr lang="pt-BR" sz="2000" b="1" spc="-1" dirty="0">
+                <a:solidFill>
+                  <a:srgbClr val="0000FF"/>
+                </a:solidFill>
+                <a:latin typeface="Courier New" panose="02070309020205020404" pitchFamily="49" charset="0"/>
+                <a:cs typeface="Courier New" panose="02070309020205020404" pitchFamily="49" charset="0"/>
+              </a:rPr>
+              <a:t> produto;</a:t>
+            </a:r>
+            <a:endParaRPr lang="pt-BR" sz="2000" spc="-1" dirty="0">
+              <a:solidFill>
+                <a:srgbClr val="000000"/>
+              </a:solidFill>
+            </a:endParaRPr>
+          </a:p>
+          <a:p>
+            <a:pPr marL="360">
+              <a:spcBef>
+                <a:spcPts val="439"/>
+              </a:spcBef>
+              <a:buClr>
+                <a:srgbClr val="000000"/>
+              </a:buClr>
+            </a:pPr>
+            <a:r>
+              <a:rPr lang="pt-BR" sz="2000" spc="-1" dirty="0">
+                <a:solidFill>
+                  <a:srgbClr val="000000"/>
+                </a:solidFill>
+              </a:rPr>
+              <a:t>12. Mostrar a porcentagem média de lucro de cada categoria.</a:t>
+            </a:r>
+          </a:p>
+          <a:p>
+            <a:pPr marL="457200" indent="-456840">
+              <a:lnSpc>
+                <a:spcPct val="100000"/>
+              </a:lnSpc>
+              <a:spcBef>
+                <a:spcPts val="439"/>
+              </a:spcBef>
+              <a:buClr>
+                <a:srgbClr val="000000"/>
+              </a:buClr>
+              <a:buFont typeface="Arial"/>
+              <a:buAutoNum type="arabicPeriod" startAt="13"/>
+            </a:pPr>
+            <a:r>
+              <a:rPr lang="pt-BR" sz="2000" spc="-1" dirty="0">
+                <a:solidFill>
+                  <a:srgbClr val="000000"/>
+                </a:solidFill>
+              </a:rPr>
+              <a:t>Mostrar a maior porcentagem de lucro de cada categoria.</a:t>
+            </a:r>
+          </a:p>
+          <a:p>
+            <a:pPr marL="457200" indent="-456840">
+              <a:lnSpc>
+                <a:spcPct val="100000"/>
+              </a:lnSpc>
+              <a:spcBef>
+                <a:spcPts val="439"/>
+              </a:spcBef>
+              <a:buClr>
+                <a:srgbClr val="000000"/>
+              </a:buClr>
+              <a:buFont typeface="Arial"/>
+              <a:buAutoNum type="arabicPeriod" startAt="13"/>
+            </a:pPr>
+            <a:r>
+              <a:rPr lang="pt-BR" sz="2000" spc="-1" dirty="0">
+                <a:solidFill>
+                  <a:srgbClr val="000000"/>
+                </a:solidFill>
+              </a:rPr>
+              <a:t>Mostrar a menor porcentagem de lucro de cada categoria.</a:t>
+            </a:r>
+          </a:p>
+          <a:p>
+            <a:pPr marL="457200" indent="-456840">
+              <a:lnSpc>
+                <a:spcPct val="100000"/>
+              </a:lnSpc>
+              <a:spcBef>
+                <a:spcPts val="439"/>
+              </a:spcBef>
+              <a:buClr>
+                <a:srgbClr val="000000"/>
+              </a:buClr>
+              <a:buFont typeface="Arial"/>
+              <a:buAutoNum type="arabicPeriod" startAt="13"/>
+            </a:pPr>
+            <a:r>
+              <a:rPr lang="pt-BR" sz="2000" spc="-1" dirty="0">
+                <a:solidFill>
+                  <a:srgbClr val="000000"/>
+                </a:solidFill>
+              </a:rPr>
+              <a:t>Mostrar a quantidade de produtos com lucro superior a </a:t>
+            </a:r>
+            <a:r>
+              <a:rPr lang="pt-BR" sz="2000" spc="-1">
+                <a:solidFill>
+                  <a:srgbClr val="000000"/>
+                </a:solidFill>
+              </a:rPr>
+              <a:t>40%.</a:t>
+            </a:r>
+            <a:endParaRPr lang="pt-BR" sz="2000" spc="-1" dirty="0">
+              <a:solidFill>
+                <a:srgbClr val="000000"/>
+              </a:solidFill>
+            </a:endParaRPr>
+          </a:p>
+        </p:txBody>
+      </p:sp>
+    </p:spTree>
+    <p:extLst>
+      <p:ext uri="{BB962C8B-B14F-4D97-AF65-F5344CB8AC3E}">
+        <p14:creationId xmlns:p14="http://schemas.microsoft.com/office/powerpoint/2010/main" val="607922744"/>
+      </p:ext>
+    </p:extLst>
+  </p:cSld>
+  <p:clrMapOvr>
+    <a:masterClrMapping/>
+  </p:clrMapOvr>
+  <p:timing>
+    <p:tnLst>
+      <p:par>
+        <p:cTn id="1" dur="indefinite" restart="never" nodeType="tmRoot">
+          <p:childTnLst>
+            <p:seq concurrent="1" nextAc="seek">
+              <p:cTn id="2" dur="indefinite" nodeType="mainSeq">
+                <p:childTnLst>
+                  <p:par>
+                    <p:cTn id="3" fill="hold">
+                      <p:stCondLst>
+                        <p:cond delay="indefinite"/>
+                      </p:stCondLst>
+                      <p:childTnLst>
+                        <p:par>
+                          <p:cTn id="4" fill="hold">
+                            <p:stCondLst>
+                              <p:cond delay="0"/>
+                            </p:stCondLst>
+                            <p:childTnLst>
+                              <p:par>
+                                <p:cTn id="5" presetID="10" presetClass="entr" presetSubtype="0" fill="hold" nodeType="clickEffect">
+                                  <p:stCondLst>
+                                    <p:cond delay="0"/>
+                                  </p:stCondLst>
+                                  <p:childTnLst>
+                                    <p:set>
+                                      <p:cBhvr>
+                                        <p:cTn id="6" dur="1" fill="hold">
+                                          <p:stCondLst>
+                                            <p:cond delay="0"/>
+                                          </p:stCondLst>
+                                        </p:cTn>
+                                        <p:tgtEl>
+                                          <p:spTgt spid="184">
+                                            <p:txEl>
+                                              <p:pRg st="0" end="0"/>
+                                            </p:txEl>
+                                          </p:spTgt>
+                                        </p:tgtEl>
+                                        <p:attrNameLst>
+                                          <p:attrName>style.visibility</p:attrName>
+                                        </p:attrNameLst>
+                                      </p:cBhvr>
+                                      <p:to>
+                                        <p:strVal val="visible"/>
+                                      </p:to>
+                                    </p:set>
+                                    <p:animEffect transition="in" filter="fade">
+                                      <p:cBhvr>
+                                        <p:cTn id="7" dur="500"/>
+                                        <p:tgtEl>
+                                          <p:spTgt spid="184">
+                                            <p:txEl>
+                                              <p:pRg st="0" end="0"/>
+                                            </p:txEl>
+                                          </p:spTgt>
+                                        </p:tgtEl>
+                                      </p:cBhvr>
+                                    </p:animEffect>
+                                  </p:childTnLst>
+                                </p:cTn>
+                              </p:par>
+                            </p:childTnLst>
+                          </p:cTn>
+                        </p:par>
+                      </p:childTnLst>
+                    </p:cTn>
+                  </p:par>
+                  <p:par>
+                    <p:cTn id="8" fill="hold">
+                      <p:stCondLst>
+                        <p:cond delay="indefinite"/>
+                      </p:stCondLst>
+                      <p:childTnLst>
+                        <p:par>
+                          <p:cTn id="9" fill="hold">
+                            <p:stCondLst>
+                              <p:cond delay="0"/>
+                            </p:stCondLst>
+                            <p:childTnLst>
+                              <p:par>
+                                <p:cTn id="10" presetID="10" presetClass="entr" presetSubtype="0" fill="hold" nodeType="clickEffect">
+                                  <p:stCondLst>
+                                    <p:cond delay="0"/>
+                                  </p:stCondLst>
+                                  <p:childTnLst>
+                                    <p:set>
+                                      <p:cBhvr>
+                                        <p:cTn id="11" dur="1" fill="hold">
+                                          <p:stCondLst>
+                                            <p:cond delay="0"/>
+                                          </p:stCondLst>
+                                        </p:cTn>
+                                        <p:tgtEl>
+                                          <p:spTgt spid="184">
+                                            <p:txEl>
+                                              <p:pRg st="1" end="1"/>
+                                            </p:txEl>
+                                          </p:spTgt>
+                                        </p:tgtEl>
+                                        <p:attrNameLst>
+                                          <p:attrName>style.visibility</p:attrName>
+                                        </p:attrNameLst>
+                                      </p:cBhvr>
+                                      <p:to>
+                                        <p:strVal val="visible"/>
+                                      </p:to>
+                                    </p:set>
+                                    <p:animEffect transition="in" filter="fade">
+                                      <p:cBhvr>
+                                        <p:cTn id="12" dur="500"/>
+                                        <p:tgtEl>
+                                          <p:spTgt spid="184">
+                                            <p:txEl>
+                                              <p:pRg st="1" end="1"/>
+                                            </p:txEl>
+                                          </p:spTgt>
+                                        </p:tgtEl>
+                                      </p:cBhvr>
+                                    </p:animEffect>
+                                  </p:childTnLst>
+                                </p:cTn>
+                              </p:par>
+                            </p:childTnLst>
+                          </p:cTn>
+                        </p:par>
+                      </p:childTnLst>
+                    </p:cTn>
+                  </p:par>
+                  <p:par>
+                    <p:cTn id="13" fill="hold">
+                      <p:stCondLst>
+                        <p:cond delay="indefinite"/>
+                      </p:stCondLst>
+                      <p:childTnLst>
+                        <p:par>
+                          <p:cTn id="14" fill="hold">
+                            <p:stCondLst>
+                              <p:cond delay="0"/>
+                            </p:stCondLst>
+                            <p:childTnLst>
+                              <p:par>
+                                <p:cTn id="15" presetID="10" presetClass="entr" presetSubtype="0" fill="hold" nodeType="clickEffect">
+                                  <p:stCondLst>
+                                    <p:cond delay="0"/>
+                                  </p:stCondLst>
+                                  <p:childTnLst>
+                                    <p:set>
+                                      <p:cBhvr>
+                                        <p:cTn id="16" dur="1" fill="hold">
+                                          <p:stCondLst>
+                                            <p:cond delay="0"/>
+                                          </p:stCondLst>
+                                        </p:cTn>
+                                        <p:tgtEl>
+                                          <p:spTgt spid="184">
+                                            <p:txEl>
+                                              <p:pRg st="2" end="2"/>
+                                            </p:txEl>
+                                          </p:spTgt>
+                                        </p:tgtEl>
+                                        <p:attrNameLst>
+                                          <p:attrName>style.visibility</p:attrName>
+                                        </p:attrNameLst>
+                                      </p:cBhvr>
+                                      <p:to>
+                                        <p:strVal val="visible"/>
+                                      </p:to>
+                                    </p:set>
+                                    <p:animEffect transition="in" filter="fade">
+                                      <p:cBhvr>
+                                        <p:cTn id="17" dur="500"/>
+                                        <p:tgtEl>
+                                          <p:spTgt spid="184">
+                                            <p:txEl>
+                                              <p:pRg st="2" end="2"/>
+                                            </p:txEl>
+                                          </p:spTgt>
+                                        </p:tgtEl>
+                                      </p:cBhvr>
+                                    </p:animEffect>
+                                  </p:childTnLst>
+                                </p:cTn>
+                              </p:par>
+                            </p:childTnLst>
+                          </p:cTn>
+                        </p:par>
+                      </p:childTnLst>
+                    </p:cTn>
+                  </p:par>
+                  <p:par>
+                    <p:cTn id="18" fill="hold">
+                      <p:stCondLst>
+                        <p:cond delay="indefinite"/>
+                      </p:stCondLst>
+                      <p:childTnLst>
+                        <p:par>
+                          <p:cTn id="19" fill="hold">
+                            <p:stCondLst>
+                              <p:cond delay="0"/>
+                            </p:stCondLst>
+                            <p:childTnLst>
+                              <p:par>
+                                <p:cTn id="20" presetID="10" presetClass="entr" presetSubtype="0" fill="hold" nodeType="clickEffect">
+                                  <p:stCondLst>
+                                    <p:cond delay="0"/>
+                                  </p:stCondLst>
+                                  <p:childTnLst>
+                                    <p:set>
+                                      <p:cBhvr>
+                                        <p:cTn id="21" dur="1" fill="hold">
+                                          <p:stCondLst>
+                                            <p:cond delay="0"/>
+                                          </p:stCondLst>
+                                        </p:cTn>
+                                        <p:tgtEl>
+                                          <p:spTgt spid="184">
+                                            <p:txEl>
+                                              <p:pRg st="3" end="3"/>
+                                            </p:txEl>
+                                          </p:spTgt>
+                                        </p:tgtEl>
+                                        <p:attrNameLst>
+                                          <p:attrName>style.visibility</p:attrName>
+                                        </p:attrNameLst>
+                                      </p:cBhvr>
+                                      <p:to>
+                                        <p:strVal val="visible"/>
+                                      </p:to>
+                                    </p:set>
+                                    <p:animEffect transition="in" filter="fade">
+                                      <p:cBhvr>
+                                        <p:cTn id="22" dur="500"/>
+                                        <p:tgtEl>
+                                          <p:spTgt spid="184">
+                                            <p:txEl>
+                                              <p:pRg st="3" end="3"/>
+                                            </p:txEl>
+                                          </p:spTgt>
+                                        </p:tgtEl>
+                                      </p:cBhvr>
+                                    </p:animEffect>
+                                  </p:childTnLst>
+                                </p:cTn>
+                              </p:par>
+                            </p:childTnLst>
+                          </p:cTn>
+                        </p:par>
+                      </p:childTnLst>
+                    </p:cTn>
+                  </p:par>
+                  <p:par>
+                    <p:cTn id="23" fill="hold">
+                      <p:stCondLst>
+                        <p:cond delay="indefinite"/>
+                      </p:stCondLst>
+                      <p:childTnLst>
+                        <p:par>
+                          <p:cTn id="24" fill="hold">
+                            <p:stCondLst>
+                              <p:cond delay="0"/>
+                            </p:stCondLst>
+                            <p:childTnLst>
+                              <p:par>
+                                <p:cTn id="25" presetID="10" presetClass="entr" presetSubtype="0" fill="hold" nodeType="clickEffect">
+                                  <p:stCondLst>
+                                    <p:cond delay="0"/>
+                                  </p:stCondLst>
+                                  <p:childTnLst>
+                                    <p:set>
+                                      <p:cBhvr>
+                                        <p:cTn id="26" dur="1" fill="hold">
+                                          <p:stCondLst>
+                                            <p:cond delay="0"/>
+                                          </p:stCondLst>
+                                        </p:cTn>
+                                        <p:tgtEl>
+                                          <p:spTgt spid="184">
+                                            <p:txEl>
+                                              <p:pRg st="4" end="4"/>
+                                            </p:txEl>
+                                          </p:spTgt>
+                                        </p:tgtEl>
+                                        <p:attrNameLst>
+                                          <p:attrName>style.visibility</p:attrName>
+                                        </p:attrNameLst>
+                                      </p:cBhvr>
+                                      <p:to>
+                                        <p:strVal val="visible"/>
+                                      </p:to>
+                                    </p:set>
+                                    <p:animEffect transition="in" filter="fade">
+                                      <p:cBhvr>
+                                        <p:cTn id="27" dur="500"/>
+                                        <p:tgtEl>
+                                          <p:spTgt spid="184">
+                                            <p:txEl>
+                                              <p:pRg st="4" end="4"/>
+                                            </p:txEl>
+                                          </p:spTgt>
+                                        </p:tgtEl>
+                                      </p:cBhvr>
+                                    </p:animEffect>
+                                  </p:childTnLst>
+                                </p:cTn>
+                              </p:par>
+                            </p:childTnLst>
+                          </p:cTn>
+                        </p:par>
+                      </p:childTnLst>
+                    </p:cTn>
+                  </p:par>
+                  <p:par>
+                    <p:cTn id="28" fill="hold">
+                      <p:stCondLst>
+                        <p:cond delay="indefinite"/>
+                      </p:stCondLst>
+                      <p:childTnLst>
+                        <p:par>
+                          <p:cTn id="29" fill="hold">
+                            <p:stCondLst>
+                              <p:cond delay="0"/>
+                            </p:stCondLst>
+                            <p:childTnLst>
+                              <p:par>
+                                <p:cTn id="30" presetID="10" presetClass="entr" presetSubtype="0" fill="hold" nodeType="clickEffect">
+                                  <p:stCondLst>
+                                    <p:cond delay="0"/>
+                                  </p:stCondLst>
+                                  <p:childTnLst>
+                                    <p:set>
+                                      <p:cBhvr>
+                                        <p:cTn id="31" dur="1" fill="hold">
+                                          <p:stCondLst>
+                                            <p:cond delay="0"/>
+                                          </p:stCondLst>
+                                        </p:cTn>
+                                        <p:tgtEl>
+                                          <p:spTgt spid="184">
+                                            <p:txEl>
+                                              <p:pRg st="5" end="5"/>
+                                            </p:txEl>
+                                          </p:spTgt>
+                                        </p:tgtEl>
+                                        <p:attrNameLst>
+                                          <p:attrName>style.visibility</p:attrName>
+                                        </p:attrNameLst>
+                                      </p:cBhvr>
+                                      <p:to>
+                                        <p:strVal val="visible"/>
+                                      </p:to>
+                                    </p:set>
+                                    <p:animEffect transition="in" filter="fade">
+                                      <p:cBhvr>
+                                        <p:cTn id="32" dur="500"/>
+                                        <p:tgtEl>
+                                          <p:spTgt spid="184">
+                                            <p:txEl>
+                                              <p:pRg st="5" end="5"/>
+                                            </p:txEl>
+                                          </p:spTgt>
+                                        </p:tgtEl>
+                                      </p:cBhvr>
+                                    </p:animEffect>
+                                  </p:childTnLst>
+                                </p:cTn>
+                              </p:par>
+                            </p:childTnLst>
+                          </p:cTn>
+                        </p:par>
+                      </p:childTnLst>
+                    </p:cTn>
+                  </p:par>
+                </p:childTnLst>
+              </p:cTn>
+              <p:prevCondLst>
+                <p:cond evt="onPrev" delay="0">
+                  <p:tgtEl>
+                    <p:sldTgt/>
+                  </p:tgtEl>
+                </p:cond>
+              </p:prevCondLst>
+              <p:nextCondLst>
+                <p:cond evt="onNext" delay="0">
+                  <p:tgtEl>
+                    <p:sldTgt/>
+                  </p:tgtEl>
+                </p:cond>
+              </p:nextCondLst>
+            </p:seq>
+          </p:childTnLst>
+        </p:cTn>
+      </p:par>
+    </p:tnLst>
+  </p:timing>
 </p:sld>
 </file>
 
@@ -21246,7 +26805,7 @@
               <a:buChar char="•"/>
             </a:pPr>
             <a:r>
-              <a:rPr lang="pt-BR" sz="2400" b="0" strike="noStrike" spc="-1">
+              <a:rPr lang="pt-BR" sz="2400" b="0" strike="noStrike" spc="-1" dirty="0">
                 <a:solidFill>
                   <a:srgbClr val="000000"/>
                 </a:solidFill>
@@ -21265,7 +26824,7 @@
               </a:spcBef>
             </a:pPr>
             <a:r>
-              <a:rPr lang="pt-BR" sz="2400" b="1" strike="noStrike" spc="-1">
+              <a:rPr lang="pt-BR" sz="2400" b="1" strike="noStrike" spc="-1" dirty="0">
                 <a:solidFill>
                   <a:srgbClr val="0000FF"/>
                 </a:solidFill>
@@ -21274,15 +26833,24 @@
               <a:t>CREATE DATABASE </a:t>
             </a:r>
             <a:r>
-              <a:rPr lang="pt-BR" sz="2400" b="0" strike="noStrike" spc="-1">
-                <a:solidFill>
-                  <a:srgbClr val="000000"/>
-                </a:solidFill>
-                <a:latin typeface="Courier New"/>
-              </a:rPr>
-              <a:t>nome_banco;</a:t>
-            </a:r>
-            <a:endParaRPr lang="pt-BR" sz="2400" b="0" strike="noStrike" spc="-1">
+              <a:rPr lang="pt-BR" sz="2400" b="0" strike="noStrike" spc="-1" dirty="0" err="1">
+                <a:solidFill>
+                  <a:srgbClr val="000000"/>
+                </a:solidFill>
+                <a:latin typeface="Courier New"/>
+              </a:rPr>
+              <a:t>nome_banco</a:t>
+            </a:r>
+            <a:r>
+              <a:rPr lang="pt-BR" sz="2400" b="0" strike="noStrike" spc="-1" dirty="0">
+                <a:solidFill>
+                  <a:srgbClr val="000000"/>
+                </a:solidFill>
+                <a:latin typeface="Courier New"/>
+              </a:rPr>
+              <a:t>;</a:t>
+            </a:r>
+            <a:endParaRPr lang="pt-BR" sz="2400" b="0" strike="noStrike" spc="-1" dirty="0">
               <a:solidFill>
                 <a:srgbClr val="000000"/>
               </a:solidFill>
@@ -21298,7 +26866,7 @@
                 <a:spcPts val="119"/>
               </a:spcBef>
             </a:pPr>
-            <a:endParaRPr lang="pt-BR" sz="2400" b="0" strike="noStrike" spc="-1">
+            <a:endParaRPr lang="pt-BR" sz="1200" b="0" strike="noStrike" spc="-1" dirty="0">
               <a:solidFill>
                 <a:srgbClr val="000000"/>
               </a:solidFill>
@@ -21320,7 +26888,7 @@
               <a:buChar char="•"/>
             </a:pPr>
             <a:r>
-              <a:rPr lang="pt-BR" sz="2400" b="0" strike="noStrike" spc="-1">
+              <a:rPr lang="pt-BR" sz="2400" b="0" strike="noStrike" spc="-1" dirty="0">
                 <a:solidFill>
                   <a:srgbClr val="000000"/>
                 </a:solidFill>
@@ -21339,7 +26907,7 @@
               </a:spcBef>
             </a:pPr>
             <a:r>
-              <a:rPr lang="pt-BR" sz="2400" b="1" strike="noStrike" spc="-1">
+              <a:rPr lang="pt-BR" sz="2400" b="1" strike="noStrike" spc="-1" dirty="0">
                 <a:solidFill>
                   <a:srgbClr val="0000FF"/>
                 </a:solidFill>
@@ -21348,15 +26916,24 @@
               <a:t>DROP DATABASE </a:t>
             </a:r>
             <a:r>
-              <a:rPr lang="pt-BR" sz="2400" b="0" strike="noStrike" spc="-1">
-                <a:solidFill>
-                  <a:srgbClr val="000000"/>
-                </a:solidFill>
-                <a:latin typeface="Courier New"/>
-              </a:rPr>
-              <a:t>nome_banco;</a:t>
-            </a:r>
-            <a:endParaRPr lang="pt-BR" sz="2400" b="0" strike="noStrike" spc="-1">
+              <a:rPr lang="pt-BR" sz="2400" b="0" strike="noStrike" spc="-1" dirty="0" err="1">
+                <a:solidFill>
+                  <a:srgbClr val="000000"/>
+                </a:solidFill>
+                <a:latin typeface="Courier New"/>
+              </a:rPr>
+              <a:t>nome_banco</a:t>
+            </a:r>
+            <a:r>
+              <a:rPr lang="pt-BR" sz="2400" b="0" strike="noStrike" spc="-1" dirty="0">
+                <a:solidFill>
+                  <a:srgbClr val="000000"/>
+                </a:solidFill>
+                <a:latin typeface="Courier New"/>
+              </a:rPr>
+              <a:t>;</a:t>
+            </a:r>
+            <a:endParaRPr lang="pt-BR" sz="2400" b="0" strike="noStrike" spc="-1" dirty="0">
               <a:solidFill>
                 <a:srgbClr val="000000"/>
               </a:solidFill>
@@ -21372,7 +26949,7 @@
                 <a:spcPts val="119"/>
               </a:spcBef>
             </a:pPr>
-            <a:endParaRPr lang="pt-BR" sz="2400" b="0" strike="noStrike" spc="-1">
+            <a:endParaRPr lang="pt-BR" sz="1200" b="0" strike="noStrike" spc="-1" dirty="0">
               <a:solidFill>
                 <a:srgbClr val="000000"/>
               </a:solidFill>
@@ -21394,7 +26971,7 @@
               <a:buChar char="•"/>
             </a:pPr>
             <a:r>
-              <a:rPr lang="pt-BR" sz="2400" b="0" strike="noStrike" spc="-1">
+              <a:rPr lang="pt-BR" sz="2400" b="0" strike="noStrike" spc="-1" dirty="0">
                 <a:solidFill>
                   <a:srgbClr val="000000"/>
                 </a:solidFill>
@@ -21413,7 +26990,7 @@
               </a:spcBef>
             </a:pPr>
             <a:r>
-              <a:rPr lang="pt-BR" sz="2400" b="1" strike="noStrike" spc="-1">
+              <a:rPr lang="pt-BR" sz="2400" b="1" strike="noStrike" spc="-1" dirty="0">
                 <a:solidFill>
                   <a:srgbClr val="0000FF"/>
                 </a:solidFill>
@@ -21422,7 +26999,7 @@
               <a:t>SHOW DATABASES</a:t>
             </a:r>
             <a:r>
-              <a:rPr lang="pt-BR" sz="2400" b="0" strike="noStrike" spc="-1">
+              <a:rPr lang="pt-BR" sz="2400" b="0" strike="noStrike" spc="-1" dirty="0">
                 <a:solidFill>
                   <a:srgbClr val="000000"/>
                 </a:solidFill>
@@ -21430,7 +27007,7 @@
               </a:rPr>
               <a:t>;</a:t>
             </a:r>
-            <a:endParaRPr lang="pt-BR" sz="2400" b="0" strike="noStrike" spc="-1">
+            <a:endParaRPr lang="pt-BR" sz="2400" b="0" strike="noStrike" spc="-1" dirty="0">
               <a:solidFill>
                 <a:srgbClr val="000000"/>
               </a:solidFill>
@@ -21446,7 +27023,7 @@
                 <a:spcPts val="119"/>
               </a:spcBef>
             </a:pPr>
-            <a:endParaRPr lang="pt-BR" sz="2400" b="0" strike="noStrike" spc="-1">
+            <a:endParaRPr lang="pt-BR" sz="1200" b="0" strike="noStrike" spc="-1" dirty="0">
               <a:solidFill>
                 <a:srgbClr val="000000"/>
               </a:solidFill>
@@ -21468,7 +27045,7 @@
               <a:buChar char="•"/>
             </a:pPr>
             <a:r>
-              <a:rPr lang="pt-BR" sz="2400" b="0" strike="noStrike" spc="-1">
+              <a:rPr lang="pt-BR" sz="2400" b="0" strike="noStrike" spc="-1" dirty="0">
                 <a:solidFill>
                   <a:srgbClr val="000000"/>
                 </a:solidFill>
@@ -21487,7 +27064,7 @@
               </a:spcBef>
             </a:pPr>
             <a:r>
-              <a:rPr lang="pt-BR" sz="2400" b="1" strike="noStrike" spc="-1">
+              <a:rPr lang="pt-BR" sz="2400" b="1" strike="noStrike" spc="-1" dirty="0">
                 <a:solidFill>
                   <a:srgbClr val="0000FF"/>
                 </a:solidFill>
@@ -21496,47 +27073,24 @@
               <a:t>USE </a:t>
             </a:r>
             <a:r>
-              <a:rPr lang="pt-BR" sz="2400" b="0" strike="noStrike" spc="-1">
-                <a:solidFill>
-                  <a:srgbClr val="000000"/>
-                </a:solidFill>
-                <a:latin typeface="Courier New"/>
-              </a:rPr>
-              <a:t>nome_banco;</a:t>
-            </a:r>
-            <a:endParaRPr lang="pt-BR" sz="2400" b="0" strike="noStrike" spc="-1">
-              <a:solidFill>
-                <a:srgbClr val="000000"/>
-              </a:solidFill>
-              <a:latin typeface="Arial"/>
-            </a:endParaRPr>
-          </a:p>
-          <a:p>
-            <a:pPr>
-              <a:lnSpc>
-                <a:spcPct val="100000"/>
-              </a:lnSpc>
-              <a:spcBef>
-                <a:spcPts val="479"/>
-              </a:spcBef>
-            </a:pPr>
-            <a:endParaRPr lang="pt-BR" sz="2400" b="0" strike="noStrike" spc="-1">
-              <a:solidFill>
-                <a:srgbClr val="000000"/>
-              </a:solidFill>
-              <a:latin typeface="Arial"/>
-            </a:endParaRPr>
-          </a:p>
-          <a:p>
-            <a:pPr>
-              <a:lnSpc>
-                <a:spcPct val="100000"/>
-              </a:lnSpc>
-              <a:spcBef>
-                <a:spcPts val="479"/>
-              </a:spcBef>
-            </a:pPr>
-            <a:endParaRPr lang="pt-BR" sz="2400" b="0" strike="noStrike" spc="-1">
+              <a:rPr lang="pt-BR" sz="2400" b="0" strike="noStrike" spc="-1" dirty="0" err="1">
+                <a:solidFill>
+                  <a:srgbClr val="000000"/>
+                </a:solidFill>
+                <a:latin typeface="Courier New"/>
+              </a:rPr>
+              <a:t>nome_banco</a:t>
+            </a:r>
+            <a:r>
+              <a:rPr lang="pt-BR" sz="2400" b="0" strike="noStrike" spc="-1" dirty="0">
+                <a:solidFill>
+                  <a:srgbClr val="000000"/>
+                </a:solidFill>
+                <a:latin typeface="Courier New"/>
+              </a:rPr>
+              <a:t>;</a:t>
+            </a:r>
+            <a:endParaRPr lang="pt-BR" sz="2400" b="0" strike="noStrike" spc="-1" dirty="0">
               <a:solidFill>
                 <a:srgbClr val="000000"/>
               </a:solidFill>
